--- a/Présentation finale/presentation_finale.pptx
+++ b/Présentation finale/presentation_finale.pptx
@@ -1249,7 +1249,7 @@
                   </a:outerShdw>
                 </a:effectLst>
               </a:rPr>
-              <a:t>Livrables</a:t>
+              <a:t>Résultats</a:t>
             </a:r>
           </a:p>
           <a:p>
@@ -1784,7 +1784,7 @@
                   </a:outerShdw>
                 </a:effectLst>
               </a:rPr>
-              <a:t>Livrables</a:t>
+              <a:t>Résultats</a:t>
             </a:r>
           </a:p>
           <a:p>
@@ -2948,7 +2948,7 @@
                   </a:outerShdw>
                 </a:effectLst>
               </a:rPr>
-              <a:t>Livrables</a:t>
+              <a:t>Résultats</a:t>
             </a:r>
           </a:p>
           <a:p>
@@ -3489,7 +3489,7 @@
                   </a:outerShdw>
                 </a:effectLst>
               </a:rPr>
-              <a:t>Livrables</a:t>
+              <a:t>Résultats</a:t>
             </a:r>
           </a:p>
           <a:p>
@@ -4028,7 +4028,7 @@
                   </a:outerShdw>
                 </a:effectLst>
               </a:rPr>
-              <a:t>Livrables</a:t>
+              <a:t>Résultats</a:t>
             </a:r>
           </a:p>
           <a:p>
@@ -4690,14 +4690,14 @@
           <p:nvPr>
             <p:extLst>
               <p:ext uri="{D42A27DB-BD31-4B8C-83A1-F6EECF244321}">
-                <p14:modId xmlns:p14="http://schemas.microsoft.com/office/powerpoint/2010/main" val="3519593985"/>
+                <p14:modId xmlns:p14="http://schemas.microsoft.com/office/powerpoint/2010/main" val="1370000900"/>
               </p:ext>
             </p:extLst>
           </p:nvPr>
         </p:nvGraphicFramePr>
         <p:xfrm>
           <a:off x="1812540" y="1734800"/>
-          <a:ext cx="6912767" cy="3638416"/>
+          <a:ext cx="6912767" cy="3774440"/>
         </p:xfrm>
         <a:graphic>
           <a:graphicData uri="http://schemas.openxmlformats.org/drawingml/2006/table">
@@ -4731,6 +4731,7 @@
                     <a:bodyPr/>
                     <a:lstStyle/>
                     <a:p>
+                      <a:pPr algn="ctr"/>
                       <a:r>
                         <a:rPr lang="fr-FR" dirty="0" smtClean="0"/>
                         <a:t>Nom</a:t>
@@ -4738,7 +4739,7 @@
                       <a:endParaRPr lang="fr-FR" dirty="0"/>
                     </a:p>
                   </a:txBody>
-                  <a:tcPr>
+                  <a:tcPr anchor="ctr">
                     <a:solidFill>
                       <a:srgbClr val="005293"/>
                     </a:solidFill>
@@ -4749,14 +4750,26 @@
                     <a:bodyPr/>
                     <a:lstStyle/>
                     <a:p>
+                      <a:pPr algn="ctr"/>
                       <a:r>
                         <a:rPr lang="fr-FR" dirty="0" smtClean="0"/>
                         <a:t>Quantité</a:t>
                       </a:r>
+                    </a:p>
+                    <a:p>
+                      <a:pPr algn="ctr"/>
+                      <a:r>
+                        <a:rPr lang="fr-FR" dirty="0" smtClean="0"/>
+                        <a:t>de</a:t>
+                      </a:r>
+                      <a:r>
+                        <a:rPr lang="fr-FR" baseline="0" dirty="0" smtClean="0"/>
+                        <a:t> données</a:t>
+                      </a:r>
                       <a:endParaRPr lang="fr-FR" dirty="0"/>
                     </a:p>
                   </a:txBody>
-                  <a:tcPr>
+                  <a:tcPr anchor="ctr">
                     <a:solidFill>
                       <a:srgbClr val="005293"/>
                     </a:solidFill>
@@ -4767,6 +4780,7 @@
                     <a:bodyPr/>
                     <a:lstStyle/>
                     <a:p>
+                      <a:pPr algn="ctr"/>
                       <a:r>
                         <a:rPr lang="fr-FR" dirty="0" smtClean="0"/>
                         <a:t>Origine</a:t>
@@ -4774,7 +4788,7 @@
                       <a:endParaRPr lang="fr-FR" dirty="0"/>
                     </a:p>
                   </a:txBody>
-                  <a:tcPr>
+                  <a:tcPr anchor="ctr">
                     <a:solidFill>
                       <a:srgbClr val="005293"/>
                     </a:solidFill>
@@ -4837,7 +4851,7 @@
                       <a:endParaRPr lang="fr-FR" dirty="0"/>
                     </a:p>
                   </a:txBody>
-                  <a:tcPr>
+                  <a:tcPr anchor="ctr">
                     <a:solidFill>
                       <a:schemeClr val="bg1"/>
                     </a:solidFill>
@@ -4848,6 +4862,7 @@
                     <a:bodyPr/>
                     <a:lstStyle/>
                     <a:p>
+                      <a:pPr algn="ctr"/>
                       <a:r>
                         <a:rPr lang="fr-FR" dirty="0" smtClean="0"/>
                         <a:t>25000 x 2</a:t>
@@ -4855,7 +4870,7 @@
                       <a:endParaRPr lang="fr-FR" dirty="0"/>
                     </a:p>
                   </a:txBody>
-                  <a:tcPr>
+                  <a:tcPr anchor="ctr">
                     <a:solidFill>
                       <a:schemeClr val="bg1"/>
                     </a:solidFill>
@@ -4873,7 +4888,7 @@
                       <a:endParaRPr lang="fr-FR" dirty="0"/>
                     </a:p>
                   </a:txBody>
-                  <a:tcPr>
+                  <a:tcPr anchor="ctr">
                     <a:solidFill>
                       <a:schemeClr val="bg1"/>
                     </a:solidFill>
@@ -4919,7 +4934,7 @@
                       <a:endParaRPr lang="fr-FR" dirty="0"/>
                     </a:p>
                   </a:txBody>
-                  <a:tcPr>
+                  <a:tcPr anchor="ctr">
                     <a:lnB w="12700" cap="flat" cmpd="sng" algn="ctr">
                       <a:solidFill>
                         <a:schemeClr val="tx1"/>
@@ -4939,6 +4954,7 @@
                     <a:bodyPr/>
                     <a:lstStyle/>
                     <a:p>
+                      <a:pPr algn="ctr"/>
                       <a:r>
                         <a:rPr lang="fr-FR" dirty="0" smtClean="0"/>
                         <a:t>215 000</a:t>
@@ -4946,7 +4962,7 @@
                       <a:endParaRPr lang="fr-FR" dirty="0"/>
                     </a:p>
                   </a:txBody>
-                  <a:tcPr>
+                  <a:tcPr anchor="ctr">
                     <a:lnB w="12700" cap="flat" cmpd="sng" algn="ctr">
                       <a:solidFill>
                         <a:schemeClr val="tx1"/>
@@ -4973,7 +4989,7 @@
                       <a:endParaRPr lang="fr-FR" dirty="0"/>
                     </a:p>
                   </a:txBody>
-                  <a:tcPr>
+                  <a:tcPr anchor="ctr">
                     <a:lnB w="12700" cap="flat" cmpd="sng" algn="ctr">
                       <a:solidFill>
                         <a:schemeClr val="tx1"/>
@@ -5038,7 +5054,7 @@
                       <a:endParaRPr lang="fr-FR" dirty="0"/>
                     </a:p>
                   </a:txBody>
-                  <a:tcPr>
+                  <a:tcPr anchor="ctr">
                     <a:lnT w="12700" cap="flat" cmpd="sng" algn="ctr">
                       <a:solidFill>
                         <a:schemeClr val="tx1"/>
@@ -5058,6 +5074,7 @@
                     <a:bodyPr/>
                     <a:lstStyle/>
                     <a:p>
+                      <a:pPr algn="ctr"/>
                       <a:r>
                         <a:rPr lang="fr-FR" dirty="0" smtClean="0"/>
                         <a:t>5500</a:t>
@@ -5065,7 +5082,7 @@
                       <a:endParaRPr lang="fr-FR" dirty="0"/>
                     </a:p>
                   </a:txBody>
-                  <a:tcPr>
+                  <a:tcPr anchor="ctr">
                     <a:lnT w="12700" cap="flat" cmpd="sng" algn="ctr">
                       <a:solidFill>
                         <a:schemeClr val="tx1"/>
@@ -5096,7 +5113,7 @@
                       <a:endParaRPr lang="fr-FR" dirty="0"/>
                     </a:p>
                   </a:txBody>
-                  <a:tcPr>
+                  <a:tcPr anchor="ctr">
                     <a:lnT w="12700" cap="flat" cmpd="sng" algn="ctr">
                       <a:solidFill>
                         <a:schemeClr val="tx1"/>
@@ -5143,7 +5160,7 @@
                       <a:endParaRPr lang="fr-FR" dirty="0"/>
                     </a:p>
                   </a:txBody>
-                  <a:tcPr>
+                  <a:tcPr anchor="ctr">
                     <a:lnB w="12700" cap="flat" cmpd="sng" algn="ctr">
                       <a:solidFill>
                         <a:schemeClr val="tx1"/>
@@ -5163,6 +5180,7 @@
                     <a:bodyPr/>
                     <a:lstStyle/>
                     <a:p>
+                      <a:pPr algn="ctr"/>
                       <a:r>
                         <a:rPr lang="fr-FR" dirty="0" smtClean="0"/>
                         <a:t>1 578 627</a:t>
@@ -5170,7 +5188,7 @@
                       <a:endParaRPr lang="fr-FR" dirty="0"/>
                     </a:p>
                   </a:txBody>
-                  <a:tcPr>
+                  <a:tcPr anchor="ctr">
                     <a:lnB w="12700" cap="flat" cmpd="sng" algn="ctr">
                       <a:solidFill>
                         <a:schemeClr val="tx1"/>
@@ -5197,7 +5215,7 @@
                       <a:endParaRPr lang="fr-FR" dirty="0"/>
                     </a:p>
                   </a:txBody>
-                  <a:tcPr>
+                  <a:tcPr anchor="ctr">
                     <a:lnB w="12700" cap="flat" cmpd="sng" algn="ctr">
                       <a:solidFill>
                         <a:schemeClr val="tx1"/>
@@ -5262,7 +5280,7 @@
                       <a:endParaRPr lang="fr-FR" dirty="0"/>
                     </a:p>
                   </a:txBody>
-                  <a:tcPr>
+                  <a:tcPr anchor="ctr">
                     <a:lnT w="12700" cap="flat" cmpd="sng" algn="ctr">
                       <a:solidFill>
                         <a:schemeClr val="tx1"/>
@@ -5282,6 +5300,7 @@
                     <a:bodyPr/>
                     <a:lstStyle/>
                     <a:p>
+                      <a:pPr algn="ctr"/>
                       <a:r>
                         <a:rPr lang="fr-FR" dirty="0" smtClean="0"/>
                         <a:t>9645</a:t>
@@ -5289,7 +5308,7 @@
                       <a:endParaRPr lang="fr-FR" dirty="0"/>
                     </a:p>
                   </a:txBody>
-                  <a:tcPr>
+                  <a:tcPr anchor="ctr">
                     <a:lnT w="12700" cap="flat" cmpd="sng" algn="ctr">
                       <a:solidFill>
                         <a:schemeClr val="tx1"/>
@@ -5316,7 +5335,7 @@
                       <a:endParaRPr lang="fr-FR" dirty="0"/>
                     </a:p>
                   </a:txBody>
-                  <a:tcPr>
+                  <a:tcPr anchor="ctr">
                     <a:lnT w="12700" cap="flat" cmpd="sng" algn="ctr">
                       <a:solidFill>
                         <a:schemeClr val="tx1"/>
@@ -5354,7 +5373,7 @@
                       </a:r>
                     </a:p>
                   </a:txBody>
-                  <a:tcPr>
+                  <a:tcPr anchor="ctr">
                     <a:lnB w="12700" cap="flat" cmpd="sng" algn="ctr">
                       <a:solidFill>
                         <a:schemeClr val="tx1"/>
@@ -5374,6 +5393,7 @@
                     <a:bodyPr/>
                     <a:lstStyle/>
                     <a:p>
+                      <a:pPr algn="ctr"/>
                       <a:r>
                         <a:rPr lang="fr-FR" dirty="0" smtClean="0"/>
                         <a:t>40 000</a:t>
@@ -5381,7 +5401,7 @@
                       <a:endParaRPr lang="fr-FR" dirty="0"/>
                     </a:p>
                   </a:txBody>
-                  <a:tcPr>
+                  <a:tcPr anchor="ctr">
                     <a:lnB w="12700" cap="flat" cmpd="sng" algn="ctr">
                       <a:solidFill>
                         <a:schemeClr val="tx1"/>
@@ -5408,7 +5428,7 @@
                       <a:endParaRPr lang="fr-FR" dirty="0"/>
                     </a:p>
                   </a:txBody>
-                  <a:tcPr>
+                  <a:tcPr anchor="ctr">
                     <a:lnB w="12700" cap="flat" cmpd="sng" algn="ctr">
                       <a:solidFill>
                         <a:schemeClr val="tx1"/>
@@ -5464,7 +5484,7 @@
                       <a:endParaRPr lang="fr-FR" dirty="0" smtClean="0"/>
                     </a:p>
                   </a:txBody>
-                  <a:tcPr>
+                  <a:tcPr anchor="ctr">
                     <a:lnT w="12700" cap="flat" cmpd="sng" algn="ctr">
                       <a:solidFill>
                         <a:schemeClr val="tx1"/>
@@ -5484,6 +5504,7 @@
                     <a:bodyPr/>
                     <a:lstStyle/>
                     <a:p>
+                      <a:pPr algn="ctr"/>
                       <a:r>
                         <a:rPr lang="fr-FR" baseline="0" dirty="0" smtClean="0"/>
                         <a:t>&gt; 6 millions</a:t>
@@ -5498,7 +5519,7 @@
                       </a:r>
                     </a:p>
                   </a:txBody>
-                  <a:tcPr>
+                  <a:tcPr anchor="ctr">
                     <a:lnT w="12700" cap="flat" cmpd="sng" algn="ctr">
                       <a:solidFill>
                         <a:schemeClr val="tx1"/>
@@ -5529,7 +5550,7 @@
                       <a:endParaRPr lang="fr-FR" dirty="0"/>
                     </a:p>
                   </a:txBody>
-                  <a:tcPr>
+                  <a:tcPr anchor="ctr">
                     <a:lnT w="12700" cap="flat" cmpd="sng" algn="ctr">
                       <a:solidFill>
                         <a:schemeClr val="tx1"/>
@@ -5572,7 +5593,7 @@
         </p:blipFill>
         <p:spPr bwMode="auto">
           <a:xfrm>
-            <a:off x="1982780" y="4141264"/>
+            <a:off x="1982780" y="4317476"/>
             <a:ext cx="447675" cy="352425"/>
           </a:xfrm>
           <a:prstGeom prst="rect">
@@ -5626,7 +5647,7 @@
         </p:blipFill>
         <p:spPr bwMode="auto">
           <a:xfrm>
-            <a:off x="2018760" y="3281774"/>
+            <a:off x="2004799" y="3484240"/>
             <a:ext cx="361950" cy="304800"/>
           </a:xfrm>
           <a:prstGeom prst="rect">
@@ -5680,7 +5701,7 @@
         </p:blipFill>
         <p:spPr bwMode="auto">
           <a:xfrm>
-            <a:off x="2001830" y="2429253"/>
+            <a:off x="1971461" y="2492896"/>
             <a:ext cx="428625" cy="428625"/>
           </a:xfrm>
           <a:prstGeom prst="rect">
@@ -5734,7 +5755,7 @@
         </p:blipFill>
         <p:spPr bwMode="auto">
           <a:xfrm>
-            <a:off x="2032024" y="4831144"/>
+            <a:off x="2021091" y="4972980"/>
             <a:ext cx="400050" cy="400050"/>
           </a:xfrm>
           <a:prstGeom prst="rect">
@@ -5789,7 +5810,7 @@
           <a:p>
             <a:pPr algn="r"/>
             <a:r>
-              <a:rPr lang="fr-FR" sz="1500" i="1" baseline="30000" dirty="0" smtClean="0">
+              <a:rPr lang="fr-FR" sz="1500" b="1" i="1" baseline="30000" dirty="0" smtClean="0">
                 <a:solidFill>
                   <a:srgbClr val="C00000"/>
                 </a:solidFill>
@@ -6098,66 +6119,12 @@
           </p:nvGrpSpPr>
           <p:grpSpPr>
             <a:xfrm>
-              <a:off x="2769488" y="3226682"/>
-              <a:ext cx="5017385" cy="1080000"/>
-              <a:chOff x="2769488" y="3226682"/>
-              <a:chExt cx="5017385" cy="1080000"/>
+              <a:off x="2769488" y="3528155"/>
+              <a:ext cx="5017385" cy="479039"/>
+              <a:chOff x="2769488" y="3528155"/>
+              <a:chExt cx="5017385" cy="479039"/>
             </a:xfrm>
           </p:grpSpPr>
-          <p:pic>
-            <p:nvPicPr>
-              <p:cNvPr id="5129" name="Picture 9"/>
-              <p:cNvPicPr>
-                <a:picLocks noChangeAspect="1" noChangeArrowheads="1"/>
-              </p:cNvPicPr>
-              <p:nvPr/>
-            </p:nvPicPr>
-            <p:blipFill>
-              <a:blip r:embed="rId6">
-                <a:extLst>
-                  <a:ext uri="{28A0092B-C50C-407E-A947-70E740481C1C}">
-                    <a14:useLocalDpi xmlns:a14="http://schemas.microsoft.com/office/drawing/2010/main" val="0"/>
-                  </a:ext>
-                </a:extLst>
-              </a:blip>
-              <a:srcRect/>
-              <a:stretch>
-                <a:fillRect/>
-              </a:stretch>
-            </p:blipFill>
-            <p:spPr bwMode="auto">
-              <a:xfrm>
-                <a:off x="4555615" y="3226682"/>
-                <a:ext cx="1151053" cy="1080000"/>
-              </a:xfrm>
-              <a:prstGeom prst="rect">
-                <a:avLst/>
-              </a:prstGeom>
-              <a:noFill/>
-              <a:ln>
-                <a:noFill/>
-              </a:ln>
-              <a:extLst>
-                <a:ext uri="{909E8E84-426E-40DD-AFC4-6F175D3DCCD1}">
-                  <a14:hiddenFill xmlns:a14="http://schemas.microsoft.com/office/drawing/2010/main">
-                    <a:solidFill>
-                      <a:schemeClr val="accent1"/>
-                    </a:solidFill>
-                  </a14:hiddenFill>
-                </a:ext>
-                <a:ext uri="{91240B29-F687-4F45-9708-019B960494DF}">
-                  <a14:hiddenLine xmlns:a14="http://schemas.microsoft.com/office/drawing/2010/main" w="9525">
-                    <a:solidFill>
-                      <a:schemeClr val="tx1"/>
-                    </a:solidFill>
-                    <a:miter lim="800000"/>
-                    <a:headEnd/>
-                    <a:tailEnd/>
-                  </a14:hiddenLine>
-                </a:ext>
-              </a:extLst>
-            </p:spPr>
-          </p:pic>
           <p:sp>
             <p:nvSpPr>
               <p:cNvPr id="7" name="ZoneTexte 6"/>
@@ -6321,7 +6288,6 @@
               <a:rPr lang="fr-FR" dirty="0" smtClean="0"/>
               <a:t>Format uniforme entre les bases.</a:t>
             </a:r>
-            <a:endParaRPr lang="fr-FR" dirty="0" smtClean="0"/>
           </a:p>
           <a:p>
             <a:pPr marL="285750" indent="-285750">
@@ -6333,11 +6299,7 @@
             </a:pPr>
             <a:r>
               <a:rPr lang="fr-FR" dirty="0" smtClean="0"/>
-              <a:t>Réduction de la taille</a:t>
-            </a:r>
-            <a:r>
-              <a:rPr lang="fr-FR" dirty="0" smtClean="0"/>
-              <a:t>.</a:t>
+              <a:t>Réduction de la taille.</a:t>
             </a:r>
           </a:p>
           <a:p>
@@ -6360,16 +6322,66 @@
             </a:pPr>
             <a:r>
               <a:rPr lang="fr-FR" dirty="0" smtClean="0"/>
-              <a:t>Pré-calcul </a:t>
-            </a:r>
-            <a:r>
-              <a:rPr lang="fr-FR" dirty="0" smtClean="0"/>
-              <a:t>sur la répartition des données.</a:t>
+              <a:t>Pré-calcul sur la répartition des données.</a:t>
             </a:r>
             <a:endParaRPr lang="fr-FR" dirty="0"/>
           </a:p>
         </p:txBody>
       </p:sp>
+      <p:pic>
+        <p:nvPicPr>
+          <p:cNvPr id="1026" name="Picture 2"/>
+          <p:cNvPicPr>
+            <a:picLocks noChangeAspect="1" noChangeArrowheads="1"/>
+          </p:cNvPicPr>
+          <p:nvPr/>
+        </p:nvPicPr>
+        <p:blipFill>
+          <a:blip r:embed="rId6" cstate="print">
+            <a:extLst>
+              <a:ext uri="{28A0092B-C50C-407E-A947-70E740481C1C}">
+                <a14:useLocalDpi xmlns:a14="http://schemas.microsoft.com/office/drawing/2010/main" val="0"/>
+              </a:ext>
+            </a:extLst>
+          </a:blip>
+          <a:srcRect/>
+          <a:stretch>
+            <a:fillRect/>
+          </a:stretch>
+        </p:blipFill>
+        <p:spPr bwMode="auto">
+          <a:xfrm>
+            <a:off x="4537158" y="3116270"/>
+            <a:ext cx="1220502" cy="1080000"/>
+          </a:xfrm>
+          <a:prstGeom prst="rect">
+            <a:avLst/>
+          </a:prstGeom>
+          <a:noFill/>
+          <a:ln>
+            <a:noFill/>
+          </a:ln>
+          <a:extLst>
+            <a:ext uri="{909E8E84-426E-40DD-AFC4-6F175D3DCCD1}">
+              <a14:hiddenFill xmlns:a14="http://schemas.microsoft.com/office/drawing/2010/main">
+                <a:solidFill>
+                  <a:schemeClr val="accent1"/>
+                </a:solidFill>
+              </a14:hiddenFill>
+            </a:ext>
+            <a:ext uri="{91240B29-F687-4F45-9708-019B960494DF}">
+              <a14:hiddenLine xmlns:a14="http://schemas.microsoft.com/office/drawing/2010/main" w="9525">
+                <a:solidFill>
+                  <a:schemeClr val="tx1"/>
+                </a:solidFill>
+                <a:miter lim="800000"/>
+                <a:headEnd/>
+                <a:tailEnd/>
+              </a14:hiddenLine>
+            </a:ext>
+          </a:extLst>
+        </p:spPr>
+      </p:pic>
     </p:spTree>
     <p:extLst>
       <p:ext uri="{BB962C8B-B14F-4D97-AF65-F5344CB8AC3E}">
@@ -7843,10 +7855,14 @@
             <a:lstStyle/>
             <a:p>
               <a:r>
-                <a:rPr lang="fr-FR" dirty="0" smtClean="0"/>
+                <a:rPr lang="fr-FR" i="1" dirty="0" smtClean="0">
+                  <a:latin typeface="Eurostile" panose="020B0504020202050204" pitchFamily="34" charset="0"/>
+                </a:rPr>
                 <a:t>This</a:t>
               </a:r>
-              <a:endParaRPr lang="fr-FR" dirty="0"/>
+              <a:endParaRPr lang="fr-FR" i="1" dirty="0">
+                <a:latin typeface="Eurostile" panose="020B0504020202050204" pitchFamily="34" charset="0"/>
+              </a:endParaRPr>
             </a:p>
           </p:txBody>
         </p:sp>
@@ -7874,34 +7890,50 @@
             <a:p>
               <a:pPr algn="ctr"/>
               <a:r>
-                <a:rPr lang="fr-FR" dirty="0" err="1" smtClean="0"/>
+                <a:rPr lang="fr-FR" i="1" dirty="0" err="1" smtClean="0">
+                  <a:latin typeface="Eurostile" panose="020B0504020202050204" pitchFamily="34" charset="0"/>
+                </a:rPr>
                 <a:t>so</a:t>
               </a:r>
-              <a:endParaRPr lang="fr-FR" dirty="0" smtClean="0"/>
+              <a:endParaRPr lang="fr-FR" i="1" dirty="0" smtClean="0">
+                <a:latin typeface="Eurostile" panose="020B0504020202050204" pitchFamily="34" charset="0"/>
+              </a:endParaRPr>
             </a:p>
             <a:p>
               <a:pPr algn="ctr"/>
               <a:r>
-                <a:rPr lang="fr-FR" dirty="0" err="1" smtClean="0"/>
+                <a:rPr lang="fr-FR" i="1" dirty="0" err="1" smtClean="0">
+                  <a:latin typeface="Eurostile" panose="020B0504020202050204" pitchFamily="34" charset="0"/>
+                </a:rPr>
                 <a:t>never</a:t>
               </a:r>
-              <a:endParaRPr lang="fr-FR" dirty="0" smtClean="0"/>
+              <a:endParaRPr lang="fr-FR" i="1" dirty="0" smtClean="0">
+                <a:latin typeface="Eurostile" panose="020B0504020202050204" pitchFamily="34" charset="0"/>
+              </a:endParaRPr>
             </a:p>
             <a:p>
               <a:pPr algn="ctr"/>
               <a:r>
-                <a:rPr lang="fr-FR" dirty="0" err="1" smtClean="0"/>
+                <a:rPr lang="fr-FR" i="1" dirty="0" err="1" smtClean="0">
+                  <a:latin typeface="Eurostile" panose="020B0504020202050204" pitchFamily="34" charset="0"/>
+                </a:rPr>
                 <a:t>beautifully</a:t>
               </a:r>
-              <a:endParaRPr lang="fr-FR" dirty="0" smtClean="0"/>
+              <a:endParaRPr lang="fr-FR" i="1" dirty="0" smtClean="0">
+                <a:latin typeface="Eurostile" panose="020B0504020202050204" pitchFamily="34" charset="0"/>
+              </a:endParaRPr>
             </a:p>
             <a:p>
               <a:pPr algn="ctr"/>
               <a:r>
-                <a:rPr lang="fr-FR" dirty="0" err="1" smtClean="0"/>
+                <a:rPr lang="fr-FR" i="1" dirty="0" err="1" smtClean="0">
+                  <a:latin typeface="Eurostile" panose="020B0504020202050204" pitchFamily="34" charset="0"/>
+                </a:rPr>
                 <a:t>awfully</a:t>
               </a:r>
-              <a:endParaRPr lang="fr-FR" dirty="0"/>
+              <a:endParaRPr lang="fr-FR" i="1" dirty="0">
+                <a:latin typeface="Eurostile" panose="020B0504020202050204" pitchFamily="34" charset="0"/>
+              </a:endParaRPr>
             </a:p>
           </p:txBody>
         </p:sp>
@@ -7929,18 +7961,26 @@
             <a:p>
               <a:pPr algn="ctr"/>
               <a:r>
-                <a:rPr lang="fr-FR" dirty="0" err="1" smtClean="0"/>
+                <a:rPr lang="fr-FR" i="1" dirty="0" err="1" smtClean="0">
+                  <a:latin typeface="Eurostile" panose="020B0504020202050204" pitchFamily="34" charset="0"/>
+                </a:rPr>
                 <a:t>great</a:t>
               </a:r>
-              <a:endParaRPr lang="fr-FR" dirty="0"/>
+              <a:endParaRPr lang="fr-FR" i="1" dirty="0">
+                <a:latin typeface="Eurostile" panose="020B0504020202050204" pitchFamily="34" charset="0"/>
+              </a:endParaRPr>
             </a:p>
             <a:p>
               <a:pPr algn="ctr"/>
               <a:r>
-                <a:rPr lang="fr-FR" dirty="0" err="1" smtClean="0"/>
+                <a:rPr lang="fr-FR" i="1" dirty="0" err="1" smtClean="0">
+                  <a:latin typeface="Eurostile" panose="020B0504020202050204" pitchFamily="34" charset="0"/>
+                </a:rPr>
                 <a:t>sad</a:t>
               </a:r>
-              <a:endParaRPr lang="fr-FR" dirty="0"/>
+              <a:endParaRPr lang="fr-FR" i="1" dirty="0">
+                <a:latin typeface="Eurostile" panose="020B0504020202050204" pitchFamily="34" charset="0"/>
+              </a:endParaRPr>
             </a:p>
           </p:txBody>
         </p:sp>
@@ -7967,7 +8007,9 @@
             <a:lstStyle/>
             <a:p>
               <a:r>
-                <a:rPr lang="fr-FR" b="1" dirty="0"/>
+                <a:rPr lang="fr-FR" b="1" i="1" dirty="0">
+                  <a:latin typeface="Eurostile" panose="020B0504020202050204" pitchFamily="34" charset="0"/>
+                </a:rPr>
                 <a:t>.</a:t>
               </a:r>
             </a:p>
@@ -8193,7 +8235,7 @@
         <p:spPr>
           <a:xfrm>
             <a:off x="1763688" y="2028789"/>
-            <a:ext cx="7056784" cy="2585323"/>
+            <a:ext cx="7056784" cy="2308324"/>
           </a:xfrm>
           <a:prstGeom prst="rect">
             <a:avLst/>
@@ -8208,10 +8250,10 @@
           <a:p>
             <a:pPr marL="285750" indent="-285750">
               <a:buClr>
-                <a:srgbClr val="002060"/>
+                <a:srgbClr val="008000"/>
               </a:buClr>
               <a:buFont typeface="Wingdings" panose="05000000000000000000" pitchFamily="2" charset="2"/>
-              <a:buChar char="§"/>
+              <a:buChar char="ü"/>
             </a:pPr>
             <a:r>
               <a:rPr lang="fr-FR" dirty="0" smtClean="0"/>
@@ -8229,7 +8271,73 @@
           <a:p>
             <a:pPr marL="285750" indent="-285750">
               <a:buClr>
-                <a:srgbClr val="002060"/>
+                <a:srgbClr val="008000"/>
+              </a:buClr>
+              <a:buFont typeface="Wingdings" panose="05000000000000000000" pitchFamily="2" charset="2"/>
+              <a:buChar char="ü"/>
+            </a:pPr>
+            <a:endParaRPr lang="fr-FR" dirty="0"/>
+          </a:p>
+          <a:p>
+            <a:pPr marL="285750" indent="-285750">
+              <a:buClr>
+                <a:srgbClr val="008000"/>
+              </a:buClr>
+              <a:buFont typeface="Wingdings" panose="05000000000000000000" pitchFamily="2" charset="2"/>
+              <a:buChar char="ü"/>
+            </a:pPr>
+            <a:r>
+              <a:rPr lang="fr-FR" dirty="0" smtClean="0"/>
+              <a:t>Récupération d’une base de données adaptée au </a:t>
+            </a:r>
+            <a:r>
+              <a:rPr lang="fr-FR" dirty="0" err="1" smtClean="0"/>
+              <a:t>Deep</a:t>
+            </a:r>
+            <a:r>
+              <a:rPr lang="fr-FR" dirty="0" smtClean="0"/>
+              <a:t> Learning et prétraitement appliqué.</a:t>
+            </a:r>
+          </a:p>
+          <a:p>
+            <a:pPr marL="285750" indent="-285750">
+              <a:buClr>
+                <a:srgbClr val="008000"/>
+              </a:buClr>
+              <a:buFont typeface="Wingdings" panose="05000000000000000000" pitchFamily="2" charset="2"/>
+              <a:buChar char="ü"/>
+            </a:pPr>
+            <a:endParaRPr lang="fr-FR" dirty="0"/>
+          </a:p>
+          <a:p>
+            <a:pPr marL="285750" indent="-285750">
+              <a:buClr>
+                <a:srgbClr val="008000"/>
+              </a:buClr>
+              <a:buFont typeface="Wingdings" panose="05000000000000000000" pitchFamily="2" charset="2"/>
+              <a:buChar char="ü"/>
+            </a:pPr>
+            <a:r>
+              <a:rPr lang="fr-FR" dirty="0" smtClean="0"/>
+              <a:t>Un </a:t>
+            </a:r>
+            <a:r>
+              <a:rPr lang="fr-FR" i="1" dirty="0" smtClean="0"/>
+              <a:t>Toy </a:t>
+            </a:r>
+            <a:r>
+              <a:rPr lang="fr-FR" i="1" dirty="0" err="1" smtClean="0"/>
+              <a:t>Problem</a:t>
+            </a:r>
+            <a:r>
+              <a:rPr lang="fr-FR" dirty="0" smtClean="0"/>
+              <a:t> qui fonctionne, et montre la validité des LSTM.</a:t>
+            </a:r>
+          </a:p>
+          <a:p>
+            <a:pPr marL="285750" indent="-285750">
+              <a:buClr>
+                <a:srgbClr val="00CC00"/>
               </a:buClr>
               <a:buFont typeface="Wingdings" panose="05000000000000000000" pitchFamily="2" charset="2"/>
               <a:buChar char="§"/>
@@ -8239,103 +8347,14 @@
           <a:p>
             <a:pPr marL="285750" indent="-285750">
               <a:buClr>
-                <a:srgbClr val="002060"/>
+                <a:srgbClr val="C00000"/>
               </a:buClr>
               <a:buFont typeface="Wingdings" panose="05000000000000000000" pitchFamily="2" charset="2"/>
-              <a:buChar char="§"/>
+              <a:buChar char="û"/>
             </a:pPr>
             <a:r>
               <a:rPr lang="fr-FR" dirty="0" smtClean="0"/>
-              <a:t>Récupération d’une base de données adaptée au </a:t>
-            </a:r>
-            <a:r>
-              <a:rPr lang="fr-FR" dirty="0" err="1" smtClean="0"/>
-              <a:t>Deep</a:t>
-            </a:r>
-            <a:r>
-              <a:rPr lang="fr-FR" dirty="0" smtClean="0"/>
-              <a:t> Learning.</a:t>
-            </a:r>
-          </a:p>
-          <a:p>
-            <a:pPr marL="285750" indent="-285750">
-              <a:buClr>
-                <a:srgbClr val="002060"/>
-              </a:buClr>
-              <a:buFont typeface="Wingdings" panose="05000000000000000000" pitchFamily="2" charset="2"/>
-              <a:buChar char="§"/>
-            </a:pPr>
-            <a:endParaRPr lang="fr-FR" dirty="0" smtClean="0"/>
-          </a:p>
-          <a:p>
-            <a:pPr marL="285750" indent="-285750">
-              <a:buClr>
-                <a:srgbClr val="002060"/>
-              </a:buClr>
-              <a:buFont typeface="Wingdings" panose="05000000000000000000" pitchFamily="2" charset="2"/>
-              <a:buChar char="§"/>
-            </a:pPr>
-            <a:r>
-              <a:rPr lang="fr-FR" dirty="0" smtClean="0"/>
-              <a:t>Traitement de presque 4Go de données.</a:t>
-            </a:r>
-          </a:p>
-          <a:p>
-            <a:pPr marL="285750" indent="-285750">
-              <a:buClr>
-                <a:srgbClr val="002060"/>
-              </a:buClr>
-              <a:buFont typeface="Wingdings" panose="05000000000000000000" pitchFamily="2" charset="2"/>
-              <a:buChar char="§"/>
-            </a:pPr>
-            <a:endParaRPr lang="fr-FR" dirty="0"/>
-          </a:p>
-          <a:p>
-            <a:pPr marL="285750" indent="-285750">
-              <a:buClr>
-                <a:srgbClr val="002060"/>
-              </a:buClr>
-              <a:buFont typeface="Wingdings" panose="05000000000000000000" pitchFamily="2" charset="2"/>
-              <a:buChar char="§"/>
-            </a:pPr>
-            <a:r>
-              <a:rPr lang="fr-FR" dirty="0" smtClean="0"/>
-              <a:t>Un </a:t>
-            </a:r>
-            <a:r>
-              <a:rPr lang="fr-FR" i="1" dirty="0" smtClean="0"/>
-              <a:t>Toy </a:t>
-            </a:r>
-            <a:r>
-              <a:rPr lang="fr-FR" i="1" dirty="0" err="1" smtClean="0"/>
-              <a:t>Problem</a:t>
-            </a:r>
-            <a:r>
-              <a:rPr lang="fr-FR" dirty="0" smtClean="0"/>
-              <a:t> qui fonctionne, et montre la validité des LSTM.</a:t>
-            </a:r>
-          </a:p>
-          <a:p>
-            <a:pPr marL="285750" indent="-285750">
-              <a:buClr>
-                <a:srgbClr val="002060"/>
-              </a:buClr>
-              <a:buFont typeface="Wingdings" panose="05000000000000000000" pitchFamily="2" charset="2"/>
-              <a:buChar char="§"/>
-            </a:pPr>
-            <a:endParaRPr lang="fr-FR" dirty="0"/>
-          </a:p>
-          <a:p>
-            <a:pPr marL="285750" indent="-285750">
-              <a:buClr>
-                <a:srgbClr val="002060"/>
-              </a:buClr>
-              <a:buFont typeface="Wingdings" panose="05000000000000000000" pitchFamily="2" charset="2"/>
-              <a:buChar char="§"/>
-            </a:pPr>
-            <a:r>
-              <a:rPr lang="fr-FR" dirty="0" smtClean="0"/>
-              <a:t>Un début d’application sur nos données</a:t>
+              <a:t>Un début d’application sur nos données.</a:t>
             </a:r>
           </a:p>
         </p:txBody>
@@ -8348,7 +8367,7 @@
         </p:nvSpPr>
         <p:spPr>
           <a:xfrm>
-            <a:off x="1547664" y="5413165"/>
+            <a:off x="1547664" y="5085184"/>
             <a:ext cx="7596336" cy="461665"/>
           </a:xfrm>
           <a:prstGeom prst="rect">
@@ -8447,7 +8466,7 @@
         </p:nvSpPr>
         <p:spPr>
           <a:xfrm>
-            <a:off x="1728422" y="1916832"/>
+            <a:off x="1728422" y="2304202"/>
             <a:ext cx="7056784" cy="923330"/>
           </a:xfrm>
           <a:prstGeom prst="rect">
@@ -8501,7 +8520,7 @@
             </a:pPr>
             <a:r>
               <a:rPr lang="fr-FR" dirty="0" smtClean="0"/>
-              <a:t>Un projet enrichissant vis-à-vis des applications vues.</a:t>
+              <a:t>Un projet enrichissant vis-à-vis des applications abordées.</a:t>
             </a:r>
           </a:p>
         </p:txBody>
@@ -8514,7 +8533,7 @@
         </p:nvSpPr>
         <p:spPr>
           <a:xfrm>
-            <a:off x="1547664" y="1340768"/>
+            <a:off x="1547664" y="1728138"/>
             <a:ext cx="7596336" cy="400110"/>
           </a:xfrm>
           <a:prstGeom prst="rect">
@@ -8552,7 +8571,7 @@
         </p:nvCxnSpPr>
         <p:spPr>
           <a:xfrm>
-            <a:off x="1619672" y="1740878"/>
+            <a:off x="1619672" y="2128248"/>
             <a:ext cx="3798168" cy="0"/>
           </a:xfrm>
           <a:prstGeom prst="line">
@@ -8587,7 +8606,7 @@
         </p:nvSpPr>
         <p:spPr>
           <a:xfrm>
-            <a:off x="1547664" y="3387867"/>
+            <a:off x="1547664" y="3775237"/>
             <a:ext cx="7596336" cy="400110"/>
           </a:xfrm>
           <a:prstGeom prst="rect">
@@ -8625,7 +8644,7 @@
         </p:nvCxnSpPr>
         <p:spPr>
           <a:xfrm>
-            <a:off x="1619672" y="3787977"/>
+            <a:off x="1619672" y="4175347"/>
             <a:ext cx="3798168" cy="0"/>
           </a:xfrm>
           <a:prstGeom prst="line">
@@ -8660,7 +8679,7 @@
         </p:nvSpPr>
         <p:spPr>
           <a:xfrm>
-            <a:off x="1695128" y="3963931"/>
+            <a:off x="1695128" y="4351301"/>
             <a:ext cx="7056784" cy="923330"/>
           </a:xfrm>
           <a:prstGeom prst="rect">
@@ -8690,9 +8709,14 @@
               <a:t>tensorflow</a:t>
             </a:r>
             <a:r>
-              <a:rPr lang="fr-FR" i="1" dirty="0" smtClean="0"/>
-              <a:t>.</a:t>
-            </a:r>
+              <a:rPr lang="fr-FR" i="1" dirty="0"/>
+              <a:t> </a:t>
+            </a:r>
+            <a:r>
+              <a:rPr lang="fr-FR" dirty="0" smtClean="0"/>
+              <a:t>et tester d’autres solutions.</a:t>
+            </a:r>
+            <a:endParaRPr lang="fr-FR" i="1" dirty="0" smtClean="0"/>
           </a:p>
           <a:p>
             <a:pPr marL="285750" indent="-285750">
@@ -9238,17 +9262,7 @@
                   </a:schemeClr>
                 </a:solidFill>
               </a:rPr>
-              <a:t> </a:t>
-            </a:r>
-            <a:r>
-              <a:rPr lang="fr-FR" sz="2100" dirty="0" smtClean="0">
-                <a:solidFill>
-                  <a:schemeClr val="bg1">
-                    <a:lumMod val="65000"/>
-                  </a:schemeClr>
-                </a:solidFill>
-              </a:rPr>
-              <a:t>Mining.</a:t>
+              <a:t> Mining.</a:t>
             </a:r>
             <a:endParaRPr lang="fr-FR" sz="2100" dirty="0">
               <a:solidFill>
@@ -9298,8 +9312,8 @@
         </p:nvSpPr>
         <p:spPr>
           <a:xfrm>
-            <a:off x="1547664" y="2247208"/>
-            <a:ext cx="7596336" cy="3277820"/>
+            <a:off x="1546061" y="1837566"/>
+            <a:ext cx="7596336" cy="727571"/>
           </a:xfrm>
           <a:prstGeom prst="rect">
             <a:avLst/>
@@ -9327,84 +9341,1980 @@
               <a:t>Méthode récente (1980 – 2000).</a:t>
             </a:r>
           </a:p>
-          <a:p>
-            <a:pPr marL="800100" lvl="1" indent="-342900">
-              <a:lnSpc>
-                <a:spcPct val="200000"/>
-              </a:lnSpc>
-              <a:buClr>
-                <a:srgbClr val="005293"/>
-              </a:buClr>
-              <a:buFont typeface="Wingdings" panose="05000000000000000000" pitchFamily="2" charset="2"/>
-              <a:buChar char="§"/>
-            </a:pPr>
-            <a:r>
-              <a:rPr lang="fr-FR" sz="2400" dirty="0" smtClean="0"/>
-              <a:t>Couches de neurones (unités de traitements).</a:t>
-            </a:r>
-          </a:p>
-          <a:p>
-            <a:pPr marL="800100" lvl="1" indent="-342900">
-              <a:lnSpc>
-                <a:spcPct val="200000"/>
-              </a:lnSpc>
-              <a:buClr>
-                <a:srgbClr val="005293"/>
-              </a:buClr>
-              <a:buFont typeface="Wingdings" panose="05000000000000000000" pitchFamily="2" charset="2"/>
-              <a:buChar char="§"/>
-            </a:pPr>
-            <a:r>
-              <a:rPr lang="fr-FR" sz="2400" dirty="0" smtClean="0"/>
-              <a:t>Application pour : </a:t>
-            </a:r>
-          </a:p>
-          <a:p>
-            <a:pPr marL="1257300" lvl="2" indent="-342900">
-              <a:buClr>
-                <a:srgbClr val="005293"/>
-              </a:buClr>
-              <a:buFont typeface="Wingdings" panose="05000000000000000000" pitchFamily="2" charset="2"/>
-              <a:buChar char="§"/>
-            </a:pPr>
-            <a:r>
-              <a:rPr lang="fr-FR" sz="2000" dirty="0" smtClean="0"/>
-              <a:t>Reconnaissance faciale/vocale</a:t>
-            </a:r>
-          </a:p>
-          <a:p>
-            <a:pPr marL="1257300" lvl="2" indent="-342900">
-              <a:buClr>
-                <a:srgbClr val="005293"/>
-              </a:buClr>
-              <a:buFont typeface="Wingdings" panose="05000000000000000000" pitchFamily="2" charset="2"/>
-              <a:buChar char="§"/>
-            </a:pPr>
-            <a:r>
-              <a:rPr lang="fr-FR" sz="2000" dirty="0"/>
-              <a:t>V</a:t>
-            </a:r>
-            <a:r>
-              <a:rPr lang="fr-FR" sz="2000" dirty="0" smtClean="0"/>
-              <a:t>ision par ordinateur</a:t>
-            </a:r>
-          </a:p>
-          <a:p>
-            <a:pPr marL="1257300" lvl="2" indent="-342900">
-              <a:buClr>
-                <a:srgbClr val="005293"/>
-              </a:buClr>
-              <a:buFont typeface="Wingdings" panose="05000000000000000000" pitchFamily="2" charset="2"/>
-              <a:buChar char="§"/>
-            </a:pPr>
-            <a:r>
-              <a:rPr lang="fr-FR" sz="2000" dirty="0" smtClean="0"/>
-              <a:t>Traitement automatisé du langage</a:t>
-            </a:r>
-            <a:endParaRPr lang="fr-FR" sz="2000" dirty="0"/>
-          </a:p>
         </p:txBody>
       </p:sp>
+      <p:grpSp>
+        <p:nvGrpSpPr>
+          <p:cNvPr id="62" name="Groupe 61"/>
+          <p:cNvGrpSpPr/>
+          <p:nvPr/>
+        </p:nvGrpSpPr>
+        <p:grpSpPr>
+          <a:xfrm>
+            <a:off x="1546061" y="2555516"/>
+            <a:ext cx="7596336" cy="3560327"/>
+            <a:chOff x="1546061" y="2555516"/>
+            <a:chExt cx="7596336" cy="3560327"/>
+          </a:xfrm>
+        </p:grpSpPr>
+        <p:grpSp>
+          <p:nvGrpSpPr>
+            <p:cNvPr id="54" name="Groupe 53"/>
+            <p:cNvGrpSpPr/>
+            <p:nvPr/>
+          </p:nvGrpSpPr>
+          <p:grpSpPr>
+            <a:xfrm>
+              <a:off x="2555071" y="3527583"/>
+              <a:ext cx="5148000" cy="2588260"/>
+              <a:chOff x="2301850" y="2303558"/>
+              <a:chExt cx="5675426" cy="3482258"/>
+            </a:xfrm>
+          </p:grpSpPr>
+          <p:sp>
+            <p:nvSpPr>
+              <p:cNvPr id="7" name="Ellipse 6"/>
+              <p:cNvSpPr/>
+              <p:nvPr/>
+            </p:nvSpPr>
+            <p:spPr>
+              <a:xfrm>
+                <a:off x="2443386" y="2622396"/>
+                <a:ext cx="366999" cy="360040"/>
+              </a:xfrm>
+              <a:prstGeom prst="ellipse">
+                <a:avLst/>
+              </a:prstGeom>
+            </p:spPr>
+            <p:style>
+              <a:lnRef idx="2">
+                <a:schemeClr val="accent1">
+                  <a:shade val="50000"/>
+                </a:schemeClr>
+              </a:lnRef>
+              <a:fillRef idx="1">
+                <a:schemeClr val="accent1"/>
+              </a:fillRef>
+              <a:effectRef idx="0">
+                <a:schemeClr val="accent1"/>
+              </a:effectRef>
+              <a:fontRef idx="minor">
+                <a:schemeClr val="lt1"/>
+              </a:fontRef>
+            </p:style>
+            <p:txBody>
+              <a:bodyPr rtlCol="0" anchor="ctr"/>
+              <a:lstStyle/>
+              <a:p>
+                <a:pPr algn="ctr"/>
+                <a:endParaRPr lang="fr-FR"/>
+              </a:p>
+            </p:txBody>
+          </p:sp>
+          <p:sp>
+            <p:nvSpPr>
+              <p:cNvPr id="8" name="Ellipse 7"/>
+              <p:cNvSpPr/>
+              <p:nvPr/>
+            </p:nvSpPr>
+            <p:spPr>
+              <a:xfrm>
+                <a:off x="2443386" y="3460523"/>
+                <a:ext cx="366999" cy="360040"/>
+              </a:xfrm>
+              <a:prstGeom prst="ellipse">
+                <a:avLst/>
+              </a:prstGeom>
+            </p:spPr>
+            <p:style>
+              <a:lnRef idx="2">
+                <a:schemeClr val="accent1">
+                  <a:shade val="50000"/>
+                </a:schemeClr>
+              </a:lnRef>
+              <a:fillRef idx="1">
+                <a:schemeClr val="accent1"/>
+              </a:fillRef>
+              <a:effectRef idx="0">
+                <a:schemeClr val="accent1"/>
+              </a:effectRef>
+              <a:fontRef idx="minor">
+                <a:schemeClr val="lt1"/>
+              </a:fontRef>
+            </p:style>
+            <p:txBody>
+              <a:bodyPr rtlCol="0" anchor="ctr"/>
+              <a:lstStyle/>
+              <a:p>
+                <a:pPr algn="ctr"/>
+                <a:endParaRPr lang="fr-FR"/>
+              </a:p>
+            </p:txBody>
+          </p:sp>
+          <p:sp>
+            <p:nvSpPr>
+              <p:cNvPr id="9" name="Ellipse 8"/>
+              <p:cNvSpPr/>
+              <p:nvPr/>
+            </p:nvSpPr>
+            <p:spPr>
+              <a:xfrm>
+                <a:off x="2443386" y="4330640"/>
+                <a:ext cx="366999" cy="360040"/>
+              </a:xfrm>
+              <a:prstGeom prst="ellipse">
+                <a:avLst/>
+              </a:prstGeom>
+            </p:spPr>
+            <p:style>
+              <a:lnRef idx="2">
+                <a:schemeClr val="accent1">
+                  <a:shade val="50000"/>
+                </a:schemeClr>
+              </a:lnRef>
+              <a:fillRef idx="1">
+                <a:schemeClr val="accent1"/>
+              </a:fillRef>
+              <a:effectRef idx="0">
+                <a:schemeClr val="accent1"/>
+              </a:effectRef>
+              <a:fontRef idx="minor">
+                <a:schemeClr val="lt1"/>
+              </a:fontRef>
+            </p:style>
+            <p:txBody>
+              <a:bodyPr rtlCol="0" anchor="ctr"/>
+              <a:lstStyle/>
+              <a:p>
+                <a:pPr algn="ctr"/>
+                <a:endParaRPr lang="fr-FR"/>
+              </a:p>
+            </p:txBody>
+          </p:sp>
+          <p:sp>
+            <p:nvSpPr>
+              <p:cNvPr id="10" name="Ellipse 9"/>
+              <p:cNvSpPr/>
+              <p:nvPr/>
+            </p:nvSpPr>
+            <p:spPr>
+              <a:xfrm>
+                <a:off x="4365807" y="2303558"/>
+                <a:ext cx="366999" cy="360040"/>
+              </a:xfrm>
+              <a:prstGeom prst="ellipse">
+                <a:avLst/>
+              </a:prstGeom>
+              <a:solidFill>
+                <a:schemeClr val="accent6">
+                  <a:lumMod val="75000"/>
+                </a:schemeClr>
+              </a:solidFill>
+              <a:ln>
+                <a:solidFill>
+                  <a:schemeClr val="accent6">
+                    <a:lumMod val="50000"/>
+                  </a:schemeClr>
+                </a:solidFill>
+              </a:ln>
+            </p:spPr>
+            <p:style>
+              <a:lnRef idx="2">
+                <a:schemeClr val="accent1">
+                  <a:shade val="50000"/>
+                </a:schemeClr>
+              </a:lnRef>
+              <a:fillRef idx="1">
+                <a:schemeClr val="accent1"/>
+              </a:fillRef>
+              <a:effectRef idx="0">
+                <a:schemeClr val="accent1"/>
+              </a:effectRef>
+              <a:fontRef idx="minor">
+                <a:schemeClr val="lt1"/>
+              </a:fontRef>
+            </p:style>
+            <p:txBody>
+              <a:bodyPr rtlCol="0" anchor="ctr"/>
+              <a:lstStyle/>
+              <a:p>
+                <a:pPr algn="ctr"/>
+                <a:endParaRPr lang="fr-FR"/>
+              </a:p>
+            </p:txBody>
+          </p:sp>
+          <p:sp>
+            <p:nvSpPr>
+              <p:cNvPr id="11" name="Ellipse 10"/>
+              <p:cNvSpPr/>
+              <p:nvPr/>
+            </p:nvSpPr>
+            <p:spPr>
+              <a:xfrm>
+                <a:off x="4365807" y="3100483"/>
+                <a:ext cx="366999" cy="360040"/>
+              </a:xfrm>
+              <a:prstGeom prst="ellipse">
+                <a:avLst/>
+              </a:prstGeom>
+              <a:solidFill>
+                <a:schemeClr val="accent6">
+                  <a:lumMod val="75000"/>
+                </a:schemeClr>
+              </a:solidFill>
+              <a:ln>
+                <a:solidFill>
+                  <a:schemeClr val="accent6">
+                    <a:lumMod val="50000"/>
+                  </a:schemeClr>
+                </a:solidFill>
+              </a:ln>
+            </p:spPr>
+            <p:style>
+              <a:lnRef idx="2">
+                <a:schemeClr val="accent1">
+                  <a:shade val="50000"/>
+                </a:schemeClr>
+              </a:lnRef>
+              <a:fillRef idx="1">
+                <a:schemeClr val="accent1"/>
+              </a:fillRef>
+              <a:effectRef idx="0">
+                <a:schemeClr val="accent1"/>
+              </a:effectRef>
+              <a:fontRef idx="minor">
+                <a:schemeClr val="lt1"/>
+              </a:fontRef>
+            </p:style>
+            <p:txBody>
+              <a:bodyPr rtlCol="0" anchor="ctr"/>
+              <a:lstStyle/>
+              <a:p>
+                <a:pPr algn="ctr"/>
+                <a:endParaRPr lang="fr-FR"/>
+              </a:p>
+            </p:txBody>
+          </p:sp>
+          <p:sp>
+            <p:nvSpPr>
+              <p:cNvPr id="12" name="Ellipse 11"/>
+              <p:cNvSpPr/>
+              <p:nvPr/>
+            </p:nvSpPr>
+            <p:spPr>
+              <a:xfrm>
+                <a:off x="4365807" y="3937666"/>
+                <a:ext cx="366999" cy="360040"/>
+              </a:xfrm>
+              <a:prstGeom prst="ellipse">
+                <a:avLst/>
+              </a:prstGeom>
+              <a:solidFill>
+                <a:schemeClr val="accent6">
+                  <a:lumMod val="75000"/>
+                </a:schemeClr>
+              </a:solidFill>
+              <a:ln>
+                <a:solidFill>
+                  <a:schemeClr val="accent6">
+                    <a:lumMod val="50000"/>
+                  </a:schemeClr>
+                </a:solidFill>
+              </a:ln>
+            </p:spPr>
+            <p:style>
+              <a:lnRef idx="2">
+                <a:schemeClr val="accent1">
+                  <a:shade val="50000"/>
+                </a:schemeClr>
+              </a:lnRef>
+              <a:fillRef idx="1">
+                <a:schemeClr val="accent1"/>
+              </a:fillRef>
+              <a:effectRef idx="0">
+                <a:schemeClr val="accent1"/>
+              </a:effectRef>
+              <a:fontRef idx="minor">
+                <a:schemeClr val="lt1"/>
+              </a:fontRef>
+            </p:style>
+            <p:txBody>
+              <a:bodyPr rtlCol="0" anchor="ctr"/>
+              <a:lstStyle/>
+              <a:p>
+                <a:pPr algn="ctr"/>
+                <a:endParaRPr lang="fr-FR"/>
+              </a:p>
+            </p:txBody>
+          </p:sp>
+          <p:sp>
+            <p:nvSpPr>
+              <p:cNvPr id="13" name="Ellipse 12"/>
+              <p:cNvSpPr/>
+              <p:nvPr/>
+            </p:nvSpPr>
+            <p:spPr>
+              <a:xfrm>
+                <a:off x="4336010" y="4851458"/>
+                <a:ext cx="366999" cy="360040"/>
+              </a:xfrm>
+              <a:prstGeom prst="ellipse">
+                <a:avLst/>
+              </a:prstGeom>
+              <a:solidFill>
+                <a:schemeClr val="accent6">
+                  <a:lumMod val="75000"/>
+                </a:schemeClr>
+              </a:solidFill>
+              <a:ln>
+                <a:solidFill>
+                  <a:schemeClr val="accent6">
+                    <a:lumMod val="50000"/>
+                  </a:schemeClr>
+                </a:solidFill>
+              </a:ln>
+            </p:spPr>
+            <p:style>
+              <a:lnRef idx="2">
+                <a:schemeClr val="accent1">
+                  <a:shade val="50000"/>
+                </a:schemeClr>
+              </a:lnRef>
+              <a:fillRef idx="1">
+                <a:schemeClr val="accent1"/>
+              </a:fillRef>
+              <a:effectRef idx="0">
+                <a:schemeClr val="accent1"/>
+              </a:effectRef>
+              <a:fontRef idx="minor">
+                <a:schemeClr val="lt1"/>
+              </a:fontRef>
+            </p:style>
+            <p:txBody>
+              <a:bodyPr rtlCol="0" anchor="ctr"/>
+              <a:lstStyle/>
+              <a:p>
+                <a:pPr algn="ctr"/>
+                <a:endParaRPr lang="fr-FR"/>
+              </a:p>
+            </p:txBody>
+          </p:sp>
+          <p:sp>
+            <p:nvSpPr>
+              <p:cNvPr id="14" name="Ellipse 13"/>
+              <p:cNvSpPr/>
+              <p:nvPr/>
+            </p:nvSpPr>
+            <p:spPr>
+              <a:xfrm>
+                <a:off x="5805967" y="2773684"/>
+                <a:ext cx="366999" cy="360040"/>
+              </a:xfrm>
+              <a:prstGeom prst="ellipse">
+                <a:avLst/>
+              </a:prstGeom>
+              <a:solidFill>
+                <a:schemeClr val="accent6">
+                  <a:lumMod val="75000"/>
+                </a:schemeClr>
+              </a:solidFill>
+              <a:ln>
+                <a:solidFill>
+                  <a:schemeClr val="accent6">
+                    <a:lumMod val="50000"/>
+                  </a:schemeClr>
+                </a:solidFill>
+              </a:ln>
+            </p:spPr>
+            <p:style>
+              <a:lnRef idx="2">
+                <a:schemeClr val="accent1">
+                  <a:shade val="50000"/>
+                </a:schemeClr>
+              </a:lnRef>
+              <a:fillRef idx="1">
+                <a:schemeClr val="accent1"/>
+              </a:fillRef>
+              <a:effectRef idx="0">
+                <a:schemeClr val="accent1"/>
+              </a:effectRef>
+              <a:fontRef idx="minor">
+                <a:schemeClr val="lt1"/>
+              </a:fontRef>
+            </p:style>
+            <p:txBody>
+              <a:bodyPr rtlCol="0" anchor="ctr"/>
+              <a:lstStyle/>
+              <a:p>
+                <a:pPr algn="ctr"/>
+                <a:endParaRPr lang="fr-FR"/>
+              </a:p>
+            </p:txBody>
+          </p:sp>
+          <p:sp>
+            <p:nvSpPr>
+              <p:cNvPr id="15" name="Ellipse 14"/>
+              <p:cNvSpPr/>
+              <p:nvPr/>
+            </p:nvSpPr>
+            <p:spPr>
+              <a:xfrm>
+                <a:off x="5805967" y="3611811"/>
+                <a:ext cx="366999" cy="360040"/>
+              </a:xfrm>
+              <a:prstGeom prst="ellipse">
+                <a:avLst/>
+              </a:prstGeom>
+              <a:solidFill>
+                <a:schemeClr val="accent6">
+                  <a:lumMod val="75000"/>
+                </a:schemeClr>
+              </a:solidFill>
+              <a:ln>
+                <a:solidFill>
+                  <a:schemeClr val="accent6">
+                    <a:lumMod val="50000"/>
+                  </a:schemeClr>
+                </a:solidFill>
+              </a:ln>
+            </p:spPr>
+            <p:style>
+              <a:lnRef idx="2">
+                <a:schemeClr val="accent1">
+                  <a:shade val="50000"/>
+                </a:schemeClr>
+              </a:lnRef>
+              <a:fillRef idx="1">
+                <a:schemeClr val="accent1"/>
+              </a:fillRef>
+              <a:effectRef idx="0">
+                <a:schemeClr val="accent1"/>
+              </a:effectRef>
+              <a:fontRef idx="minor">
+                <a:schemeClr val="lt1"/>
+              </a:fontRef>
+            </p:style>
+            <p:txBody>
+              <a:bodyPr rtlCol="0" anchor="ctr"/>
+              <a:lstStyle/>
+              <a:p>
+                <a:pPr algn="ctr"/>
+                <a:endParaRPr lang="fr-FR"/>
+              </a:p>
+            </p:txBody>
+          </p:sp>
+          <p:sp>
+            <p:nvSpPr>
+              <p:cNvPr id="16" name="Ellipse 15"/>
+              <p:cNvSpPr/>
+              <p:nvPr/>
+            </p:nvSpPr>
+            <p:spPr>
+              <a:xfrm>
+                <a:off x="5805967" y="4481928"/>
+                <a:ext cx="366999" cy="360040"/>
+              </a:xfrm>
+              <a:prstGeom prst="ellipse">
+                <a:avLst/>
+              </a:prstGeom>
+              <a:solidFill>
+                <a:schemeClr val="accent6">
+                  <a:lumMod val="75000"/>
+                </a:schemeClr>
+              </a:solidFill>
+              <a:ln>
+                <a:solidFill>
+                  <a:schemeClr val="accent6">
+                    <a:lumMod val="50000"/>
+                  </a:schemeClr>
+                </a:solidFill>
+              </a:ln>
+            </p:spPr>
+            <p:style>
+              <a:lnRef idx="2">
+                <a:schemeClr val="accent1">
+                  <a:shade val="50000"/>
+                </a:schemeClr>
+              </a:lnRef>
+              <a:fillRef idx="1">
+                <a:schemeClr val="accent1"/>
+              </a:fillRef>
+              <a:effectRef idx="0">
+                <a:schemeClr val="accent1"/>
+              </a:effectRef>
+              <a:fontRef idx="minor">
+                <a:schemeClr val="lt1"/>
+              </a:fontRef>
+            </p:style>
+            <p:txBody>
+              <a:bodyPr rtlCol="0" anchor="ctr"/>
+              <a:lstStyle/>
+              <a:p>
+                <a:pPr algn="ctr"/>
+                <a:endParaRPr lang="fr-FR"/>
+              </a:p>
+            </p:txBody>
+          </p:sp>
+          <p:sp>
+            <p:nvSpPr>
+              <p:cNvPr id="17" name="Ellipse 16"/>
+              <p:cNvSpPr/>
+              <p:nvPr/>
+            </p:nvSpPr>
+            <p:spPr>
+              <a:xfrm>
+                <a:off x="7553373" y="3160388"/>
+                <a:ext cx="366999" cy="360040"/>
+              </a:xfrm>
+              <a:prstGeom prst="ellipse">
+                <a:avLst/>
+              </a:prstGeom>
+              <a:solidFill>
+                <a:schemeClr val="accent3">
+                  <a:lumMod val="75000"/>
+                </a:schemeClr>
+              </a:solidFill>
+              <a:ln>
+                <a:solidFill>
+                  <a:schemeClr val="accent3">
+                    <a:lumMod val="50000"/>
+                  </a:schemeClr>
+                </a:solidFill>
+              </a:ln>
+            </p:spPr>
+            <p:style>
+              <a:lnRef idx="2">
+                <a:schemeClr val="accent1">
+                  <a:shade val="50000"/>
+                </a:schemeClr>
+              </a:lnRef>
+              <a:fillRef idx="1">
+                <a:schemeClr val="accent1"/>
+              </a:fillRef>
+              <a:effectRef idx="0">
+                <a:schemeClr val="accent1"/>
+              </a:effectRef>
+              <a:fontRef idx="minor">
+                <a:schemeClr val="lt1"/>
+              </a:fontRef>
+            </p:style>
+            <p:txBody>
+              <a:bodyPr rtlCol="0" anchor="ctr"/>
+              <a:lstStyle/>
+              <a:p>
+                <a:pPr algn="ctr"/>
+                <a:endParaRPr lang="fr-FR"/>
+              </a:p>
+            </p:txBody>
+          </p:sp>
+          <p:sp>
+            <p:nvSpPr>
+              <p:cNvPr id="18" name="Ellipse 17"/>
+              <p:cNvSpPr/>
+              <p:nvPr/>
+            </p:nvSpPr>
+            <p:spPr>
+              <a:xfrm>
+                <a:off x="7553373" y="4030505"/>
+                <a:ext cx="366999" cy="360040"/>
+              </a:xfrm>
+              <a:prstGeom prst="ellipse">
+                <a:avLst/>
+              </a:prstGeom>
+              <a:solidFill>
+                <a:schemeClr val="accent3">
+                  <a:lumMod val="75000"/>
+                </a:schemeClr>
+              </a:solidFill>
+              <a:ln>
+                <a:solidFill>
+                  <a:schemeClr val="accent3">
+                    <a:lumMod val="50000"/>
+                  </a:schemeClr>
+                </a:solidFill>
+              </a:ln>
+            </p:spPr>
+            <p:style>
+              <a:lnRef idx="2">
+                <a:schemeClr val="accent1">
+                  <a:shade val="50000"/>
+                </a:schemeClr>
+              </a:lnRef>
+              <a:fillRef idx="1">
+                <a:schemeClr val="accent1"/>
+              </a:fillRef>
+              <a:effectRef idx="0">
+                <a:schemeClr val="accent1"/>
+              </a:effectRef>
+              <a:fontRef idx="minor">
+                <a:schemeClr val="lt1"/>
+              </a:fontRef>
+            </p:style>
+            <p:txBody>
+              <a:bodyPr rtlCol="0" anchor="ctr"/>
+              <a:lstStyle/>
+              <a:p>
+                <a:pPr algn="ctr"/>
+                <a:endParaRPr lang="fr-FR"/>
+              </a:p>
+            </p:txBody>
+          </p:sp>
+          <p:cxnSp>
+            <p:nvCxnSpPr>
+              <p:cNvPr id="19" name="Connecteur droit 18"/>
+              <p:cNvCxnSpPr>
+                <a:stCxn id="7" idx="6"/>
+                <a:endCxn id="10" idx="2"/>
+              </p:cNvCxnSpPr>
+              <p:nvPr/>
+            </p:nvCxnSpPr>
+            <p:spPr>
+              <a:xfrm flipV="1">
+                <a:off x="2810385" y="2483578"/>
+                <a:ext cx="1555422" cy="318838"/>
+              </a:xfrm>
+              <a:prstGeom prst="line">
+                <a:avLst/>
+              </a:prstGeom>
+            </p:spPr>
+            <p:style>
+              <a:lnRef idx="1">
+                <a:schemeClr val="accent1"/>
+              </a:lnRef>
+              <a:fillRef idx="0">
+                <a:schemeClr val="accent1"/>
+              </a:fillRef>
+              <a:effectRef idx="0">
+                <a:schemeClr val="accent1"/>
+              </a:effectRef>
+              <a:fontRef idx="minor">
+                <a:schemeClr val="tx1"/>
+              </a:fontRef>
+            </p:style>
+          </p:cxnSp>
+          <p:cxnSp>
+            <p:nvCxnSpPr>
+              <p:cNvPr id="20" name="Connecteur droit 19"/>
+              <p:cNvCxnSpPr>
+                <a:stCxn id="7" idx="6"/>
+                <a:endCxn id="11" idx="2"/>
+              </p:cNvCxnSpPr>
+              <p:nvPr/>
+            </p:nvCxnSpPr>
+            <p:spPr>
+              <a:xfrm>
+                <a:off x="2810385" y="2802416"/>
+                <a:ext cx="1555422" cy="478087"/>
+              </a:xfrm>
+              <a:prstGeom prst="line">
+                <a:avLst/>
+              </a:prstGeom>
+            </p:spPr>
+            <p:style>
+              <a:lnRef idx="1">
+                <a:schemeClr val="accent1"/>
+              </a:lnRef>
+              <a:fillRef idx="0">
+                <a:schemeClr val="accent1"/>
+              </a:fillRef>
+              <a:effectRef idx="0">
+                <a:schemeClr val="accent1"/>
+              </a:effectRef>
+              <a:fontRef idx="minor">
+                <a:schemeClr val="tx1"/>
+              </a:fontRef>
+            </p:style>
+          </p:cxnSp>
+          <p:cxnSp>
+            <p:nvCxnSpPr>
+              <p:cNvPr id="21" name="Connecteur droit 20"/>
+              <p:cNvCxnSpPr>
+                <a:stCxn id="7" idx="6"/>
+                <a:endCxn id="12" idx="2"/>
+              </p:cNvCxnSpPr>
+              <p:nvPr/>
+            </p:nvCxnSpPr>
+            <p:spPr>
+              <a:xfrm>
+                <a:off x="2810385" y="2802416"/>
+                <a:ext cx="1555422" cy="1315270"/>
+              </a:xfrm>
+              <a:prstGeom prst="line">
+                <a:avLst/>
+              </a:prstGeom>
+            </p:spPr>
+            <p:style>
+              <a:lnRef idx="1">
+                <a:schemeClr val="accent1"/>
+              </a:lnRef>
+              <a:fillRef idx="0">
+                <a:schemeClr val="accent1"/>
+              </a:fillRef>
+              <a:effectRef idx="0">
+                <a:schemeClr val="accent1"/>
+              </a:effectRef>
+              <a:fontRef idx="minor">
+                <a:schemeClr val="tx1"/>
+              </a:fontRef>
+            </p:style>
+          </p:cxnSp>
+          <p:cxnSp>
+            <p:nvCxnSpPr>
+              <p:cNvPr id="22" name="Connecteur droit 21"/>
+              <p:cNvCxnSpPr>
+                <a:stCxn id="7" idx="6"/>
+                <a:endCxn id="13" idx="2"/>
+              </p:cNvCxnSpPr>
+              <p:nvPr/>
+            </p:nvCxnSpPr>
+            <p:spPr>
+              <a:xfrm>
+                <a:off x="2810385" y="2802416"/>
+                <a:ext cx="1525625" cy="2229062"/>
+              </a:xfrm>
+              <a:prstGeom prst="line">
+                <a:avLst/>
+              </a:prstGeom>
+            </p:spPr>
+            <p:style>
+              <a:lnRef idx="1">
+                <a:schemeClr val="accent1"/>
+              </a:lnRef>
+              <a:fillRef idx="0">
+                <a:schemeClr val="accent1"/>
+              </a:fillRef>
+              <a:effectRef idx="0">
+                <a:schemeClr val="accent1"/>
+              </a:effectRef>
+              <a:fontRef idx="minor">
+                <a:schemeClr val="tx1"/>
+              </a:fontRef>
+            </p:style>
+          </p:cxnSp>
+          <p:cxnSp>
+            <p:nvCxnSpPr>
+              <p:cNvPr id="23" name="Connecteur droit 22"/>
+              <p:cNvCxnSpPr>
+                <a:stCxn id="8" idx="6"/>
+                <a:endCxn id="10" idx="2"/>
+              </p:cNvCxnSpPr>
+              <p:nvPr/>
+            </p:nvCxnSpPr>
+            <p:spPr>
+              <a:xfrm flipV="1">
+                <a:off x="2810385" y="2483578"/>
+                <a:ext cx="1555422" cy="1156965"/>
+              </a:xfrm>
+              <a:prstGeom prst="line">
+                <a:avLst/>
+              </a:prstGeom>
+            </p:spPr>
+            <p:style>
+              <a:lnRef idx="1">
+                <a:schemeClr val="accent1"/>
+              </a:lnRef>
+              <a:fillRef idx="0">
+                <a:schemeClr val="accent1"/>
+              </a:fillRef>
+              <a:effectRef idx="0">
+                <a:schemeClr val="accent1"/>
+              </a:effectRef>
+              <a:fontRef idx="minor">
+                <a:schemeClr val="tx1"/>
+              </a:fontRef>
+            </p:style>
+          </p:cxnSp>
+          <p:cxnSp>
+            <p:nvCxnSpPr>
+              <p:cNvPr id="24" name="Connecteur droit 23"/>
+              <p:cNvCxnSpPr>
+                <a:stCxn id="8" idx="6"/>
+                <a:endCxn id="11" idx="2"/>
+              </p:cNvCxnSpPr>
+              <p:nvPr/>
+            </p:nvCxnSpPr>
+            <p:spPr>
+              <a:xfrm flipV="1">
+                <a:off x="2810385" y="3280503"/>
+                <a:ext cx="1555422" cy="360040"/>
+              </a:xfrm>
+              <a:prstGeom prst="line">
+                <a:avLst/>
+              </a:prstGeom>
+            </p:spPr>
+            <p:style>
+              <a:lnRef idx="1">
+                <a:schemeClr val="accent1"/>
+              </a:lnRef>
+              <a:fillRef idx="0">
+                <a:schemeClr val="accent1"/>
+              </a:fillRef>
+              <a:effectRef idx="0">
+                <a:schemeClr val="accent1"/>
+              </a:effectRef>
+              <a:fontRef idx="minor">
+                <a:schemeClr val="tx1"/>
+              </a:fontRef>
+            </p:style>
+          </p:cxnSp>
+          <p:cxnSp>
+            <p:nvCxnSpPr>
+              <p:cNvPr id="25" name="Connecteur droit 24"/>
+              <p:cNvCxnSpPr>
+                <a:stCxn id="8" idx="6"/>
+                <a:endCxn id="12" idx="2"/>
+              </p:cNvCxnSpPr>
+              <p:nvPr/>
+            </p:nvCxnSpPr>
+            <p:spPr>
+              <a:xfrm>
+                <a:off x="2810385" y="3640543"/>
+                <a:ext cx="1555422" cy="477143"/>
+              </a:xfrm>
+              <a:prstGeom prst="line">
+                <a:avLst/>
+              </a:prstGeom>
+            </p:spPr>
+            <p:style>
+              <a:lnRef idx="1">
+                <a:schemeClr val="accent1"/>
+              </a:lnRef>
+              <a:fillRef idx="0">
+                <a:schemeClr val="accent1"/>
+              </a:fillRef>
+              <a:effectRef idx="0">
+                <a:schemeClr val="accent1"/>
+              </a:effectRef>
+              <a:fontRef idx="minor">
+                <a:schemeClr val="tx1"/>
+              </a:fontRef>
+            </p:style>
+          </p:cxnSp>
+          <p:cxnSp>
+            <p:nvCxnSpPr>
+              <p:cNvPr id="26" name="Connecteur droit 25"/>
+              <p:cNvCxnSpPr>
+                <a:stCxn id="8" idx="6"/>
+                <a:endCxn id="13" idx="2"/>
+              </p:cNvCxnSpPr>
+              <p:nvPr/>
+            </p:nvCxnSpPr>
+            <p:spPr>
+              <a:xfrm>
+                <a:off x="2810385" y="3640543"/>
+                <a:ext cx="1525625" cy="1390935"/>
+              </a:xfrm>
+              <a:prstGeom prst="line">
+                <a:avLst/>
+              </a:prstGeom>
+            </p:spPr>
+            <p:style>
+              <a:lnRef idx="1">
+                <a:schemeClr val="accent1"/>
+              </a:lnRef>
+              <a:fillRef idx="0">
+                <a:schemeClr val="accent1"/>
+              </a:fillRef>
+              <a:effectRef idx="0">
+                <a:schemeClr val="accent1"/>
+              </a:effectRef>
+              <a:fontRef idx="minor">
+                <a:schemeClr val="tx1"/>
+              </a:fontRef>
+            </p:style>
+          </p:cxnSp>
+          <p:cxnSp>
+            <p:nvCxnSpPr>
+              <p:cNvPr id="27" name="Connecteur droit 26"/>
+              <p:cNvCxnSpPr>
+                <a:stCxn id="9" idx="6"/>
+                <a:endCxn id="10" idx="2"/>
+              </p:cNvCxnSpPr>
+              <p:nvPr/>
+            </p:nvCxnSpPr>
+            <p:spPr>
+              <a:xfrm flipV="1">
+                <a:off x="2810385" y="2483578"/>
+                <a:ext cx="1555422" cy="2027082"/>
+              </a:xfrm>
+              <a:prstGeom prst="line">
+                <a:avLst/>
+              </a:prstGeom>
+            </p:spPr>
+            <p:style>
+              <a:lnRef idx="1">
+                <a:schemeClr val="accent1"/>
+              </a:lnRef>
+              <a:fillRef idx="0">
+                <a:schemeClr val="accent1"/>
+              </a:fillRef>
+              <a:effectRef idx="0">
+                <a:schemeClr val="accent1"/>
+              </a:effectRef>
+              <a:fontRef idx="minor">
+                <a:schemeClr val="tx1"/>
+              </a:fontRef>
+            </p:style>
+          </p:cxnSp>
+          <p:cxnSp>
+            <p:nvCxnSpPr>
+              <p:cNvPr id="28" name="Connecteur droit 27"/>
+              <p:cNvCxnSpPr>
+                <a:stCxn id="9" idx="6"/>
+                <a:endCxn id="11" idx="2"/>
+              </p:cNvCxnSpPr>
+              <p:nvPr/>
+            </p:nvCxnSpPr>
+            <p:spPr>
+              <a:xfrm flipV="1">
+                <a:off x="2810385" y="3280503"/>
+                <a:ext cx="1555422" cy="1230157"/>
+              </a:xfrm>
+              <a:prstGeom prst="line">
+                <a:avLst/>
+              </a:prstGeom>
+            </p:spPr>
+            <p:style>
+              <a:lnRef idx="1">
+                <a:schemeClr val="accent1"/>
+              </a:lnRef>
+              <a:fillRef idx="0">
+                <a:schemeClr val="accent1"/>
+              </a:fillRef>
+              <a:effectRef idx="0">
+                <a:schemeClr val="accent1"/>
+              </a:effectRef>
+              <a:fontRef idx="minor">
+                <a:schemeClr val="tx1"/>
+              </a:fontRef>
+            </p:style>
+          </p:cxnSp>
+          <p:cxnSp>
+            <p:nvCxnSpPr>
+              <p:cNvPr id="29" name="Connecteur droit 28"/>
+              <p:cNvCxnSpPr>
+                <a:stCxn id="9" idx="6"/>
+                <a:endCxn id="12" idx="2"/>
+              </p:cNvCxnSpPr>
+              <p:nvPr/>
+            </p:nvCxnSpPr>
+            <p:spPr>
+              <a:xfrm flipV="1">
+                <a:off x="2810385" y="4117686"/>
+                <a:ext cx="1555422" cy="392974"/>
+              </a:xfrm>
+              <a:prstGeom prst="line">
+                <a:avLst/>
+              </a:prstGeom>
+            </p:spPr>
+            <p:style>
+              <a:lnRef idx="1">
+                <a:schemeClr val="accent1"/>
+              </a:lnRef>
+              <a:fillRef idx="0">
+                <a:schemeClr val="accent1"/>
+              </a:fillRef>
+              <a:effectRef idx="0">
+                <a:schemeClr val="accent1"/>
+              </a:effectRef>
+              <a:fontRef idx="minor">
+                <a:schemeClr val="tx1"/>
+              </a:fontRef>
+            </p:style>
+          </p:cxnSp>
+          <p:cxnSp>
+            <p:nvCxnSpPr>
+              <p:cNvPr id="30" name="Connecteur droit 29"/>
+              <p:cNvCxnSpPr>
+                <a:stCxn id="9" idx="6"/>
+                <a:endCxn id="13" idx="2"/>
+              </p:cNvCxnSpPr>
+              <p:nvPr/>
+            </p:nvCxnSpPr>
+            <p:spPr>
+              <a:xfrm>
+                <a:off x="2810385" y="4510660"/>
+                <a:ext cx="1525625" cy="520818"/>
+              </a:xfrm>
+              <a:prstGeom prst="line">
+                <a:avLst/>
+              </a:prstGeom>
+            </p:spPr>
+            <p:style>
+              <a:lnRef idx="1">
+                <a:schemeClr val="accent1"/>
+              </a:lnRef>
+              <a:fillRef idx="0">
+                <a:schemeClr val="accent1"/>
+              </a:fillRef>
+              <a:effectRef idx="0">
+                <a:schemeClr val="accent1"/>
+              </a:effectRef>
+              <a:fontRef idx="minor">
+                <a:schemeClr val="tx1"/>
+              </a:fontRef>
+            </p:style>
+          </p:cxnSp>
+          <p:cxnSp>
+            <p:nvCxnSpPr>
+              <p:cNvPr id="31" name="Connecteur droit 30"/>
+              <p:cNvCxnSpPr>
+                <a:stCxn id="10" idx="6"/>
+                <a:endCxn id="14" idx="2"/>
+              </p:cNvCxnSpPr>
+              <p:nvPr/>
+            </p:nvCxnSpPr>
+            <p:spPr>
+              <a:xfrm>
+                <a:off x="4732806" y="2483578"/>
+                <a:ext cx="1073161" cy="470126"/>
+              </a:xfrm>
+              <a:prstGeom prst="line">
+                <a:avLst/>
+              </a:prstGeom>
+              <a:ln>
+                <a:solidFill>
+                  <a:schemeClr val="accent6">
+                    <a:lumMod val="50000"/>
+                  </a:schemeClr>
+                </a:solidFill>
+              </a:ln>
+            </p:spPr>
+            <p:style>
+              <a:lnRef idx="1">
+                <a:schemeClr val="accent1"/>
+              </a:lnRef>
+              <a:fillRef idx="0">
+                <a:schemeClr val="accent1"/>
+              </a:fillRef>
+              <a:effectRef idx="0">
+                <a:schemeClr val="accent1"/>
+              </a:effectRef>
+              <a:fontRef idx="minor">
+                <a:schemeClr val="tx1"/>
+              </a:fontRef>
+            </p:style>
+          </p:cxnSp>
+          <p:cxnSp>
+            <p:nvCxnSpPr>
+              <p:cNvPr id="32" name="Connecteur droit 31"/>
+              <p:cNvCxnSpPr>
+                <a:stCxn id="10" idx="6"/>
+                <a:endCxn id="15" idx="2"/>
+              </p:cNvCxnSpPr>
+              <p:nvPr/>
+            </p:nvCxnSpPr>
+            <p:spPr>
+              <a:xfrm>
+                <a:off x="4732806" y="2483578"/>
+                <a:ext cx="1073161" cy="1308253"/>
+              </a:xfrm>
+              <a:prstGeom prst="line">
+                <a:avLst/>
+              </a:prstGeom>
+              <a:ln>
+                <a:solidFill>
+                  <a:schemeClr val="accent6">
+                    <a:lumMod val="50000"/>
+                  </a:schemeClr>
+                </a:solidFill>
+              </a:ln>
+            </p:spPr>
+            <p:style>
+              <a:lnRef idx="1">
+                <a:schemeClr val="accent1"/>
+              </a:lnRef>
+              <a:fillRef idx="0">
+                <a:schemeClr val="accent1"/>
+              </a:fillRef>
+              <a:effectRef idx="0">
+                <a:schemeClr val="accent1"/>
+              </a:effectRef>
+              <a:fontRef idx="minor">
+                <a:schemeClr val="tx1"/>
+              </a:fontRef>
+            </p:style>
+          </p:cxnSp>
+          <p:cxnSp>
+            <p:nvCxnSpPr>
+              <p:cNvPr id="33" name="Connecteur droit 32"/>
+              <p:cNvCxnSpPr>
+                <a:stCxn id="10" idx="6"/>
+                <a:endCxn id="16" idx="2"/>
+              </p:cNvCxnSpPr>
+              <p:nvPr/>
+            </p:nvCxnSpPr>
+            <p:spPr>
+              <a:xfrm>
+                <a:off x="4732806" y="2483578"/>
+                <a:ext cx="1073161" cy="2178370"/>
+              </a:xfrm>
+              <a:prstGeom prst="line">
+                <a:avLst/>
+              </a:prstGeom>
+              <a:ln>
+                <a:solidFill>
+                  <a:schemeClr val="accent6">
+                    <a:lumMod val="50000"/>
+                  </a:schemeClr>
+                </a:solidFill>
+              </a:ln>
+            </p:spPr>
+            <p:style>
+              <a:lnRef idx="1">
+                <a:schemeClr val="accent1"/>
+              </a:lnRef>
+              <a:fillRef idx="0">
+                <a:schemeClr val="accent1"/>
+              </a:fillRef>
+              <a:effectRef idx="0">
+                <a:schemeClr val="accent1"/>
+              </a:effectRef>
+              <a:fontRef idx="minor">
+                <a:schemeClr val="tx1"/>
+              </a:fontRef>
+            </p:style>
+          </p:cxnSp>
+          <p:cxnSp>
+            <p:nvCxnSpPr>
+              <p:cNvPr id="34" name="Connecteur droit 33"/>
+              <p:cNvCxnSpPr>
+                <a:stCxn id="11" idx="6"/>
+                <a:endCxn id="14" idx="2"/>
+              </p:cNvCxnSpPr>
+              <p:nvPr/>
+            </p:nvCxnSpPr>
+            <p:spPr>
+              <a:xfrm flipV="1">
+                <a:off x="4732806" y="2953704"/>
+                <a:ext cx="1073161" cy="326799"/>
+              </a:xfrm>
+              <a:prstGeom prst="line">
+                <a:avLst/>
+              </a:prstGeom>
+              <a:ln>
+                <a:solidFill>
+                  <a:schemeClr val="accent6">
+                    <a:lumMod val="50000"/>
+                  </a:schemeClr>
+                </a:solidFill>
+              </a:ln>
+            </p:spPr>
+            <p:style>
+              <a:lnRef idx="1">
+                <a:schemeClr val="accent1"/>
+              </a:lnRef>
+              <a:fillRef idx="0">
+                <a:schemeClr val="accent1"/>
+              </a:fillRef>
+              <a:effectRef idx="0">
+                <a:schemeClr val="accent1"/>
+              </a:effectRef>
+              <a:fontRef idx="minor">
+                <a:schemeClr val="tx1"/>
+              </a:fontRef>
+            </p:style>
+          </p:cxnSp>
+          <p:cxnSp>
+            <p:nvCxnSpPr>
+              <p:cNvPr id="35" name="Connecteur droit 34"/>
+              <p:cNvCxnSpPr>
+                <a:stCxn id="11" idx="6"/>
+                <a:endCxn id="15" idx="2"/>
+              </p:cNvCxnSpPr>
+              <p:nvPr/>
+            </p:nvCxnSpPr>
+            <p:spPr>
+              <a:xfrm>
+                <a:off x="4732806" y="3280503"/>
+                <a:ext cx="1073161" cy="511328"/>
+              </a:xfrm>
+              <a:prstGeom prst="line">
+                <a:avLst/>
+              </a:prstGeom>
+              <a:ln>
+                <a:solidFill>
+                  <a:schemeClr val="accent6">
+                    <a:lumMod val="50000"/>
+                  </a:schemeClr>
+                </a:solidFill>
+              </a:ln>
+            </p:spPr>
+            <p:style>
+              <a:lnRef idx="1">
+                <a:schemeClr val="accent1"/>
+              </a:lnRef>
+              <a:fillRef idx="0">
+                <a:schemeClr val="accent1"/>
+              </a:fillRef>
+              <a:effectRef idx="0">
+                <a:schemeClr val="accent1"/>
+              </a:effectRef>
+              <a:fontRef idx="minor">
+                <a:schemeClr val="tx1"/>
+              </a:fontRef>
+            </p:style>
+          </p:cxnSp>
+          <p:cxnSp>
+            <p:nvCxnSpPr>
+              <p:cNvPr id="36" name="Connecteur droit 35"/>
+              <p:cNvCxnSpPr>
+                <a:stCxn id="12" idx="6"/>
+                <a:endCxn id="15" idx="2"/>
+              </p:cNvCxnSpPr>
+              <p:nvPr/>
+            </p:nvCxnSpPr>
+            <p:spPr>
+              <a:xfrm flipV="1">
+                <a:off x="4732806" y="3791831"/>
+                <a:ext cx="1073161" cy="325855"/>
+              </a:xfrm>
+              <a:prstGeom prst="line">
+                <a:avLst/>
+              </a:prstGeom>
+              <a:ln>
+                <a:solidFill>
+                  <a:schemeClr val="accent6">
+                    <a:lumMod val="50000"/>
+                  </a:schemeClr>
+                </a:solidFill>
+              </a:ln>
+            </p:spPr>
+            <p:style>
+              <a:lnRef idx="1">
+                <a:schemeClr val="accent1"/>
+              </a:lnRef>
+              <a:fillRef idx="0">
+                <a:schemeClr val="accent1"/>
+              </a:fillRef>
+              <a:effectRef idx="0">
+                <a:schemeClr val="accent1"/>
+              </a:effectRef>
+              <a:fontRef idx="minor">
+                <a:schemeClr val="tx1"/>
+              </a:fontRef>
+            </p:style>
+          </p:cxnSp>
+          <p:cxnSp>
+            <p:nvCxnSpPr>
+              <p:cNvPr id="37" name="Connecteur droit 36"/>
+              <p:cNvCxnSpPr>
+                <a:stCxn id="12" idx="6"/>
+                <a:endCxn id="16" idx="2"/>
+              </p:cNvCxnSpPr>
+              <p:nvPr/>
+            </p:nvCxnSpPr>
+            <p:spPr>
+              <a:xfrm>
+                <a:off x="4732806" y="4117686"/>
+                <a:ext cx="1073161" cy="544262"/>
+              </a:xfrm>
+              <a:prstGeom prst="line">
+                <a:avLst/>
+              </a:prstGeom>
+              <a:ln>
+                <a:solidFill>
+                  <a:schemeClr val="accent6">
+                    <a:lumMod val="50000"/>
+                  </a:schemeClr>
+                </a:solidFill>
+              </a:ln>
+            </p:spPr>
+            <p:style>
+              <a:lnRef idx="1">
+                <a:schemeClr val="accent1"/>
+              </a:lnRef>
+              <a:fillRef idx="0">
+                <a:schemeClr val="accent1"/>
+              </a:fillRef>
+              <a:effectRef idx="0">
+                <a:schemeClr val="accent1"/>
+              </a:effectRef>
+              <a:fontRef idx="minor">
+                <a:schemeClr val="tx1"/>
+              </a:fontRef>
+            </p:style>
+          </p:cxnSp>
+          <p:cxnSp>
+            <p:nvCxnSpPr>
+              <p:cNvPr id="38" name="Connecteur droit 37"/>
+              <p:cNvCxnSpPr>
+                <a:stCxn id="11" idx="6"/>
+                <a:endCxn id="16" idx="2"/>
+              </p:cNvCxnSpPr>
+              <p:nvPr/>
+            </p:nvCxnSpPr>
+            <p:spPr>
+              <a:xfrm>
+                <a:off x="4732806" y="3280503"/>
+                <a:ext cx="1073161" cy="1381445"/>
+              </a:xfrm>
+              <a:prstGeom prst="line">
+                <a:avLst/>
+              </a:prstGeom>
+              <a:ln>
+                <a:solidFill>
+                  <a:schemeClr val="accent6">
+                    <a:lumMod val="50000"/>
+                  </a:schemeClr>
+                </a:solidFill>
+              </a:ln>
+            </p:spPr>
+            <p:style>
+              <a:lnRef idx="1">
+                <a:schemeClr val="accent1"/>
+              </a:lnRef>
+              <a:fillRef idx="0">
+                <a:schemeClr val="accent1"/>
+              </a:fillRef>
+              <a:effectRef idx="0">
+                <a:schemeClr val="accent1"/>
+              </a:effectRef>
+              <a:fontRef idx="minor">
+                <a:schemeClr val="tx1"/>
+              </a:fontRef>
+            </p:style>
+          </p:cxnSp>
+          <p:cxnSp>
+            <p:nvCxnSpPr>
+              <p:cNvPr id="39" name="Connecteur droit 38"/>
+              <p:cNvCxnSpPr>
+                <a:stCxn id="12" idx="6"/>
+                <a:endCxn id="14" idx="2"/>
+              </p:cNvCxnSpPr>
+              <p:nvPr/>
+            </p:nvCxnSpPr>
+            <p:spPr>
+              <a:xfrm flipV="1">
+                <a:off x="4732806" y="2953704"/>
+                <a:ext cx="1073161" cy="1163982"/>
+              </a:xfrm>
+              <a:prstGeom prst="line">
+                <a:avLst/>
+              </a:prstGeom>
+              <a:ln>
+                <a:solidFill>
+                  <a:schemeClr val="accent6">
+                    <a:lumMod val="50000"/>
+                  </a:schemeClr>
+                </a:solidFill>
+              </a:ln>
+            </p:spPr>
+            <p:style>
+              <a:lnRef idx="1">
+                <a:schemeClr val="accent1"/>
+              </a:lnRef>
+              <a:fillRef idx="0">
+                <a:schemeClr val="accent1"/>
+              </a:fillRef>
+              <a:effectRef idx="0">
+                <a:schemeClr val="accent1"/>
+              </a:effectRef>
+              <a:fontRef idx="minor">
+                <a:schemeClr val="tx1"/>
+              </a:fontRef>
+            </p:style>
+          </p:cxnSp>
+          <p:cxnSp>
+            <p:nvCxnSpPr>
+              <p:cNvPr id="40" name="Connecteur droit 39"/>
+              <p:cNvCxnSpPr>
+                <a:stCxn id="13" idx="6"/>
+                <a:endCxn id="15" idx="2"/>
+              </p:cNvCxnSpPr>
+              <p:nvPr/>
+            </p:nvCxnSpPr>
+            <p:spPr>
+              <a:xfrm flipV="1">
+                <a:off x="4703009" y="3791831"/>
+                <a:ext cx="1102958" cy="1239647"/>
+              </a:xfrm>
+              <a:prstGeom prst="line">
+                <a:avLst/>
+              </a:prstGeom>
+              <a:ln>
+                <a:solidFill>
+                  <a:schemeClr val="accent6">
+                    <a:lumMod val="50000"/>
+                  </a:schemeClr>
+                </a:solidFill>
+              </a:ln>
+            </p:spPr>
+            <p:style>
+              <a:lnRef idx="1">
+                <a:schemeClr val="accent1"/>
+              </a:lnRef>
+              <a:fillRef idx="0">
+                <a:schemeClr val="accent1"/>
+              </a:fillRef>
+              <a:effectRef idx="0">
+                <a:schemeClr val="accent1"/>
+              </a:effectRef>
+              <a:fontRef idx="minor">
+                <a:schemeClr val="tx1"/>
+              </a:fontRef>
+            </p:style>
+          </p:cxnSp>
+          <p:cxnSp>
+            <p:nvCxnSpPr>
+              <p:cNvPr id="41" name="Connecteur droit 40"/>
+              <p:cNvCxnSpPr>
+                <a:stCxn id="13" idx="6"/>
+                <a:endCxn id="16" idx="2"/>
+              </p:cNvCxnSpPr>
+              <p:nvPr/>
+            </p:nvCxnSpPr>
+            <p:spPr>
+              <a:xfrm flipV="1">
+                <a:off x="4703009" y="4661948"/>
+                <a:ext cx="1102958" cy="369530"/>
+              </a:xfrm>
+              <a:prstGeom prst="line">
+                <a:avLst/>
+              </a:prstGeom>
+              <a:ln>
+                <a:solidFill>
+                  <a:schemeClr val="accent6">
+                    <a:lumMod val="50000"/>
+                  </a:schemeClr>
+                </a:solidFill>
+              </a:ln>
+            </p:spPr>
+            <p:style>
+              <a:lnRef idx="1">
+                <a:schemeClr val="accent1"/>
+              </a:lnRef>
+              <a:fillRef idx="0">
+                <a:schemeClr val="accent1"/>
+              </a:fillRef>
+              <a:effectRef idx="0">
+                <a:schemeClr val="accent1"/>
+              </a:effectRef>
+              <a:fontRef idx="minor">
+                <a:schemeClr val="tx1"/>
+              </a:fontRef>
+            </p:style>
+          </p:cxnSp>
+          <p:cxnSp>
+            <p:nvCxnSpPr>
+              <p:cNvPr id="42" name="Connecteur droit 41"/>
+              <p:cNvCxnSpPr>
+                <a:stCxn id="13" idx="6"/>
+                <a:endCxn id="14" idx="2"/>
+              </p:cNvCxnSpPr>
+              <p:nvPr/>
+            </p:nvCxnSpPr>
+            <p:spPr>
+              <a:xfrm flipV="1">
+                <a:off x="4703009" y="2953704"/>
+                <a:ext cx="1102958" cy="2077774"/>
+              </a:xfrm>
+              <a:prstGeom prst="line">
+                <a:avLst/>
+              </a:prstGeom>
+              <a:ln>
+                <a:solidFill>
+                  <a:schemeClr val="accent6">
+                    <a:lumMod val="50000"/>
+                  </a:schemeClr>
+                </a:solidFill>
+              </a:ln>
+            </p:spPr>
+            <p:style>
+              <a:lnRef idx="1">
+                <a:schemeClr val="accent1"/>
+              </a:lnRef>
+              <a:fillRef idx="0">
+                <a:schemeClr val="accent1"/>
+              </a:fillRef>
+              <a:effectRef idx="0">
+                <a:schemeClr val="accent1"/>
+              </a:effectRef>
+              <a:fontRef idx="minor">
+                <a:schemeClr val="tx1"/>
+              </a:fontRef>
+            </p:style>
+          </p:cxnSp>
+          <p:cxnSp>
+            <p:nvCxnSpPr>
+              <p:cNvPr id="43" name="Connecteur droit 42"/>
+              <p:cNvCxnSpPr>
+                <a:stCxn id="14" idx="6"/>
+                <a:endCxn id="17" idx="2"/>
+              </p:cNvCxnSpPr>
+              <p:nvPr/>
+            </p:nvCxnSpPr>
+            <p:spPr>
+              <a:xfrm>
+                <a:off x="6172966" y="2953704"/>
+                <a:ext cx="1380407" cy="386704"/>
+              </a:xfrm>
+              <a:prstGeom prst="line">
+                <a:avLst/>
+              </a:prstGeom>
+              <a:ln>
+                <a:solidFill>
+                  <a:schemeClr val="accent3">
+                    <a:lumMod val="50000"/>
+                  </a:schemeClr>
+                </a:solidFill>
+              </a:ln>
+            </p:spPr>
+            <p:style>
+              <a:lnRef idx="1">
+                <a:schemeClr val="accent1"/>
+              </a:lnRef>
+              <a:fillRef idx="0">
+                <a:schemeClr val="accent1"/>
+              </a:fillRef>
+              <a:effectRef idx="0">
+                <a:schemeClr val="accent1"/>
+              </a:effectRef>
+              <a:fontRef idx="minor">
+                <a:schemeClr val="tx1"/>
+              </a:fontRef>
+            </p:style>
+          </p:cxnSp>
+          <p:cxnSp>
+            <p:nvCxnSpPr>
+              <p:cNvPr id="44" name="Connecteur droit 43"/>
+              <p:cNvCxnSpPr>
+                <a:stCxn id="14" idx="6"/>
+                <a:endCxn id="18" idx="2"/>
+              </p:cNvCxnSpPr>
+              <p:nvPr/>
+            </p:nvCxnSpPr>
+            <p:spPr>
+              <a:xfrm>
+                <a:off x="6172966" y="2953704"/>
+                <a:ext cx="1380407" cy="1256821"/>
+              </a:xfrm>
+              <a:prstGeom prst="line">
+                <a:avLst/>
+              </a:prstGeom>
+              <a:ln>
+                <a:solidFill>
+                  <a:schemeClr val="accent3">
+                    <a:lumMod val="50000"/>
+                  </a:schemeClr>
+                </a:solidFill>
+              </a:ln>
+            </p:spPr>
+            <p:style>
+              <a:lnRef idx="1">
+                <a:schemeClr val="accent1"/>
+              </a:lnRef>
+              <a:fillRef idx="0">
+                <a:schemeClr val="accent1"/>
+              </a:fillRef>
+              <a:effectRef idx="0">
+                <a:schemeClr val="accent1"/>
+              </a:effectRef>
+              <a:fontRef idx="minor">
+                <a:schemeClr val="tx1"/>
+              </a:fontRef>
+            </p:style>
+          </p:cxnSp>
+          <p:cxnSp>
+            <p:nvCxnSpPr>
+              <p:cNvPr id="45" name="Connecteur droit 44"/>
+              <p:cNvCxnSpPr>
+                <a:stCxn id="15" idx="6"/>
+                <a:endCxn id="17" idx="2"/>
+              </p:cNvCxnSpPr>
+              <p:nvPr/>
+            </p:nvCxnSpPr>
+            <p:spPr>
+              <a:xfrm flipV="1">
+                <a:off x="6172966" y="3340408"/>
+                <a:ext cx="1380407" cy="451423"/>
+              </a:xfrm>
+              <a:prstGeom prst="line">
+                <a:avLst/>
+              </a:prstGeom>
+              <a:ln>
+                <a:solidFill>
+                  <a:schemeClr val="accent3">
+                    <a:lumMod val="50000"/>
+                  </a:schemeClr>
+                </a:solidFill>
+              </a:ln>
+            </p:spPr>
+            <p:style>
+              <a:lnRef idx="1">
+                <a:schemeClr val="accent1"/>
+              </a:lnRef>
+              <a:fillRef idx="0">
+                <a:schemeClr val="accent1"/>
+              </a:fillRef>
+              <a:effectRef idx="0">
+                <a:schemeClr val="accent1"/>
+              </a:effectRef>
+              <a:fontRef idx="minor">
+                <a:schemeClr val="tx1"/>
+              </a:fontRef>
+            </p:style>
+          </p:cxnSp>
+          <p:cxnSp>
+            <p:nvCxnSpPr>
+              <p:cNvPr id="46" name="Connecteur droit 45"/>
+              <p:cNvCxnSpPr>
+                <a:stCxn id="15" idx="6"/>
+                <a:endCxn id="18" idx="2"/>
+              </p:cNvCxnSpPr>
+              <p:nvPr/>
+            </p:nvCxnSpPr>
+            <p:spPr>
+              <a:xfrm>
+                <a:off x="6172966" y="3791831"/>
+                <a:ext cx="1380407" cy="418694"/>
+              </a:xfrm>
+              <a:prstGeom prst="line">
+                <a:avLst/>
+              </a:prstGeom>
+              <a:ln>
+                <a:solidFill>
+                  <a:schemeClr val="accent3">
+                    <a:lumMod val="50000"/>
+                  </a:schemeClr>
+                </a:solidFill>
+              </a:ln>
+            </p:spPr>
+            <p:style>
+              <a:lnRef idx="1">
+                <a:schemeClr val="accent1"/>
+              </a:lnRef>
+              <a:fillRef idx="0">
+                <a:schemeClr val="accent1"/>
+              </a:fillRef>
+              <a:effectRef idx="0">
+                <a:schemeClr val="accent1"/>
+              </a:effectRef>
+              <a:fontRef idx="minor">
+                <a:schemeClr val="tx1"/>
+              </a:fontRef>
+            </p:style>
+          </p:cxnSp>
+          <p:cxnSp>
+            <p:nvCxnSpPr>
+              <p:cNvPr id="47" name="Connecteur droit 46"/>
+              <p:cNvCxnSpPr>
+                <a:stCxn id="16" idx="6"/>
+                <a:endCxn id="17" idx="2"/>
+              </p:cNvCxnSpPr>
+              <p:nvPr/>
+            </p:nvCxnSpPr>
+            <p:spPr>
+              <a:xfrm flipV="1">
+                <a:off x="6172966" y="3340408"/>
+                <a:ext cx="1380407" cy="1321540"/>
+              </a:xfrm>
+              <a:prstGeom prst="line">
+                <a:avLst/>
+              </a:prstGeom>
+              <a:ln>
+                <a:solidFill>
+                  <a:schemeClr val="accent3">
+                    <a:lumMod val="50000"/>
+                  </a:schemeClr>
+                </a:solidFill>
+              </a:ln>
+            </p:spPr>
+            <p:style>
+              <a:lnRef idx="1">
+                <a:schemeClr val="accent1"/>
+              </a:lnRef>
+              <a:fillRef idx="0">
+                <a:schemeClr val="accent1"/>
+              </a:fillRef>
+              <a:effectRef idx="0">
+                <a:schemeClr val="accent1"/>
+              </a:effectRef>
+              <a:fontRef idx="minor">
+                <a:schemeClr val="tx1"/>
+              </a:fontRef>
+            </p:style>
+          </p:cxnSp>
+          <p:cxnSp>
+            <p:nvCxnSpPr>
+              <p:cNvPr id="48" name="Connecteur droit 47"/>
+              <p:cNvCxnSpPr>
+                <a:stCxn id="16" idx="6"/>
+                <a:endCxn id="18" idx="2"/>
+              </p:cNvCxnSpPr>
+              <p:nvPr/>
+            </p:nvCxnSpPr>
+            <p:spPr>
+              <a:xfrm flipV="1">
+                <a:off x="6172966" y="4210525"/>
+                <a:ext cx="1380407" cy="451423"/>
+              </a:xfrm>
+              <a:prstGeom prst="line">
+                <a:avLst/>
+              </a:prstGeom>
+              <a:ln>
+                <a:solidFill>
+                  <a:schemeClr val="accent3">
+                    <a:lumMod val="50000"/>
+                  </a:schemeClr>
+                </a:solidFill>
+              </a:ln>
+            </p:spPr>
+            <p:style>
+              <a:lnRef idx="1">
+                <a:schemeClr val="accent1"/>
+              </a:lnRef>
+              <a:fillRef idx="0">
+                <a:schemeClr val="accent1"/>
+              </a:fillRef>
+              <a:effectRef idx="0">
+                <a:schemeClr val="accent1"/>
+              </a:effectRef>
+              <a:fontRef idx="minor">
+                <a:schemeClr val="tx1"/>
+              </a:fontRef>
+            </p:style>
+          </p:cxnSp>
+          <p:sp>
+            <p:nvSpPr>
+              <p:cNvPr id="49" name="ZoneTexte 48"/>
+              <p:cNvSpPr txBox="1"/>
+              <p:nvPr/>
+            </p:nvSpPr>
+            <p:spPr>
+              <a:xfrm>
+                <a:off x="2301850" y="5352699"/>
+                <a:ext cx="897832" cy="369333"/>
+              </a:xfrm>
+              <a:prstGeom prst="rect">
+                <a:avLst/>
+              </a:prstGeom>
+              <a:noFill/>
+            </p:spPr>
+            <p:txBody>
+              <a:bodyPr wrap="square" rtlCol="0">
+                <a:spAutoFit/>
+              </a:bodyPr>
+              <a:lstStyle/>
+              <a:p>
+                <a:r>
+                  <a:rPr lang="fr-FR" dirty="0" smtClean="0">
+                    <a:solidFill>
+                      <a:srgbClr val="0070C0"/>
+                    </a:solidFill>
+                  </a:rPr>
+                  <a:t>Entrée</a:t>
+                </a:r>
+                <a:endParaRPr lang="fr-FR" dirty="0">
+                  <a:solidFill>
+                    <a:srgbClr val="0070C0"/>
+                  </a:solidFill>
+                </a:endParaRPr>
+              </a:p>
+            </p:txBody>
+          </p:sp>
+          <p:sp>
+            <p:nvSpPr>
+              <p:cNvPr id="50" name="ZoneTexte 49"/>
+              <p:cNvSpPr txBox="1"/>
+              <p:nvPr/>
+            </p:nvSpPr>
+            <p:spPr>
+              <a:xfrm>
+                <a:off x="4238597" y="5288915"/>
+                <a:ext cx="2061580" cy="496901"/>
+              </a:xfrm>
+              <a:prstGeom prst="rect">
+                <a:avLst/>
+              </a:prstGeom>
+              <a:noFill/>
+            </p:spPr>
+            <p:txBody>
+              <a:bodyPr wrap="square" rtlCol="0">
+                <a:spAutoFit/>
+              </a:bodyPr>
+              <a:lstStyle/>
+              <a:p>
+                <a:r>
+                  <a:rPr lang="fr-FR" dirty="0" smtClean="0">
+                    <a:solidFill>
+                      <a:schemeClr val="accent6">
+                        <a:lumMod val="75000"/>
+                      </a:schemeClr>
+                    </a:solidFill>
+                  </a:rPr>
+                  <a:t>Couches cachées</a:t>
+                </a:r>
+                <a:endParaRPr lang="fr-FR" dirty="0">
+                  <a:solidFill>
+                    <a:schemeClr val="accent6">
+                      <a:lumMod val="75000"/>
+                    </a:schemeClr>
+                  </a:solidFill>
+                </a:endParaRPr>
+              </a:p>
+            </p:txBody>
+          </p:sp>
+          <p:sp>
+            <p:nvSpPr>
+              <p:cNvPr id="51" name="ZoneTexte 50"/>
+              <p:cNvSpPr txBox="1"/>
+              <p:nvPr/>
+            </p:nvSpPr>
+            <p:spPr>
+              <a:xfrm>
+                <a:off x="7169879" y="5352699"/>
+                <a:ext cx="807397" cy="369333"/>
+              </a:xfrm>
+              <a:prstGeom prst="rect">
+                <a:avLst/>
+              </a:prstGeom>
+              <a:noFill/>
+            </p:spPr>
+            <p:txBody>
+              <a:bodyPr wrap="square" rtlCol="0">
+                <a:spAutoFit/>
+              </a:bodyPr>
+              <a:lstStyle/>
+              <a:p>
+                <a:r>
+                  <a:rPr lang="fr-FR" dirty="0" smtClean="0">
+                    <a:solidFill>
+                      <a:schemeClr val="accent3">
+                        <a:lumMod val="75000"/>
+                      </a:schemeClr>
+                    </a:solidFill>
+                  </a:rPr>
+                  <a:t>Sortie</a:t>
+                </a:r>
+              </a:p>
+            </p:txBody>
+          </p:sp>
+          <p:cxnSp>
+            <p:nvCxnSpPr>
+              <p:cNvPr id="52" name="Connecteur droit avec flèche 51"/>
+              <p:cNvCxnSpPr>
+                <a:stCxn id="49" idx="3"/>
+                <a:endCxn id="50" idx="1"/>
+              </p:cNvCxnSpPr>
+              <p:nvPr/>
+            </p:nvCxnSpPr>
+            <p:spPr>
+              <a:xfrm>
+                <a:off x="3199682" y="5537366"/>
+                <a:ext cx="1038915" cy="0"/>
+              </a:xfrm>
+              <a:prstGeom prst="straightConnector1">
+                <a:avLst/>
+              </a:prstGeom>
+              <a:ln>
+                <a:solidFill>
+                  <a:schemeClr val="tx1">
+                    <a:lumMod val="95000"/>
+                    <a:lumOff val="5000"/>
+                  </a:schemeClr>
+                </a:solidFill>
+                <a:tailEnd type="triangle" w="lg" len="lg"/>
+              </a:ln>
+            </p:spPr>
+            <p:style>
+              <a:lnRef idx="1">
+                <a:schemeClr val="accent1"/>
+              </a:lnRef>
+              <a:fillRef idx="0">
+                <a:schemeClr val="accent1"/>
+              </a:fillRef>
+              <a:effectRef idx="0">
+                <a:schemeClr val="accent1"/>
+              </a:effectRef>
+              <a:fontRef idx="minor">
+                <a:schemeClr val="tx1"/>
+              </a:fontRef>
+            </p:style>
+          </p:cxnSp>
+          <p:cxnSp>
+            <p:nvCxnSpPr>
+              <p:cNvPr id="53" name="Connecteur droit avec flèche 52"/>
+              <p:cNvCxnSpPr>
+                <a:stCxn id="50" idx="3"/>
+                <a:endCxn id="51" idx="1"/>
+              </p:cNvCxnSpPr>
+              <p:nvPr/>
+            </p:nvCxnSpPr>
+            <p:spPr>
+              <a:xfrm>
+                <a:off x="6300176" y="5537364"/>
+                <a:ext cx="869703" cy="0"/>
+              </a:xfrm>
+              <a:prstGeom prst="straightConnector1">
+                <a:avLst/>
+              </a:prstGeom>
+              <a:ln>
+                <a:solidFill>
+                  <a:schemeClr val="tx1">
+                    <a:lumMod val="95000"/>
+                    <a:lumOff val="5000"/>
+                  </a:schemeClr>
+                </a:solidFill>
+                <a:tailEnd type="triangle" w="lg" len="lg"/>
+              </a:ln>
+            </p:spPr>
+            <p:style>
+              <a:lnRef idx="1">
+                <a:schemeClr val="accent1"/>
+              </a:lnRef>
+              <a:fillRef idx="0">
+                <a:schemeClr val="accent1"/>
+              </a:fillRef>
+              <a:effectRef idx="0">
+                <a:schemeClr val="accent1"/>
+              </a:effectRef>
+              <a:fontRef idx="minor">
+                <a:schemeClr val="tx1"/>
+              </a:fontRef>
+            </p:style>
+          </p:cxnSp>
+        </p:grpSp>
+        <p:sp>
+          <p:nvSpPr>
+            <p:cNvPr id="61" name="ZoneTexte 60"/>
+            <p:cNvSpPr txBox="1"/>
+            <p:nvPr/>
+          </p:nvSpPr>
+          <p:spPr>
+            <a:xfrm>
+              <a:off x="1546061" y="2555516"/>
+              <a:ext cx="7596336" cy="727571"/>
+            </a:xfrm>
+            <a:prstGeom prst="rect">
+              <a:avLst/>
+            </a:prstGeom>
+            <a:noFill/>
+          </p:spPr>
+          <p:txBody>
+            <a:bodyPr wrap="square" rtlCol="0">
+              <a:spAutoFit/>
+            </a:bodyPr>
+            <a:lstStyle/>
+            <a:p>
+              <a:pPr marL="800100" lvl="1" indent="-342900">
+                <a:lnSpc>
+                  <a:spcPct val="200000"/>
+                </a:lnSpc>
+                <a:buClr>
+                  <a:srgbClr val="005293"/>
+                </a:buClr>
+                <a:buFont typeface="Wingdings" panose="05000000000000000000" pitchFamily="2" charset="2"/>
+                <a:buChar char="§"/>
+              </a:pPr>
+              <a:r>
+                <a:rPr lang="fr-FR" sz="2400" dirty="0" smtClean="0"/>
+                <a:t>Couches de neurones (unités de traitements).</a:t>
+              </a:r>
+            </a:p>
+          </p:txBody>
+        </p:sp>
+      </p:grpSp>
     </p:spTree>
     <p:extLst>
       <p:ext uri="{BB962C8B-B14F-4D97-AF65-F5344CB8AC3E}">
@@ -9444,37 +11354,147 @@
       </p:grpSpPr>
       <p:sp>
         <p:nvSpPr>
-          <p:cNvPr id="2" name="Titre 1"/>
-          <p:cNvSpPr>
-            <a:spLocks noGrp="1"/>
+          <p:cNvPr id="53" name="Titre 3"/>
+          <p:cNvSpPr txBox="1">
+            <a:spLocks/>
           </p:cNvSpPr>
-          <p:nvPr>
-            <p:ph type="title"/>
-          </p:nvPr>
+          <p:nvPr/>
         </p:nvSpPr>
-        <p:spPr/>
+        <p:spPr>
+          <a:xfrm>
+            <a:off x="1548000" y="-389"/>
+            <a:ext cx="7596000" cy="765092"/>
+          </a:xfrm>
+          <a:prstGeom prst="rect">
+            <a:avLst/>
+          </a:prstGeom>
+        </p:spPr>
         <p:txBody>
-          <a:bodyPr/>
+          <a:bodyPr vert="horz" lIns="91440" tIns="45720" rIns="91440" bIns="45720" rtlCol="0" anchor="ctr">
+            <a:normAutofit/>
+          </a:bodyPr>
+          <a:lstStyle>
+            <a:lvl1pPr algn="ctr" defTabSz="914400" rtl="0" eaLnBrk="1" latinLnBrk="0" hangingPunct="1">
+              <a:spcBef>
+                <a:spcPct val="0"/>
+              </a:spcBef>
+              <a:buNone/>
+              <a:defRPr sz="3500" kern="1200" cap="all" baseline="0">
+                <a:solidFill>
+                  <a:srgbClr val="005293"/>
+                </a:solidFill>
+                <a:latin typeface="+mj-lt"/>
+                <a:ea typeface="+mj-ea"/>
+                <a:cs typeface="+mj-cs"/>
+              </a:defRPr>
+            </a:lvl1pPr>
+          </a:lstStyle>
+          <a:p>
+            <a:r>
+              <a:rPr lang="fr-FR" smtClean="0"/>
+              <a:t>LE DEEP LEARNING</a:t>
+            </a:r>
+            <a:endParaRPr lang="fr-FR" dirty="0"/>
+          </a:p>
+        </p:txBody>
+      </p:sp>
+      <p:sp>
+        <p:nvSpPr>
+          <p:cNvPr id="54" name="ZoneTexte 53"/>
+          <p:cNvSpPr txBox="1"/>
+          <p:nvPr/>
+        </p:nvSpPr>
+        <p:spPr>
+          <a:xfrm>
+            <a:off x="1547664" y="1268760"/>
+            <a:ext cx="7594733" cy="415498"/>
+          </a:xfrm>
+          <a:prstGeom prst="rect">
+            <a:avLst/>
+          </a:prstGeom>
+          <a:noFill/>
+        </p:spPr>
+        <p:txBody>
+          <a:bodyPr wrap="square" rtlCol="0">
+            <a:spAutoFit/>
+          </a:bodyPr>
           <a:lstStyle/>
           <a:p>
-            <a:r>
-              <a:rPr lang="fr-FR" dirty="0" smtClean="0"/>
-              <a:t>LE DEEP LEARNING</a:t>
-            </a:r>
-            <a:endParaRPr lang="fr-FR" dirty="0"/>
+            <a:pPr algn="ctr"/>
+            <a:r>
+              <a:rPr lang="fr-FR" sz="2100" b="1" dirty="0" err="1">
+                <a:solidFill>
+                  <a:srgbClr val="005293"/>
+                </a:solidFill>
+              </a:rPr>
+              <a:t>Deep</a:t>
+            </a:r>
+            <a:r>
+              <a:rPr lang="fr-FR" sz="2100" b="1" dirty="0">
+                <a:solidFill>
+                  <a:srgbClr val="005293"/>
+                </a:solidFill>
+              </a:rPr>
+              <a:t> Learning</a:t>
+            </a:r>
+            <a:r>
+              <a:rPr lang="fr-FR" sz="2100" b="1" i="1" dirty="0">
+                <a:solidFill>
+                  <a:srgbClr val="005293"/>
+                </a:solidFill>
+              </a:rPr>
+              <a:t> </a:t>
+            </a:r>
+            <a:r>
+              <a:rPr lang="fr-FR" sz="2100" dirty="0">
+                <a:solidFill>
+                  <a:schemeClr val="bg1">
+                    <a:lumMod val="65000"/>
+                  </a:schemeClr>
+                </a:solidFill>
+              </a:rPr>
+              <a:t>et traitement de langues naturelles et </a:t>
+            </a:r>
+            <a:r>
+              <a:rPr lang="fr-FR" sz="2100" dirty="0" err="1" smtClean="0">
+                <a:solidFill>
+                  <a:schemeClr val="bg1">
+                    <a:lumMod val="65000"/>
+                  </a:schemeClr>
+                </a:solidFill>
+              </a:rPr>
+              <a:t>Text</a:t>
+            </a:r>
+            <a:r>
+              <a:rPr lang="fr-FR" sz="2100" dirty="0" smtClean="0">
+                <a:solidFill>
+                  <a:schemeClr val="bg1">
+                    <a:lumMod val="65000"/>
+                  </a:schemeClr>
+                </a:solidFill>
+              </a:rPr>
+              <a:t> Mining.</a:t>
+            </a:r>
+            <a:endParaRPr lang="fr-FR" sz="2100" dirty="0">
+              <a:solidFill>
+                <a:schemeClr val="bg1">
+                  <a:lumMod val="65000"/>
+                </a:schemeClr>
+              </a:solidFill>
+            </a:endParaRPr>
           </a:p>
         </p:txBody>
       </p:sp>
       <p:cxnSp>
         <p:nvCxnSpPr>
-          <p:cNvPr id="4" name="Connecteur droit 3"/>
+          <p:cNvPr id="55" name="Connecteur droit 54"/>
           <p:cNvCxnSpPr/>
           <p:nvPr/>
         </p:nvCxnSpPr>
         <p:spPr>
           <a:xfrm>
-            <a:off x="3189561" y="1837566"/>
-            <a:ext cx="4550791" cy="0"/>
+            <a:off x="3275856" y="1837566"/>
+            <a:ext cx="4464496" cy="0"/>
           </a:xfrm>
           <a:prstGeom prst="line">
             <a:avLst/>
@@ -9497,1718 +11517,14 @@
       </p:cxnSp>
       <p:sp>
         <p:nvSpPr>
-          <p:cNvPr id="5" name="Ellipse 4"/>
-          <p:cNvSpPr/>
-          <p:nvPr/>
-        </p:nvSpPr>
-        <p:spPr>
-          <a:xfrm>
-            <a:off x="2443386" y="2622396"/>
-            <a:ext cx="366999" cy="360040"/>
-          </a:xfrm>
-          <a:prstGeom prst="ellipse">
-            <a:avLst/>
-          </a:prstGeom>
-        </p:spPr>
-        <p:style>
-          <a:lnRef idx="2">
-            <a:schemeClr val="accent1">
-              <a:shade val="50000"/>
-            </a:schemeClr>
-          </a:lnRef>
-          <a:fillRef idx="1">
-            <a:schemeClr val="accent1"/>
-          </a:fillRef>
-          <a:effectRef idx="0">
-            <a:schemeClr val="accent1"/>
-          </a:effectRef>
-          <a:fontRef idx="minor">
-            <a:schemeClr val="lt1"/>
-          </a:fontRef>
-        </p:style>
-        <p:txBody>
-          <a:bodyPr rtlCol="0" anchor="ctr"/>
-          <a:lstStyle/>
-          <a:p>
-            <a:pPr algn="ctr"/>
-            <a:endParaRPr lang="fr-FR"/>
-          </a:p>
-        </p:txBody>
-      </p:sp>
-      <p:sp>
-        <p:nvSpPr>
-          <p:cNvPr id="6" name="Ellipse 5"/>
-          <p:cNvSpPr/>
-          <p:nvPr/>
-        </p:nvSpPr>
-        <p:spPr>
-          <a:xfrm>
-            <a:off x="2443386" y="3460523"/>
-            <a:ext cx="366999" cy="360040"/>
-          </a:xfrm>
-          <a:prstGeom prst="ellipse">
-            <a:avLst/>
-          </a:prstGeom>
-        </p:spPr>
-        <p:style>
-          <a:lnRef idx="2">
-            <a:schemeClr val="accent1">
-              <a:shade val="50000"/>
-            </a:schemeClr>
-          </a:lnRef>
-          <a:fillRef idx="1">
-            <a:schemeClr val="accent1"/>
-          </a:fillRef>
-          <a:effectRef idx="0">
-            <a:schemeClr val="accent1"/>
-          </a:effectRef>
-          <a:fontRef idx="minor">
-            <a:schemeClr val="lt1"/>
-          </a:fontRef>
-        </p:style>
-        <p:txBody>
-          <a:bodyPr rtlCol="0" anchor="ctr"/>
-          <a:lstStyle/>
-          <a:p>
-            <a:pPr algn="ctr"/>
-            <a:endParaRPr lang="fr-FR"/>
-          </a:p>
-        </p:txBody>
-      </p:sp>
-      <p:sp>
-        <p:nvSpPr>
-          <p:cNvPr id="7" name="Ellipse 6"/>
-          <p:cNvSpPr/>
-          <p:nvPr/>
-        </p:nvSpPr>
-        <p:spPr>
-          <a:xfrm>
-            <a:off x="2443386" y="4330640"/>
-            <a:ext cx="366999" cy="360040"/>
-          </a:xfrm>
-          <a:prstGeom prst="ellipse">
-            <a:avLst/>
-          </a:prstGeom>
-        </p:spPr>
-        <p:style>
-          <a:lnRef idx="2">
-            <a:schemeClr val="accent1">
-              <a:shade val="50000"/>
-            </a:schemeClr>
-          </a:lnRef>
-          <a:fillRef idx="1">
-            <a:schemeClr val="accent1"/>
-          </a:fillRef>
-          <a:effectRef idx="0">
-            <a:schemeClr val="accent1"/>
-          </a:effectRef>
-          <a:fontRef idx="minor">
-            <a:schemeClr val="lt1"/>
-          </a:fontRef>
-        </p:style>
-        <p:txBody>
-          <a:bodyPr rtlCol="0" anchor="ctr"/>
-          <a:lstStyle/>
-          <a:p>
-            <a:pPr algn="ctr"/>
-            <a:endParaRPr lang="fr-FR"/>
-          </a:p>
-        </p:txBody>
-      </p:sp>
-      <p:sp>
-        <p:nvSpPr>
-          <p:cNvPr id="8" name="Ellipse 7"/>
-          <p:cNvSpPr/>
-          <p:nvPr/>
-        </p:nvSpPr>
-        <p:spPr>
-          <a:xfrm>
-            <a:off x="4365807" y="2303558"/>
-            <a:ext cx="366999" cy="360040"/>
-          </a:xfrm>
-          <a:prstGeom prst="ellipse">
-            <a:avLst/>
-          </a:prstGeom>
-          <a:solidFill>
-            <a:schemeClr val="accent6">
-              <a:lumMod val="75000"/>
-            </a:schemeClr>
-          </a:solidFill>
-          <a:ln>
-            <a:solidFill>
-              <a:schemeClr val="accent6">
-                <a:lumMod val="50000"/>
-              </a:schemeClr>
-            </a:solidFill>
-          </a:ln>
-        </p:spPr>
-        <p:style>
-          <a:lnRef idx="2">
-            <a:schemeClr val="accent1">
-              <a:shade val="50000"/>
-            </a:schemeClr>
-          </a:lnRef>
-          <a:fillRef idx="1">
-            <a:schemeClr val="accent1"/>
-          </a:fillRef>
-          <a:effectRef idx="0">
-            <a:schemeClr val="accent1"/>
-          </a:effectRef>
-          <a:fontRef idx="minor">
-            <a:schemeClr val="lt1"/>
-          </a:fontRef>
-        </p:style>
-        <p:txBody>
-          <a:bodyPr rtlCol="0" anchor="ctr"/>
-          <a:lstStyle/>
-          <a:p>
-            <a:pPr algn="ctr"/>
-            <a:endParaRPr lang="fr-FR"/>
-          </a:p>
-        </p:txBody>
-      </p:sp>
-      <p:sp>
-        <p:nvSpPr>
-          <p:cNvPr id="9" name="Ellipse 8"/>
-          <p:cNvSpPr/>
-          <p:nvPr/>
-        </p:nvSpPr>
-        <p:spPr>
-          <a:xfrm>
-            <a:off x="4365807" y="3100483"/>
-            <a:ext cx="366999" cy="360040"/>
-          </a:xfrm>
-          <a:prstGeom prst="ellipse">
-            <a:avLst/>
-          </a:prstGeom>
-          <a:solidFill>
-            <a:schemeClr val="accent6">
-              <a:lumMod val="75000"/>
-            </a:schemeClr>
-          </a:solidFill>
-          <a:ln>
-            <a:solidFill>
-              <a:schemeClr val="accent6">
-                <a:lumMod val="50000"/>
-              </a:schemeClr>
-            </a:solidFill>
-          </a:ln>
-        </p:spPr>
-        <p:style>
-          <a:lnRef idx="2">
-            <a:schemeClr val="accent1">
-              <a:shade val="50000"/>
-            </a:schemeClr>
-          </a:lnRef>
-          <a:fillRef idx="1">
-            <a:schemeClr val="accent1"/>
-          </a:fillRef>
-          <a:effectRef idx="0">
-            <a:schemeClr val="accent1"/>
-          </a:effectRef>
-          <a:fontRef idx="minor">
-            <a:schemeClr val="lt1"/>
-          </a:fontRef>
-        </p:style>
-        <p:txBody>
-          <a:bodyPr rtlCol="0" anchor="ctr"/>
-          <a:lstStyle/>
-          <a:p>
-            <a:pPr algn="ctr"/>
-            <a:endParaRPr lang="fr-FR"/>
-          </a:p>
-        </p:txBody>
-      </p:sp>
-      <p:sp>
-        <p:nvSpPr>
-          <p:cNvPr id="10" name="Ellipse 9"/>
-          <p:cNvSpPr/>
-          <p:nvPr/>
-        </p:nvSpPr>
-        <p:spPr>
-          <a:xfrm>
-            <a:off x="4365807" y="3937666"/>
-            <a:ext cx="366999" cy="360040"/>
-          </a:xfrm>
-          <a:prstGeom prst="ellipse">
-            <a:avLst/>
-          </a:prstGeom>
-          <a:solidFill>
-            <a:schemeClr val="accent6">
-              <a:lumMod val="75000"/>
-            </a:schemeClr>
-          </a:solidFill>
-          <a:ln>
-            <a:solidFill>
-              <a:schemeClr val="accent6">
-                <a:lumMod val="50000"/>
-              </a:schemeClr>
-            </a:solidFill>
-          </a:ln>
-        </p:spPr>
-        <p:style>
-          <a:lnRef idx="2">
-            <a:schemeClr val="accent1">
-              <a:shade val="50000"/>
-            </a:schemeClr>
-          </a:lnRef>
-          <a:fillRef idx="1">
-            <a:schemeClr val="accent1"/>
-          </a:fillRef>
-          <a:effectRef idx="0">
-            <a:schemeClr val="accent1"/>
-          </a:effectRef>
-          <a:fontRef idx="minor">
-            <a:schemeClr val="lt1"/>
-          </a:fontRef>
-        </p:style>
-        <p:txBody>
-          <a:bodyPr rtlCol="0" anchor="ctr"/>
-          <a:lstStyle/>
-          <a:p>
-            <a:pPr algn="ctr"/>
-            <a:endParaRPr lang="fr-FR"/>
-          </a:p>
-        </p:txBody>
-      </p:sp>
-      <p:sp>
-        <p:nvSpPr>
-          <p:cNvPr id="11" name="Ellipse 10"/>
-          <p:cNvSpPr/>
-          <p:nvPr/>
-        </p:nvSpPr>
-        <p:spPr>
-          <a:xfrm>
-            <a:off x="4336010" y="4851458"/>
-            <a:ext cx="366999" cy="360040"/>
-          </a:xfrm>
-          <a:prstGeom prst="ellipse">
-            <a:avLst/>
-          </a:prstGeom>
-          <a:solidFill>
-            <a:schemeClr val="accent6">
-              <a:lumMod val="75000"/>
-            </a:schemeClr>
-          </a:solidFill>
-          <a:ln>
-            <a:solidFill>
-              <a:schemeClr val="accent6">
-                <a:lumMod val="50000"/>
-              </a:schemeClr>
-            </a:solidFill>
-          </a:ln>
-        </p:spPr>
-        <p:style>
-          <a:lnRef idx="2">
-            <a:schemeClr val="accent1">
-              <a:shade val="50000"/>
-            </a:schemeClr>
-          </a:lnRef>
-          <a:fillRef idx="1">
-            <a:schemeClr val="accent1"/>
-          </a:fillRef>
-          <a:effectRef idx="0">
-            <a:schemeClr val="accent1"/>
-          </a:effectRef>
-          <a:fontRef idx="minor">
-            <a:schemeClr val="lt1"/>
-          </a:fontRef>
-        </p:style>
-        <p:txBody>
-          <a:bodyPr rtlCol="0" anchor="ctr"/>
-          <a:lstStyle/>
-          <a:p>
-            <a:pPr algn="ctr"/>
-            <a:endParaRPr lang="fr-FR"/>
-          </a:p>
-        </p:txBody>
-      </p:sp>
-      <p:sp>
-        <p:nvSpPr>
-          <p:cNvPr id="12" name="Ellipse 11"/>
-          <p:cNvSpPr/>
-          <p:nvPr/>
-        </p:nvSpPr>
-        <p:spPr>
-          <a:xfrm>
-            <a:off x="5805967" y="2773684"/>
-            <a:ext cx="366999" cy="360040"/>
-          </a:xfrm>
-          <a:prstGeom prst="ellipse">
-            <a:avLst/>
-          </a:prstGeom>
-          <a:solidFill>
-            <a:schemeClr val="accent6">
-              <a:lumMod val="75000"/>
-            </a:schemeClr>
-          </a:solidFill>
-          <a:ln>
-            <a:solidFill>
-              <a:schemeClr val="accent6">
-                <a:lumMod val="50000"/>
-              </a:schemeClr>
-            </a:solidFill>
-          </a:ln>
-        </p:spPr>
-        <p:style>
-          <a:lnRef idx="2">
-            <a:schemeClr val="accent1">
-              <a:shade val="50000"/>
-            </a:schemeClr>
-          </a:lnRef>
-          <a:fillRef idx="1">
-            <a:schemeClr val="accent1"/>
-          </a:fillRef>
-          <a:effectRef idx="0">
-            <a:schemeClr val="accent1"/>
-          </a:effectRef>
-          <a:fontRef idx="minor">
-            <a:schemeClr val="lt1"/>
-          </a:fontRef>
-        </p:style>
-        <p:txBody>
-          <a:bodyPr rtlCol="0" anchor="ctr"/>
-          <a:lstStyle/>
-          <a:p>
-            <a:pPr algn="ctr"/>
-            <a:endParaRPr lang="fr-FR"/>
-          </a:p>
-        </p:txBody>
-      </p:sp>
-      <p:sp>
-        <p:nvSpPr>
-          <p:cNvPr id="13" name="Ellipse 12"/>
-          <p:cNvSpPr/>
-          <p:nvPr/>
-        </p:nvSpPr>
-        <p:spPr>
-          <a:xfrm>
-            <a:off x="5805967" y="3611811"/>
-            <a:ext cx="366999" cy="360040"/>
-          </a:xfrm>
-          <a:prstGeom prst="ellipse">
-            <a:avLst/>
-          </a:prstGeom>
-          <a:solidFill>
-            <a:schemeClr val="accent6">
-              <a:lumMod val="75000"/>
-            </a:schemeClr>
-          </a:solidFill>
-          <a:ln>
-            <a:solidFill>
-              <a:schemeClr val="accent6">
-                <a:lumMod val="50000"/>
-              </a:schemeClr>
-            </a:solidFill>
-          </a:ln>
-        </p:spPr>
-        <p:style>
-          <a:lnRef idx="2">
-            <a:schemeClr val="accent1">
-              <a:shade val="50000"/>
-            </a:schemeClr>
-          </a:lnRef>
-          <a:fillRef idx="1">
-            <a:schemeClr val="accent1"/>
-          </a:fillRef>
-          <a:effectRef idx="0">
-            <a:schemeClr val="accent1"/>
-          </a:effectRef>
-          <a:fontRef idx="minor">
-            <a:schemeClr val="lt1"/>
-          </a:fontRef>
-        </p:style>
-        <p:txBody>
-          <a:bodyPr rtlCol="0" anchor="ctr"/>
-          <a:lstStyle/>
-          <a:p>
-            <a:pPr algn="ctr"/>
-            <a:endParaRPr lang="fr-FR"/>
-          </a:p>
-        </p:txBody>
-      </p:sp>
-      <p:sp>
-        <p:nvSpPr>
-          <p:cNvPr id="14" name="Ellipse 13"/>
-          <p:cNvSpPr/>
-          <p:nvPr/>
-        </p:nvSpPr>
-        <p:spPr>
-          <a:xfrm>
-            <a:off x="5805967" y="4481928"/>
-            <a:ext cx="366999" cy="360040"/>
-          </a:xfrm>
-          <a:prstGeom prst="ellipse">
-            <a:avLst/>
-          </a:prstGeom>
-          <a:solidFill>
-            <a:schemeClr val="accent6">
-              <a:lumMod val="75000"/>
-            </a:schemeClr>
-          </a:solidFill>
-          <a:ln>
-            <a:solidFill>
-              <a:schemeClr val="accent6">
-                <a:lumMod val="50000"/>
-              </a:schemeClr>
-            </a:solidFill>
-          </a:ln>
-        </p:spPr>
-        <p:style>
-          <a:lnRef idx="2">
-            <a:schemeClr val="accent1">
-              <a:shade val="50000"/>
-            </a:schemeClr>
-          </a:lnRef>
-          <a:fillRef idx="1">
-            <a:schemeClr val="accent1"/>
-          </a:fillRef>
-          <a:effectRef idx="0">
-            <a:schemeClr val="accent1"/>
-          </a:effectRef>
-          <a:fontRef idx="minor">
-            <a:schemeClr val="lt1"/>
-          </a:fontRef>
-        </p:style>
-        <p:txBody>
-          <a:bodyPr rtlCol="0" anchor="ctr"/>
-          <a:lstStyle/>
-          <a:p>
-            <a:pPr algn="ctr"/>
-            <a:endParaRPr lang="fr-FR"/>
-          </a:p>
-        </p:txBody>
-      </p:sp>
-      <p:sp>
-        <p:nvSpPr>
-          <p:cNvPr id="15" name="Ellipse 14"/>
-          <p:cNvSpPr/>
-          <p:nvPr/>
-        </p:nvSpPr>
-        <p:spPr>
-          <a:xfrm>
-            <a:off x="7553373" y="3160388"/>
-            <a:ext cx="366999" cy="360040"/>
-          </a:xfrm>
-          <a:prstGeom prst="ellipse">
-            <a:avLst/>
-          </a:prstGeom>
-          <a:solidFill>
-            <a:schemeClr val="accent3">
-              <a:lumMod val="75000"/>
-            </a:schemeClr>
-          </a:solidFill>
-          <a:ln>
-            <a:solidFill>
-              <a:schemeClr val="accent3">
-                <a:lumMod val="50000"/>
-              </a:schemeClr>
-            </a:solidFill>
-          </a:ln>
-        </p:spPr>
-        <p:style>
-          <a:lnRef idx="2">
-            <a:schemeClr val="accent1">
-              <a:shade val="50000"/>
-            </a:schemeClr>
-          </a:lnRef>
-          <a:fillRef idx="1">
-            <a:schemeClr val="accent1"/>
-          </a:fillRef>
-          <a:effectRef idx="0">
-            <a:schemeClr val="accent1"/>
-          </a:effectRef>
-          <a:fontRef idx="minor">
-            <a:schemeClr val="lt1"/>
-          </a:fontRef>
-        </p:style>
-        <p:txBody>
-          <a:bodyPr rtlCol="0" anchor="ctr"/>
-          <a:lstStyle/>
-          <a:p>
-            <a:pPr algn="ctr"/>
-            <a:endParaRPr lang="fr-FR"/>
-          </a:p>
-        </p:txBody>
-      </p:sp>
-      <p:sp>
-        <p:nvSpPr>
-          <p:cNvPr id="16" name="Ellipse 15"/>
-          <p:cNvSpPr/>
-          <p:nvPr/>
-        </p:nvSpPr>
-        <p:spPr>
-          <a:xfrm>
-            <a:off x="7553373" y="4030505"/>
-            <a:ext cx="366999" cy="360040"/>
-          </a:xfrm>
-          <a:prstGeom prst="ellipse">
-            <a:avLst/>
-          </a:prstGeom>
-          <a:solidFill>
-            <a:schemeClr val="accent3">
-              <a:lumMod val="75000"/>
-            </a:schemeClr>
-          </a:solidFill>
-          <a:ln>
-            <a:solidFill>
-              <a:schemeClr val="accent3">
-                <a:lumMod val="50000"/>
-              </a:schemeClr>
-            </a:solidFill>
-          </a:ln>
-        </p:spPr>
-        <p:style>
-          <a:lnRef idx="2">
-            <a:schemeClr val="accent1">
-              <a:shade val="50000"/>
-            </a:schemeClr>
-          </a:lnRef>
-          <a:fillRef idx="1">
-            <a:schemeClr val="accent1"/>
-          </a:fillRef>
-          <a:effectRef idx="0">
-            <a:schemeClr val="accent1"/>
-          </a:effectRef>
-          <a:fontRef idx="minor">
-            <a:schemeClr val="lt1"/>
-          </a:fontRef>
-        </p:style>
-        <p:txBody>
-          <a:bodyPr rtlCol="0" anchor="ctr"/>
-          <a:lstStyle/>
-          <a:p>
-            <a:pPr algn="ctr"/>
-            <a:endParaRPr lang="fr-FR"/>
-          </a:p>
-        </p:txBody>
-      </p:sp>
-      <p:cxnSp>
-        <p:nvCxnSpPr>
-          <p:cNvPr id="17" name="Connecteur droit 16"/>
-          <p:cNvCxnSpPr>
-            <a:stCxn id="5" idx="6"/>
-            <a:endCxn id="8" idx="2"/>
-          </p:cNvCxnSpPr>
-          <p:nvPr/>
-        </p:nvCxnSpPr>
-        <p:spPr>
-          <a:xfrm flipV="1">
-            <a:off x="2810385" y="2483578"/>
-            <a:ext cx="1555422" cy="318838"/>
-          </a:xfrm>
-          <a:prstGeom prst="line">
-            <a:avLst/>
-          </a:prstGeom>
-        </p:spPr>
-        <p:style>
-          <a:lnRef idx="1">
-            <a:schemeClr val="accent1"/>
-          </a:lnRef>
-          <a:fillRef idx="0">
-            <a:schemeClr val="accent1"/>
-          </a:fillRef>
-          <a:effectRef idx="0">
-            <a:schemeClr val="accent1"/>
-          </a:effectRef>
-          <a:fontRef idx="minor">
-            <a:schemeClr val="tx1"/>
-          </a:fontRef>
-        </p:style>
-      </p:cxnSp>
-      <p:cxnSp>
-        <p:nvCxnSpPr>
-          <p:cNvPr id="18" name="Connecteur droit 17"/>
-          <p:cNvCxnSpPr>
-            <a:stCxn id="5" idx="6"/>
-            <a:endCxn id="9" idx="2"/>
-          </p:cNvCxnSpPr>
-          <p:nvPr/>
-        </p:nvCxnSpPr>
-        <p:spPr>
-          <a:xfrm>
-            <a:off x="2810385" y="2802416"/>
-            <a:ext cx="1555422" cy="478087"/>
-          </a:xfrm>
-          <a:prstGeom prst="line">
-            <a:avLst/>
-          </a:prstGeom>
-        </p:spPr>
-        <p:style>
-          <a:lnRef idx="1">
-            <a:schemeClr val="accent1"/>
-          </a:lnRef>
-          <a:fillRef idx="0">
-            <a:schemeClr val="accent1"/>
-          </a:fillRef>
-          <a:effectRef idx="0">
-            <a:schemeClr val="accent1"/>
-          </a:effectRef>
-          <a:fontRef idx="minor">
-            <a:schemeClr val="tx1"/>
-          </a:fontRef>
-        </p:style>
-      </p:cxnSp>
-      <p:cxnSp>
-        <p:nvCxnSpPr>
-          <p:cNvPr id="19" name="Connecteur droit 18"/>
-          <p:cNvCxnSpPr>
-            <a:stCxn id="5" idx="6"/>
-            <a:endCxn id="10" idx="2"/>
-          </p:cNvCxnSpPr>
-          <p:nvPr/>
-        </p:nvCxnSpPr>
-        <p:spPr>
-          <a:xfrm>
-            <a:off x="2810385" y="2802416"/>
-            <a:ext cx="1555422" cy="1315270"/>
-          </a:xfrm>
-          <a:prstGeom prst="line">
-            <a:avLst/>
-          </a:prstGeom>
-        </p:spPr>
-        <p:style>
-          <a:lnRef idx="1">
-            <a:schemeClr val="accent1"/>
-          </a:lnRef>
-          <a:fillRef idx="0">
-            <a:schemeClr val="accent1"/>
-          </a:fillRef>
-          <a:effectRef idx="0">
-            <a:schemeClr val="accent1"/>
-          </a:effectRef>
-          <a:fontRef idx="minor">
-            <a:schemeClr val="tx1"/>
-          </a:fontRef>
-        </p:style>
-      </p:cxnSp>
-      <p:cxnSp>
-        <p:nvCxnSpPr>
-          <p:cNvPr id="20" name="Connecteur droit 19"/>
-          <p:cNvCxnSpPr>
-            <a:stCxn id="5" idx="6"/>
-            <a:endCxn id="11" idx="2"/>
-          </p:cNvCxnSpPr>
-          <p:nvPr/>
-        </p:nvCxnSpPr>
-        <p:spPr>
-          <a:xfrm>
-            <a:off x="2810385" y="2802416"/>
-            <a:ext cx="1525625" cy="2229062"/>
-          </a:xfrm>
-          <a:prstGeom prst="line">
-            <a:avLst/>
-          </a:prstGeom>
-        </p:spPr>
-        <p:style>
-          <a:lnRef idx="1">
-            <a:schemeClr val="accent1"/>
-          </a:lnRef>
-          <a:fillRef idx="0">
-            <a:schemeClr val="accent1"/>
-          </a:fillRef>
-          <a:effectRef idx="0">
-            <a:schemeClr val="accent1"/>
-          </a:effectRef>
-          <a:fontRef idx="minor">
-            <a:schemeClr val="tx1"/>
-          </a:fontRef>
-        </p:style>
-      </p:cxnSp>
-      <p:cxnSp>
-        <p:nvCxnSpPr>
-          <p:cNvPr id="21" name="Connecteur droit 20"/>
-          <p:cNvCxnSpPr>
-            <a:stCxn id="6" idx="6"/>
-            <a:endCxn id="8" idx="2"/>
-          </p:cNvCxnSpPr>
-          <p:nvPr/>
-        </p:nvCxnSpPr>
-        <p:spPr>
-          <a:xfrm flipV="1">
-            <a:off x="2810385" y="2483578"/>
-            <a:ext cx="1555422" cy="1156965"/>
-          </a:xfrm>
-          <a:prstGeom prst="line">
-            <a:avLst/>
-          </a:prstGeom>
-        </p:spPr>
-        <p:style>
-          <a:lnRef idx="1">
-            <a:schemeClr val="accent1"/>
-          </a:lnRef>
-          <a:fillRef idx="0">
-            <a:schemeClr val="accent1"/>
-          </a:fillRef>
-          <a:effectRef idx="0">
-            <a:schemeClr val="accent1"/>
-          </a:effectRef>
-          <a:fontRef idx="minor">
-            <a:schemeClr val="tx1"/>
-          </a:fontRef>
-        </p:style>
-      </p:cxnSp>
-      <p:cxnSp>
-        <p:nvCxnSpPr>
-          <p:cNvPr id="22" name="Connecteur droit 21"/>
-          <p:cNvCxnSpPr>
-            <a:stCxn id="6" idx="6"/>
-            <a:endCxn id="9" idx="2"/>
-          </p:cNvCxnSpPr>
-          <p:nvPr/>
-        </p:nvCxnSpPr>
-        <p:spPr>
-          <a:xfrm flipV="1">
-            <a:off x="2810385" y="3280503"/>
-            <a:ext cx="1555422" cy="360040"/>
-          </a:xfrm>
-          <a:prstGeom prst="line">
-            <a:avLst/>
-          </a:prstGeom>
-        </p:spPr>
-        <p:style>
-          <a:lnRef idx="1">
-            <a:schemeClr val="accent1"/>
-          </a:lnRef>
-          <a:fillRef idx="0">
-            <a:schemeClr val="accent1"/>
-          </a:fillRef>
-          <a:effectRef idx="0">
-            <a:schemeClr val="accent1"/>
-          </a:effectRef>
-          <a:fontRef idx="minor">
-            <a:schemeClr val="tx1"/>
-          </a:fontRef>
-        </p:style>
-      </p:cxnSp>
-      <p:cxnSp>
-        <p:nvCxnSpPr>
-          <p:cNvPr id="23" name="Connecteur droit 22"/>
-          <p:cNvCxnSpPr>
-            <a:stCxn id="6" idx="6"/>
-            <a:endCxn id="10" idx="2"/>
-          </p:cNvCxnSpPr>
-          <p:nvPr/>
-        </p:nvCxnSpPr>
-        <p:spPr>
-          <a:xfrm>
-            <a:off x="2810385" y="3640543"/>
-            <a:ext cx="1555422" cy="477143"/>
-          </a:xfrm>
-          <a:prstGeom prst="line">
-            <a:avLst/>
-          </a:prstGeom>
-        </p:spPr>
-        <p:style>
-          <a:lnRef idx="1">
-            <a:schemeClr val="accent1"/>
-          </a:lnRef>
-          <a:fillRef idx="0">
-            <a:schemeClr val="accent1"/>
-          </a:fillRef>
-          <a:effectRef idx="0">
-            <a:schemeClr val="accent1"/>
-          </a:effectRef>
-          <a:fontRef idx="minor">
-            <a:schemeClr val="tx1"/>
-          </a:fontRef>
-        </p:style>
-      </p:cxnSp>
-      <p:cxnSp>
-        <p:nvCxnSpPr>
-          <p:cNvPr id="24" name="Connecteur droit 23"/>
-          <p:cNvCxnSpPr>
-            <a:stCxn id="6" idx="6"/>
-            <a:endCxn id="11" idx="2"/>
-          </p:cNvCxnSpPr>
-          <p:nvPr/>
-        </p:nvCxnSpPr>
-        <p:spPr>
-          <a:xfrm>
-            <a:off x="2810385" y="3640543"/>
-            <a:ext cx="1525625" cy="1390935"/>
-          </a:xfrm>
-          <a:prstGeom prst="line">
-            <a:avLst/>
-          </a:prstGeom>
-        </p:spPr>
-        <p:style>
-          <a:lnRef idx="1">
-            <a:schemeClr val="accent1"/>
-          </a:lnRef>
-          <a:fillRef idx="0">
-            <a:schemeClr val="accent1"/>
-          </a:fillRef>
-          <a:effectRef idx="0">
-            <a:schemeClr val="accent1"/>
-          </a:effectRef>
-          <a:fontRef idx="minor">
-            <a:schemeClr val="tx1"/>
-          </a:fontRef>
-        </p:style>
-      </p:cxnSp>
-      <p:cxnSp>
-        <p:nvCxnSpPr>
-          <p:cNvPr id="25" name="Connecteur droit 24"/>
-          <p:cNvCxnSpPr>
-            <a:stCxn id="7" idx="6"/>
-            <a:endCxn id="8" idx="2"/>
-          </p:cNvCxnSpPr>
-          <p:nvPr/>
-        </p:nvCxnSpPr>
-        <p:spPr>
-          <a:xfrm flipV="1">
-            <a:off x="2810385" y="2483578"/>
-            <a:ext cx="1555422" cy="2027082"/>
-          </a:xfrm>
-          <a:prstGeom prst="line">
-            <a:avLst/>
-          </a:prstGeom>
-        </p:spPr>
-        <p:style>
-          <a:lnRef idx="1">
-            <a:schemeClr val="accent1"/>
-          </a:lnRef>
-          <a:fillRef idx="0">
-            <a:schemeClr val="accent1"/>
-          </a:fillRef>
-          <a:effectRef idx="0">
-            <a:schemeClr val="accent1"/>
-          </a:effectRef>
-          <a:fontRef idx="minor">
-            <a:schemeClr val="tx1"/>
-          </a:fontRef>
-        </p:style>
-      </p:cxnSp>
-      <p:cxnSp>
-        <p:nvCxnSpPr>
-          <p:cNvPr id="26" name="Connecteur droit 25"/>
-          <p:cNvCxnSpPr>
-            <a:stCxn id="7" idx="6"/>
-            <a:endCxn id="9" idx="2"/>
-          </p:cNvCxnSpPr>
-          <p:nvPr/>
-        </p:nvCxnSpPr>
-        <p:spPr>
-          <a:xfrm flipV="1">
-            <a:off x="2810385" y="3280503"/>
-            <a:ext cx="1555422" cy="1230157"/>
-          </a:xfrm>
-          <a:prstGeom prst="line">
-            <a:avLst/>
-          </a:prstGeom>
-        </p:spPr>
-        <p:style>
-          <a:lnRef idx="1">
-            <a:schemeClr val="accent1"/>
-          </a:lnRef>
-          <a:fillRef idx="0">
-            <a:schemeClr val="accent1"/>
-          </a:fillRef>
-          <a:effectRef idx="0">
-            <a:schemeClr val="accent1"/>
-          </a:effectRef>
-          <a:fontRef idx="minor">
-            <a:schemeClr val="tx1"/>
-          </a:fontRef>
-        </p:style>
-      </p:cxnSp>
-      <p:cxnSp>
-        <p:nvCxnSpPr>
-          <p:cNvPr id="27" name="Connecteur droit 26"/>
-          <p:cNvCxnSpPr>
-            <a:stCxn id="7" idx="6"/>
-            <a:endCxn id="10" idx="2"/>
-          </p:cNvCxnSpPr>
-          <p:nvPr/>
-        </p:nvCxnSpPr>
-        <p:spPr>
-          <a:xfrm flipV="1">
-            <a:off x="2810385" y="4117686"/>
-            <a:ext cx="1555422" cy="392974"/>
-          </a:xfrm>
-          <a:prstGeom prst="line">
-            <a:avLst/>
-          </a:prstGeom>
-        </p:spPr>
-        <p:style>
-          <a:lnRef idx="1">
-            <a:schemeClr val="accent1"/>
-          </a:lnRef>
-          <a:fillRef idx="0">
-            <a:schemeClr val="accent1"/>
-          </a:fillRef>
-          <a:effectRef idx="0">
-            <a:schemeClr val="accent1"/>
-          </a:effectRef>
-          <a:fontRef idx="minor">
-            <a:schemeClr val="tx1"/>
-          </a:fontRef>
-        </p:style>
-      </p:cxnSp>
-      <p:cxnSp>
-        <p:nvCxnSpPr>
-          <p:cNvPr id="28" name="Connecteur droit 27"/>
-          <p:cNvCxnSpPr>
-            <a:stCxn id="7" idx="6"/>
-            <a:endCxn id="11" idx="2"/>
-          </p:cNvCxnSpPr>
-          <p:nvPr/>
-        </p:nvCxnSpPr>
-        <p:spPr>
-          <a:xfrm>
-            <a:off x="2810385" y="4510660"/>
-            <a:ext cx="1525625" cy="520818"/>
-          </a:xfrm>
-          <a:prstGeom prst="line">
-            <a:avLst/>
-          </a:prstGeom>
-        </p:spPr>
-        <p:style>
-          <a:lnRef idx="1">
-            <a:schemeClr val="accent1"/>
-          </a:lnRef>
-          <a:fillRef idx="0">
-            <a:schemeClr val="accent1"/>
-          </a:fillRef>
-          <a:effectRef idx="0">
-            <a:schemeClr val="accent1"/>
-          </a:effectRef>
-          <a:fontRef idx="minor">
-            <a:schemeClr val="tx1"/>
-          </a:fontRef>
-        </p:style>
-      </p:cxnSp>
-      <p:cxnSp>
-        <p:nvCxnSpPr>
-          <p:cNvPr id="29" name="Connecteur droit 28"/>
-          <p:cNvCxnSpPr>
-            <a:stCxn id="8" idx="6"/>
-            <a:endCxn id="12" idx="2"/>
-          </p:cNvCxnSpPr>
-          <p:nvPr/>
-        </p:nvCxnSpPr>
-        <p:spPr>
-          <a:xfrm>
-            <a:off x="4732806" y="2483578"/>
-            <a:ext cx="1073161" cy="470126"/>
-          </a:xfrm>
-          <a:prstGeom prst="line">
-            <a:avLst/>
-          </a:prstGeom>
-          <a:ln>
-            <a:solidFill>
-              <a:schemeClr val="accent6">
-                <a:lumMod val="50000"/>
-              </a:schemeClr>
-            </a:solidFill>
-          </a:ln>
-        </p:spPr>
-        <p:style>
-          <a:lnRef idx="1">
-            <a:schemeClr val="accent1"/>
-          </a:lnRef>
-          <a:fillRef idx="0">
-            <a:schemeClr val="accent1"/>
-          </a:fillRef>
-          <a:effectRef idx="0">
-            <a:schemeClr val="accent1"/>
-          </a:effectRef>
-          <a:fontRef idx="minor">
-            <a:schemeClr val="tx1"/>
-          </a:fontRef>
-        </p:style>
-      </p:cxnSp>
-      <p:cxnSp>
-        <p:nvCxnSpPr>
-          <p:cNvPr id="30" name="Connecteur droit 29"/>
-          <p:cNvCxnSpPr>
-            <a:stCxn id="8" idx="6"/>
-            <a:endCxn id="13" idx="2"/>
-          </p:cNvCxnSpPr>
-          <p:nvPr/>
-        </p:nvCxnSpPr>
-        <p:spPr>
-          <a:xfrm>
-            <a:off x="4732806" y="2483578"/>
-            <a:ext cx="1073161" cy="1308253"/>
-          </a:xfrm>
-          <a:prstGeom prst="line">
-            <a:avLst/>
-          </a:prstGeom>
-          <a:ln>
-            <a:solidFill>
-              <a:schemeClr val="accent6">
-                <a:lumMod val="50000"/>
-              </a:schemeClr>
-            </a:solidFill>
-          </a:ln>
-        </p:spPr>
-        <p:style>
-          <a:lnRef idx="1">
-            <a:schemeClr val="accent1"/>
-          </a:lnRef>
-          <a:fillRef idx="0">
-            <a:schemeClr val="accent1"/>
-          </a:fillRef>
-          <a:effectRef idx="0">
-            <a:schemeClr val="accent1"/>
-          </a:effectRef>
-          <a:fontRef idx="minor">
-            <a:schemeClr val="tx1"/>
-          </a:fontRef>
-        </p:style>
-      </p:cxnSp>
-      <p:cxnSp>
-        <p:nvCxnSpPr>
-          <p:cNvPr id="31" name="Connecteur droit 30"/>
-          <p:cNvCxnSpPr>
-            <a:stCxn id="8" idx="6"/>
-            <a:endCxn id="14" idx="2"/>
-          </p:cNvCxnSpPr>
-          <p:nvPr/>
-        </p:nvCxnSpPr>
-        <p:spPr>
-          <a:xfrm>
-            <a:off x="4732806" y="2483578"/>
-            <a:ext cx="1073161" cy="2178370"/>
-          </a:xfrm>
-          <a:prstGeom prst="line">
-            <a:avLst/>
-          </a:prstGeom>
-          <a:ln>
-            <a:solidFill>
-              <a:schemeClr val="accent6">
-                <a:lumMod val="50000"/>
-              </a:schemeClr>
-            </a:solidFill>
-          </a:ln>
-        </p:spPr>
-        <p:style>
-          <a:lnRef idx="1">
-            <a:schemeClr val="accent1"/>
-          </a:lnRef>
-          <a:fillRef idx="0">
-            <a:schemeClr val="accent1"/>
-          </a:fillRef>
-          <a:effectRef idx="0">
-            <a:schemeClr val="accent1"/>
-          </a:effectRef>
-          <a:fontRef idx="minor">
-            <a:schemeClr val="tx1"/>
-          </a:fontRef>
-        </p:style>
-      </p:cxnSp>
-      <p:cxnSp>
-        <p:nvCxnSpPr>
-          <p:cNvPr id="32" name="Connecteur droit 31"/>
-          <p:cNvCxnSpPr>
-            <a:stCxn id="9" idx="6"/>
-            <a:endCxn id="12" idx="2"/>
-          </p:cNvCxnSpPr>
-          <p:nvPr/>
-        </p:nvCxnSpPr>
-        <p:spPr>
-          <a:xfrm flipV="1">
-            <a:off x="4732806" y="2953704"/>
-            <a:ext cx="1073161" cy="326799"/>
-          </a:xfrm>
-          <a:prstGeom prst="line">
-            <a:avLst/>
-          </a:prstGeom>
-          <a:ln>
-            <a:solidFill>
-              <a:schemeClr val="accent6">
-                <a:lumMod val="50000"/>
-              </a:schemeClr>
-            </a:solidFill>
-          </a:ln>
-        </p:spPr>
-        <p:style>
-          <a:lnRef idx="1">
-            <a:schemeClr val="accent1"/>
-          </a:lnRef>
-          <a:fillRef idx="0">
-            <a:schemeClr val="accent1"/>
-          </a:fillRef>
-          <a:effectRef idx="0">
-            <a:schemeClr val="accent1"/>
-          </a:effectRef>
-          <a:fontRef idx="minor">
-            <a:schemeClr val="tx1"/>
-          </a:fontRef>
-        </p:style>
-      </p:cxnSp>
-      <p:cxnSp>
-        <p:nvCxnSpPr>
-          <p:cNvPr id="33" name="Connecteur droit 32"/>
-          <p:cNvCxnSpPr>
-            <a:stCxn id="9" idx="6"/>
-            <a:endCxn id="13" idx="2"/>
-          </p:cNvCxnSpPr>
-          <p:nvPr/>
-        </p:nvCxnSpPr>
-        <p:spPr>
-          <a:xfrm>
-            <a:off x="4732806" y="3280503"/>
-            <a:ext cx="1073161" cy="511328"/>
-          </a:xfrm>
-          <a:prstGeom prst="line">
-            <a:avLst/>
-          </a:prstGeom>
-          <a:ln>
-            <a:solidFill>
-              <a:schemeClr val="accent6">
-                <a:lumMod val="50000"/>
-              </a:schemeClr>
-            </a:solidFill>
-          </a:ln>
-        </p:spPr>
-        <p:style>
-          <a:lnRef idx="1">
-            <a:schemeClr val="accent1"/>
-          </a:lnRef>
-          <a:fillRef idx="0">
-            <a:schemeClr val="accent1"/>
-          </a:fillRef>
-          <a:effectRef idx="0">
-            <a:schemeClr val="accent1"/>
-          </a:effectRef>
-          <a:fontRef idx="minor">
-            <a:schemeClr val="tx1"/>
-          </a:fontRef>
-        </p:style>
-      </p:cxnSp>
-      <p:cxnSp>
-        <p:nvCxnSpPr>
-          <p:cNvPr id="34" name="Connecteur droit 33"/>
-          <p:cNvCxnSpPr>
-            <a:stCxn id="10" idx="6"/>
-            <a:endCxn id="13" idx="2"/>
-          </p:cNvCxnSpPr>
-          <p:nvPr/>
-        </p:nvCxnSpPr>
-        <p:spPr>
-          <a:xfrm flipV="1">
-            <a:off x="4732806" y="3791831"/>
-            <a:ext cx="1073161" cy="325855"/>
-          </a:xfrm>
-          <a:prstGeom prst="line">
-            <a:avLst/>
-          </a:prstGeom>
-          <a:ln>
-            <a:solidFill>
-              <a:schemeClr val="accent6">
-                <a:lumMod val="50000"/>
-              </a:schemeClr>
-            </a:solidFill>
-          </a:ln>
-        </p:spPr>
-        <p:style>
-          <a:lnRef idx="1">
-            <a:schemeClr val="accent1"/>
-          </a:lnRef>
-          <a:fillRef idx="0">
-            <a:schemeClr val="accent1"/>
-          </a:fillRef>
-          <a:effectRef idx="0">
-            <a:schemeClr val="accent1"/>
-          </a:effectRef>
-          <a:fontRef idx="minor">
-            <a:schemeClr val="tx1"/>
-          </a:fontRef>
-        </p:style>
-      </p:cxnSp>
-      <p:cxnSp>
-        <p:nvCxnSpPr>
-          <p:cNvPr id="35" name="Connecteur droit 34"/>
-          <p:cNvCxnSpPr>
-            <a:stCxn id="10" idx="6"/>
-            <a:endCxn id="14" idx="2"/>
-          </p:cNvCxnSpPr>
-          <p:nvPr/>
-        </p:nvCxnSpPr>
-        <p:spPr>
-          <a:xfrm>
-            <a:off x="4732806" y="4117686"/>
-            <a:ext cx="1073161" cy="544262"/>
-          </a:xfrm>
-          <a:prstGeom prst="line">
-            <a:avLst/>
-          </a:prstGeom>
-          <a:ln>
-            <a:solidFill>
-              <a:schemeClr val="accent6">
-                <a:lumMod val="50000"/>
-              </a:schemeClr>
-            </a:solidFill>
-          </a:ln>
-        </p:spPr>
-        <p:style>
-          <a:lnRef idx="1">
-            <a:schemeClr val="accent1"/>
-          </a:lnRef>
-          <a:fillRef idx="0">
-            <a:schemeClr val="accent1"/>
-          </a:fillRef>
-          <a:effectRef idx="0">
-            <a:schemeClr val="accent1"/>
-          </a:effectRef>
-          <a:fontRef idx="minor">
-            <a:schemeClr val="tx1"/>
-          </a:fontRef>
-        </p:style>
-      </p:cxnSp>
-      <p:cxnSp>
-        <p:nvCxnSpPr>
-          <p:cNvPr id="36" name="Connecteur droit 35"/>
-          <p:cNvCxnSpPr>
-            <a:stCxn id="9" idx="6"/>
-            <a:endCxn id="14" idx="2"/>
-          </p:cNvCxnSpPr>
-          <p:nvPr/>
-        </p:nvCxnSpPr>
-        <p:spPr>
-          <a:xfrm>
-            <a:off x="4732806" y="3280503"/>
-            <a:ext cx="1073161" cy="1381445"/>
-          </a:xfrm>
-          <a:prstGeom prst="line">
-            <a:avLst/>
-          </a:prstGeom>
-          <a:ln>
-            <a:solidFill>
-              <a:schemeClr val="accent6">
-                <a:lumMod val="50000"/>
-              </a:schemeClr>
-            </a:solidFill>
-          </a:ln>
-        </p:spPr>
-        <p:style>
-          <a:lnRef idx="1">
-            <a:schemeClr val="accent1"/>
-          </a:lnRef>
-          <a:fillRef idx="0">
-            <a:schemeClr val="accent1"/>
-          </a:fillRef>
-          <a:effectRef idx="0">
-            <a:schemeClr val="accent1"/>
-          </a:effectRef>
-          <a:fontRef idx="minor">
-            <a:schemeClr val="tx1"/>
-          </a:fontRef>
-        </p:style>
-      </p:cxnSp>
-      <p:cxnSp>
-        <p:nvCxnSpPr>
-          <p:cNvPr id="37" name="Connecteur droit 36"/>
-          <p:cNvCxnSpPr>
-            <a:stCxn id="10" idx="6"/>
-            <a:endCxn id="12" idx="2"/>
-          </p:cNvCxnSpPr>
-          <p:nvPr/>
-        </p:nvCxnSpPr>
-        <p:spPr>
-          <a:xfrm flipV="1">
-            <a:off x="4732806" y="2953704"/>
-            <a:ext cx="1073161" cy="1163982"/>
-          </a:xfrm>
-          <a:prstGeom prst="line">
-            <a:avLst/>
-          </a:prstGeom>
-          <a:ln>
-            <a:solidFill>
-              <a:schemeClr val="accent6">
-                <a:lumMod val="50000"/>
-              </a:schemeClr>
-            </a:solidFill>
-          </a:ln>
-        </p:spPr>
-        <p:style>
-          <a:lnRef idx="1">
-            <a:schemeClr val="accent1"/>
-          </a:lnRef>
-          <a:fillRef idx="0">
-            <a:schemeClr val="accent1"/>
-          </a:fillRef>
-          <a:effectRef idx="0">
-            <a:schemeClr val="accent1"/>
-          </a:effectRef>
-          <a:fontRef idx="minor">
-            <a:schemeClr val="tx1"/>
-          </a:fontRef>
-        </p:style>
-      </p:cxnSp>
-      <p:cxnSp>
-        <p:nvCxnSpPr>
-          <p:cNvPr id="38" name="Connecteur droit 37"/>
-          <p:cNvCxnSpPr>
-            <a:stCxn id="11" idx="6"/>
-            <a:endCxn id="13" idx="2"/>
-          </p:cNvCxnSpPr>
-          <p:nvPr/>
-        </p:nvCxnSpPr>
-        <p:spPr>
-          <a:xfrm flipV="1">
-            <a:off x="4703009" y="3791831"/>
-            <a:ext cx="1102958" cy="1239647"/>
-          </a:xfrm>
-          <a:prstGeom prst="line">
-            <a:avLst/>
-          </a:prstGeom>
-          <a:ln>
-            <a:solidFill>
-              <a:schemeClr val="accent6">
-                <a:lumMod val="50000"/>
-              </a:schemeClr>
-            </a:solidFill>
-          </a:ln>
-        </p:spPr>
-        <p:style>
-          <a:lnRef idx="1">
-            <a:schemeClr val="accent1"/>
-          </a:lnRef>
-          <a:fillRef idx="0">
-            <a:schemeClr val="accent1"/>
-          </a:fillRef>
-          <a:effectRef idx="0">
-            <a:schemeClr val="accent1"/>
-          </a:effectRef>
-          <a:fontRef idx="minor">
-            <a:schemeClr val="tx1"/>
-          </a:fontRef>
-        </p:style>
-      </p:cxnSp>
-      <p:cxnSp>
-        <p:nvCxnSpPr>
-          <p:cNvPr id="39" name="Connecteur droit 38"/>
-          <p:cNvCxnSpPr>
-            <a:stCxn id="11" idx="6"/>
-            <a:endCxn id="14" idx="2"/>
-          </p:cNvCxnSpPr>
-          <p:nvPr/>
-        </p:nvCxnSpPr>
-        <p:spPr>
-          <a:xfrm flipV="1">
-            <a:off x="4703009" y="4661948"/>
-            <a:ext cx="1102958" cy="369530"/>
-          </a:xfrm>
-          <a:prstGeom prst="line">
-            <a:avLst/>
-          </a:prstGeom>
-          <a:ln>
-            <a:solidFill>
-              <a:schemeClr val="accent6">
-                <a:lumMod val="50000"/>
-              </a:schemeClr>
-            </a:solidFill>
-          </a:ln>
-        </p:spPr>
-        <p:style>
-          <a:lnRef idx="1">
-            <a:schemeClr val="accent1"/>
-          </a:lnRef>
-          <a:fillRef idx="0">
-            <a:schemeClr val="accent1"/>
-          </a:fillRef>
-          <a:effectRef idx="0">
-            <a:schemeClr val="accent1"/>
-          </a:effectRef>
-          <a:fontRef idx="minor">
-            <a:schemeClr val="tx1"/>
-          </a:fontRef>
-        </p:style>
-      </p:cxnSp>
-      <p:cxnSp>
-        <p:nvCxnSpPr>
-          <p:cNvPr id="40" name="Connecteur droit 39"/>
-          <p:cNvCxnSpPr>
-            <a:stCxn id="11" idx="6"/>
-            <a:endCxn id="12" idx="2"/>
-          </p:cNvCxnSpPr>
-          <p:nvPr/>
-        </p:nvCxnSpPr>
-        <p:spPr>
-          <a:xfrm flipV="1">
-            <a:off x="4703009" y="2953704"/>
-            <a:ext cx="1102958" cy="2077774"/>
-          </a:xfrm>
-          <a:prstGeom prst="line">
-            <a:avLst/>
-          </a:prstGeom>
-          <a:ln>
-            <a:solidFill>
-              <a:schemeClr val="accent6">
-                <a:lumMod val="50000"/>
-              </a:schemeClr>
-            </a:solidFill>
-          </a:ln>
-        </p:spPr>
-        <p:style>
-          <a:lnRef idx="1">
-            <a:schemeClr val="accent1"/>
-          </a:lnRef>
-          <a:fillRef idx="0">
-            <a:schemeClr val="accent1"/>
-          </a:fillRef>
-          <a:effectRef idx="0">
-            <a:schemeClr val="accent1"/>
-          </a:effectRef>
-          <a:fontRef idx="minor">
-            <a:schemeClr val="tx1"/>
-          </a:fontRef>
-        </p:style>
-      </p:cxnSp>
-      <p:cxnSp>
-        <p:nvCxnSpPr>
-          <p:cNvPr id="41" name="Connecteur droit 40"/>
-          <p:cNvCxnSpPr>
-            <a:stCxn id="12" idx="6"/>
-            <a:endCxn id="15" idx="2"/>
-          </p:cNvCxnSpPr>
-          <p:nvPr/>
-        </p:nvCxnSpPr>
-        <p:spPr>
-          <a:xfrm>
-            <a:off x="6172966" y="2953704"/>
-            <a:ext cx="1380407" cy="386704"/>
-          </a:xfrm>
-          <a:prstGeom prst="line">
-            <a:avLst/>
-          </a:prstGeom>
-          <a:ln>
-            <a:solidFill>
-              <a:schemeClr val="accent3">
-                <a:lumMod val="50000"/>
-              </a:schemeClr>
-            </a:solidFill>
-          </a:ln>
-        </p:spPr>
-        <p:style>
-          <a:lnRef idx="1">
-            <a:schemeClr val="accent1"/>
-          </a:lnRef>
-          <a:fillRef idx="0">
-            <a:schemeClr val="accent1"/>
-          </a:fillRef>
-          <a:effectRef idx="0">
-            <a:schemeClr val="accent1"/>
-          </a:effectRef>
-          <a:fontRef idx="minor">
-            <a:schemeClr val="tx1"/>
-          </a:fontRef>
-        </p:style>
-      </p:cxnSp>
-      <p:cxnSp>
-        <p:nvCxnSpPr>
-          <p:cNvPr id="42" name="Connecteur droit 41"/>
-          <p:cNvCxnSpPr>
-            <a:stCxn id="12" idx="6"/>
-            <a:endCxn id="16" idx="2"/>
-          </p:cNvCxnSpPr>
-          <p:nvPr/>
-        </p:nvCxnSpPr>
-        <p:spPr>
-          <a:xfrm>
-            <a:off x="6172966" y="2953704"/>
-            <a:ext cx="1380407" cy="1256821"/>
-          </a:xfrm>
-          <a:prstGeom prst="line">
-            <a:avLst/>
-          </a:prstGeom>
-          <a:ln>
-            <a:solidFill>
-              <a:schemeClr val="accent3">
-                <a:lumMod val="50000"/>
-              </a:schemeClr>
-            </a:solidFill>
-          </a:ln>
-        </p:spPr>
-        <p:style>
-          <a:lnRef idx="1">
-            <a:schemeClr val="accent1"/>
-          </a:lnRef>
-          <a:fillRef idx="0">
-            <a:schemeClr val="accent1"/>
-          </a:fillRef>
-          <a:effectRef idx="0">
-            <a:schemeClr val="accent1"/>
-          </a:effectRef>
-          <a:fontRef idx="minor">
-            <a:schemeClr val="tx1"/>
-          </a:fontRef>
-        </p:style>
-      </p:cxnSp>
-      <p:cxnSp>
-        <p:nvCxnSpPr>
-          <p:cNvPr id="43" name="Connecteur droit 42"/>
-          <p:cNvCxnSpPr>
-            <a:stCxn id="13" idx="6"/>
-            <a:endCxn id="15" idx="2"/>
-          </p:cNvCxnSpPr>
-          <p:nvPr/>
-        </p:nvCxnSpPr>
-        <p:spPr>
-          <a:xfrm flipV="1">
-            <a:off x="6172966" y="3340408"/>
-            <a:ext cx="1380407" cy="451423"/>
-          </a:xfrm>
-          <a:prstGeom prst="line">
-            <a:avLst/>
-          </a:prstGeom>
-          <a:ln>
-            <a:solidFill>
-              <a:schemeClr val="accent3">
-                <a:lumMod val="50000"/>
-              </a:schemeClr>
-            </a:solidFill>
-          </a:ln>
-        </p:spPr>
-        <p:style>
-          <a:lnRef idx="1">
-            <a:schemeClr val="accent1"/>
-          </a:lnRef>
-          <a:fillRef idx="0">
-            <a:schemeClr val="accent1"/>
-          </a:fillRef>
-          <a:effectRef idx="0">
-            <a:schemeClr val="accent1"/>
-          </a:effectRef>
-          <a:fontRef idx="minor">
-            <a:schemeClr val="tx1"/>
-          </a:fontRef>
-        </p:style>
-      </p:cxnSp>
-      <p:cxnSp>
-        <p:nvCxnSpPr>
-          <p:cNvPr id="44" name="Connecteur droit 43"/>
-          <p:cNvCxnSpPr>
-            <a:stCxn id="13" idx="6"/>
-            <a:endCxn id="16" idx="2"/>
-          </p:cNvCxnSpPr>
-          <p:nvPr/>
-        </p:nvCxnSpPr>
-        <p:spPr>
-          <a:xfrm>
-            <a:off x="6172966" y="3791831"/>
-            <a:ext cx="1380407" cy="418694"/>
-          </a:xfrm>
-          <a:prstGeom prst="line">
-            <a:avLst/>
-          </a:prstGeom>
-          <a:ln>
-            <a:solidFill>
-              <a:schemeClr val="accent3">
-                <a:lumMod val="50000"/>
-              </a:schemeClr>
-            </a:solidFill>
-          </a:ln>
-        </p:spPr>
-        <p:style>
-          <a:lnRef idx="1">
-            <a:schemeClr val="accent1"/>
-          </a:lnRef>
-          <a:fillRef idx="0">
-            <a:schemeClr val="accent1"/>
-          </a:fillRef>
-          <a:effectRef idx="0">
-            <a:schemeClr val="accent1"/>
-          </a:effectRef>
-          <a:fontRef idx="minor">
-            <a:schemeClr val="tx1"/>
-          </a:fontRef>
-        </p:style>
-      </p:cxnSp>
-      <p:cxnSp>
-        <p:nvCxnSpPr>
-          <p:cNvPr id="45" name="Connecteur droit 44"/>
-          <p:cNvCxnSpPr>
-            <a:stCxn id="14" idx="6"/>
-            <a:endCxn id="15" idx="2"/>
-          </p:cNvCxnSpPr>
-          <p:nvPr/>
-        </p:nvCxnSpPr>
-        <p:spPr>
-          <a:xfrm flipV="1">
-            <a:off x="6172966" y="3340408"/>
-            <a:ext cx="1380407" cy="1321540"/>
-          </a:xfrm>
-          <a:prstGeom prst="line">
-            <a:avLst/>
-          </a:prstGeom>
-          <a:ln>
-            <a:solidFill>
-              <a:schemeClr val="accent3">
-                <a:lumMod val="50000"/>
-              </a:schemeClr>
-            </a:solidFill>
-          </a:ln>
-        </p:spPr>
-        <p:style>
-          <a:lnRef idx="1">
-            <a:schemeClr val="accent1"/>
-          </a:lnRef>
-          <a:fillRef idx="0">
-            <a:schemeClr val="accent1"/>
-          </a:fillRef>
-          <a:effectRef idx="0">
-            <a:schemeClr val="accent1"/>
-          </a:effectRef>
-          <a:fontRef idx="minor">
-            <a:schemeClr val="tx1"/>
-          </a:fontRef>
-        </p:style>
-      </p:cxnSp>
-      <p:cxnSp>
-        <p:nvCxnSpPr>
-          <p:cNvPr id="46" name="Connecteur droit 45"/>
-          <p:cNvCxnSpPr>
-            <a:stCxn id="14" idx="6"/>
-            <a:endCxn id="16" idx="2"/>
-          </p:cNvCxnSpPr>
-          <p:nvPr/>
-        </p:nvCxnSpPr>
-        <p:spPr>
-          <a:xfrm flipV="1">
-            <a:off x="6172966" y="4210525"/>
-            <a:ext cx="1380407" cy="451423"/>
-          </a:xfrm>
-          <a:prstGeom prst="line">
-            <a:avLst/>
-          </a:prstGeom>
-          <a:ln>
-            <a:solidFill>
-              <a:schemeClr val="accent3">
-                <a:lumMod val="50000"/>
-              </a:schemeClr>
-            </a:solidFill>
-          </a:ln>
-        </p:spPr>
-        <p:style>
-          <a:lnRef idx="1">
-            <a:schemeClr val="accent1"/>
-          </a:lnRef>
-          <a:fillRef idx="0">
-            <a:schemeClr val="accent1"/>
-          </a:fillRef>
-          <a:effectRef idx="0">
-            <a:schemeClr val="accent1"/>
-          </a:effectRef>
-          <a:fontRef idx="minor">
-            <a:schemeClr val="tx1"/>
-          </a:fontRef>
-        </p:style>
-      </p:cxnSp>
-      <p:sp>
-        <p:nvSpPr>
-          <p:cNvPr id="47" name="ZoneTexte 46"/>
+          <p:cNvPr id="56" name="ZoneTexte 55"/>
           <p:cNvSpPr txBox="1"/>
           <p:nvPr/>
         </p:nvSpPr>
         <p:spPr>
           <a:xfrm>
-            <a:off x="2352957" y="5712123"/>
-            <a:ext cx="897832" cy="369332"/>
+            <a:off x="1546061" y="1837566"/>
+            <a:ext cx="7596336" cy="727571"/>
           </a:xfrm>
           <a:prstGeom prst="rect">
             <a:avLst/>
@@ -11221,32 +11537,33 @@
           </a:bodyPr>
           <a:lstStyle/>
           <a:p>
-            <a:r>
-              <a:rPr lang="fr-FR" dirty="0" smtClean="0">
-                <a:solidFill>
-                  <a:srgbClr val="0070C0"/>
-                </a:solidFill>
-              </a:rPr>
-              <a:t>Entrée</a:t>
-            </a:r>
-            <a:endParaRPr lang="fr-FR" dirty="0">
-              <a:solidFill>
-                <a:srgbClr val="0070C0"/>
-              </a:solidFill>
-            </a:endParaRPr>
+            <a:pPr marL="800100" lvl="1" indent="-342900">
+              <a:lnSpc>
+                <a:spcPct val="200000"/>
+              </a:lnSpc>
+              <a:buClr>
+                <a:srgbClr val="005293"/>
+              </a:buClr>
+              <a:buFont typeface="Wingdings" panose="05000000000000000000" pitchFamily="2" charset="2"/>
+              <a:buChar char="§"/>
+            </a:pPr>
+            <a:r>
+              <a:rPr lang="fr-FR" sz="2400" dirty="0" smtClean="0"/>
+              <a:t>Méthode récente (1980 – 2000).</a:t>
+            </a:r>
           </a:p>
         </p:txBody>
       </p:sp>
       <p:sp>
         <p:nvSpPr>
-          <p:cNvPr id="48" name="ZoneTexte 47"/>
+          <p:cNvPr id="57" name="ZoneTexte 56"/>
           <p:cNvSpPr txBox="1"/>
           <p:nvPr/>
         </p:nvSpPr>
         <p:spPr>
           <a:xfrm>
-            <a:off x="4289705" y="5712123"/>
-            <a:ext cx="1795666" cy="369332"/>
+            <a:off x="1546061" y="2556098"/>
+            <a:ext cx="6984776" cy="2339102"/>
           </a:xfrm>
           <a:prstGeom prst="rect">
             <a:avLst/>
@@ -11259,239 +11576,80 @@
           </a:bodyPr>
           <a:lstStyle/>
           <a:p>
-            <a:r>
-              <a:rPr lang="fr-FR" dirty="0" smtClean="0">
-                <a:solidFill>
-                  <a:schemeClr val="accent6">
-                    <a:lumMod val="75000"/>
-                  </a:schemeClr>
-                </a:solidFill>
-              </a:rPr>
-              <a:t>Couches cachées</a:t>
-            </a:r>
-            <a:endParaRPr lang="fr-FR" dirty="0">
-              <a:solidFill>
-                <a:schemeClr val="accent6">
-                  <a:lumMod val="75000"/>
-                </a:schemeClr>
-              </a:solidFill>
-            </a:endParaRPr>
-          </a:p>
-        </p:txBody>
-      </p:sp>
-      <p:sp>
-        <p:nvSpPr>
-          <p:cNvPr id="49" name="ZoneTexte 48"/>
-          <p:cNvSpPr txBox="1"/>
-          <p:nvPr/>
-        </p:nvSpPr>
-        <p:spPr>
-          <a:xfrm>
-            <a:off x="7220986" y="5712123"/>
-            <a:ext cx="807397" cy="369332"/>
-          </a:xfrm>
-          <a:prstGeom prst="rect">
-            <a:avLst/>
-          </a:prstGeom>
-          <a:noFill/>
-        </p:spPr>
-        <p:txBody>
-          <a:bodyPr wrap="square" rtlCol="0">
-            <a:spAutoFit/>
-          </a:bodyPr>
-          <a:lstStyle/>
-          <a:p>
-            <a:r>
-              <a:rPr lang="fr-FR" dirty="0" smtClean="0">
-                <a:solidFill>
-                  <a:schemeClr val="accent3">
-                    <a:lumMod val="75000"/>
-                  </a:schemeClr>
-                </a:solidFill>
-              </a:rPr>
-              <a:t>Sortie</a:t>
-            </a:r>
-          </a:p>
-        </p:txBody>
-      </p:sp>
-      <p:cxnSp>
-        <p:nvCxnSpPr>
-          <p:cNvPr id="50" name="Connecteur droit avec flèche 49"/>
-          <p:cNvCxnSpPr>
-            <a:stCxn id="47" idx="3"/>
-            <a:endCxn id="48" idx="1"/>
-          </p:cNvCxnSpPr>
-          <p:nvPr/>
-        </p:nvCxnSpPr>
-        <p:spPr>
-          <a:xfrm>
-            <a:off x="3250789" y="5896789"/>
-            <a:ext cx="1038916" cy="0"/>
-          </a:xfrm>
-          <a:prstGeom prst="straightConnector1">
-            <a:avLst/>
-          </a:prstGeom>
-          <a:ln>
-            <a:solidFill>
-              <a:schemeClr val="tx1">
-                <a:lumMod val="95000"/>
-                <a:lumOff val="5000"/>
-              </a:schemeClr>
-            </a:solidFill>
-            <a:tailEnd type="triangle" w="lg" len="lg"/>
-          </a:ln>
-        </p:spPr>
-        <p:style>
-          <a:lnRef idx="1">
-            <a:schemeClr val="accent1"/>
-          </a:lnRef>
-          <a:fillRef idx="0">
-            <a:schemeClr val="accent1"/>
-          </a:fillRef>
-          <a:effectRef idx="0">
-            <a:schemeClr val="accent1"/>
-          </a:effectRef>
-          <a:fontRef idx="minor">
-            <a:schemeClr val="tx1"/>
-          </a:fontRef>
-        </p:style>
-      </p:cxnSp>
-      <p:cxnSp>
-        <p:nvCxnSpPr>
-          <p:cNvPr id="51" name="Connecteur droit avec flèche 50"/>
-          <p:cNvCxnSpPr>
-            <a:stCxn id="48" idx="3"/>
-            <a:endCxn id="49" idx="1"/>
-          </p:cNvCxnSpPr>
-          <p:nvPr/>
-        </p:nvCxnSpPr>
-        <p:spPr>
-          <a:xfrm>
-            <a:off x="6085371" y="5896789"/>
-            <a:ext cx="1135615" cy="0"/>
-          </a:xfrm>
-          <a:prstGeom prst="straightConnector1">
-            <a:avLst/>
-          </a:prstGeom>
-          <a:ln>
-            <a:solidFill>
-              <a:schemeClr val="tx1">
-                <a:lumMod val="95000"/>
-                <a:lumOff val="5000"/>
-              </a:schemeClr>
-            </a:solidFill>
-            <a:tailEnd type="triangle" w="lg" len="lg"/>
-          </a:ln>
-        </p:spPr>
-        <p:style>
-          <a:lnRef idx="1">
-            <a:schemeClr val="accent1"/>
-          </a:lnRef>
-          <a:fillRef idx="0">
-            <a:schemeClr val="accent1"/>
-          </a:fillRef>
-          <a:effectRef idx="0">
-            <a:schemeClr val="accent1"/>
-          </a:effectRef>
-          <a:fontRef idx="minor">
-            <a:schemeClr val="tx1"/>
-          </a:fontRef>
-        </p:style>
-      </p:cxnSp>
-      <p:sp>
-        <p:nvSpPr>
-          <p:cNvPr id="52" name="ZoneTexte 51"/>
-          <p:cNvSpPr txBox="1"/>
-          <p:nvPr/>
-        </p:nvSpPr>
-        <p:spPr>
-          <a:xfrm>
-            <a:off x="1547664" y="1268760"/>
-            <a:ext cx="7594733" cy="415498"/>
-          </a:xfrm>
-          <a:prstGeom prst="rect">
-            <a:avLst/>
-          </a:prstGeom>
-          <a:noFill/>
-        </p:spPr>
-        <p:txBody>
-          <a:bodyPr wrap="square" rtlCol="0">
-            <a:spAutoFit/>
-          </a:bodyPr>
-          <a:lstStyle/>
-          <a:p>
-            <a:pPr algn="ctr"/>
-            <a:r>
-              <a:rPr lang="fr-FR" sz="2100" b="1" dirty="0" err="1">
-                <a:solidFill>
-                  <a:srgbClr val="005293"/>
-                </a:solidFill>
-              </a:rPr>
-              <a:t>Deep</a:t>
-            </a:r>
-            <a:r>
-              <a:rPr lang="fr-FR" sz="2100" b="1" dirty="0">
-                <a:solidFill>
-                  <a:srgbClr val="005293"/>
-                </a:solidFill>
-              </a:rPr>
-              <a:t> Learning</a:t>
-            </a:r>
-            <a:r>
-              <a:rPr lang="fr-FR" sz="2100" b="1" i="1" dirty="0">
-                <a:solidFill>
-                  <a:srgbClr val="005293"/>
-                </a:solidFill>
-              </a:rPr>
-              <a:t> </a:t>
-            </a:r>
-            <a:r>
-              <a:rPr lang="fr-FR" sz="2100" dirty="0">
-                <a:solidFill>
-                  <a:schemeClr val="bg1">
-                    <a:lumMod val="65000"/>
-                  </a:schemeClr>
-                </a:solidFill>
-              </a:rPr>
-              <a:t>et traitement de langues naturelles et </a:t>
-            </a:r>
-            <a:r>
-              <a:rPr lang="fr-FR" sz="2100" dirty="0" err="1" smtClean="0">
-                <a:solidFill>
-                  <a:schemeClr val="bg1">
-                    <a:lumMod val="65000"/>
-                  </a:schemeClr>
-                </a:solidFill>
-              </a:rPr>
-              <a:t>Text</a:t>
-            </a:r>
-            <a:r>
-              <a:rPr lang="fr-FR" sz="2100" dirty="0" smtClean="0">
-                <a:solidFill>
-                  <a:schemeClr val="bg1">
-                    <a:lumMod val="65000"/>
-                  </a:schemeClr>
-                </a:solidFill>
-              </a:rPr>
-              <a:t> </a:t>
-            </a:r>
-            <a:r>
-              <a:rPr lang="fr-FR" sz="2100" dirty="0" smtClean="0">
-                <a:solidFill>
-                  <a:schemeClr val="bg1">
-                    <a:lumMod val="65000"/>
-                  </a:schemeClr>
-                </a:solidFill>
-              </a:rPr>
-              <a:t>Mining.</a:t>
-            </a:r>
-            <a:endParaRPr lang="fr-FR" sz="2100" dirty="0">
-              <a:solidFill>
-                <a:schemeClr val="bg1">
-                  <a:lumMod val="65000"/>
-                </a:schemeClr>
-              </a:solidFill>
-            </a:endParaRPr>
+            <a:pPr marL="800100" lvl="1" indent="-342900">
+              <a:lnSpc>
+                <a:spcPct val="200000"/>
+              </a:lnSpc>
+              <a:buClr>
+                <a:srgbClr val="005293"/>
+              </a:buClr>
+              <a:buFont typeface="Wingdings" panose="05000000000000000000" pitchFamily="2" charset="2"/>
+              <a:buChar char="§"/>
+            </a:pPr>
+            <a:r>
+              <a:rPr lang="fr-FR" sz="2400" dirty="0"/>
+              <a:t>Application pour : </a:t>
+            </a:r>
+          </a:p>
+          <a:p>
+            <a:pPr marL="1257300" lvl="2" indent="-342900">
+              <a:buClr>
+                <a:srgbClr val="005293"/>
+              </a:buClr>
+              <a:buFont typeface="Wingdings" panose="05000000000000000000" pitchFamily="2" charset="2"/>
+              <a:buChar char="§"/>
+            </a:pPr>
+            <a:r>
+              <a:rPr lang="fr-FR" sz="2000" dirty="0"/>
+              <a:t>Reconnaissance faciale/vocale</a:t>
+            </a:r>
+          </a:p>
+          <a:p>
+            <a:pPr marL="1257300" lvl="2" indent="-342900">
+              <a:buClr>
+                <a:srgbClr val="005293"/>
+              </a:buClr>
+              <a:buFont typeface="Wingdings" panose="05000000000000000000" pitchFamily="2" charset="2"/>
+              <a:buChar char="§"/>
+            </a:pPr>
+            <a:r>
+              <a:rPr lang="fr-FR" sz="2000" dirty="0"/>
+              <a:t>Vision par </a:t>
+            </a:r>
+            <a:r>
+              <a:rPr lang="fr-FR" sz="2000" dirty="0" smtClean="0"/>
+              <a:t>ordinateur</a:t>
+            </a:r>
+          </a:p>
+          <a:p>
+            <a:pPr marL="1257300" lvl="2" indent="-342900">
+              <a:buClr>
+                <a:srgbClr val="005293"/>
+              </a:buClr>
+              <a:buFont typeface="Wingdings" panose="05000000000000000000" pitchFamily="2" charset="2"/>
+              <a:buChar char="§"/>
+            </a:pPr>
+            <a:r>
+              <a:rPr lang="fr-FR" sz="2000" dirty="0" smtClean="0"/>
+              <a:t>Intelligence artificielle</a:t>
+            </a:r>
+            <a:endParaRPr lang="fr-FR" sz="2000" dirty="0"/>
+          </a:p>
+          <a:p>
+            <a:pPr marL="1257300" lvl="2" indent="-342900">
+              <a:buClr>
+                <a:srgbClr val="005293"/>
+              </a:buClr>
+              <a:buFont typeface="Wingdings" panose="05000000000000000000" pitchFamily="2" charset="2"/>
+              <a:buChar char="§"/>
+            </a:pPr>
+            <a:r>
+              <a:rPr lang="fr-FR" sz="2000" dirty="0"/>
+              <a:t>Traitement automatisé du langage</a:t>
+            </a:r>
+          </a:p>
+          <a:p>
+            <a:endParaRPr lang="fr-FR" dirty="0"/>
           </a:p>
         </p:txBody>
       </p:sp>
@@ -11534,6 +11692,57 @@
       </p:grpSpPr>
       <p:sp>
         <p:nvSpPr>
+          <p:cNvPr id="19" name="Rectangle à coins arrondis 18"/>
+          <p:cNvSpPr/>
+          <p:nvPr/>
+        </p:nvSpPr>
+        <p:spPr>
+          <a:xfrm>
+            <a:off x="2423559" y="3524890"/>
+            <a:ext cx="6003653" cy="2592288"/>
+          </a:xfrm>
+          <a:prstGeom prst="roundRect">
+            <a:avLst>
+              <a:gd name="adj" fmla="val 8313"/>
+            </a:avLst>
+          </a:prstGeom>
+          <a:solidFill>
+            <a:schemeClr val="accent1">
+              <a:lumMod val="20000"/>
+              <a:lumOff val="80000"/>
+            </a:schemeClr>
+          </a:solidFill>
+          <a:ln>
+            <a:prstDash val="sysDash"/>
+          </a:ln>
+        </p:spPr>
+        <p:style>
+          <a:lnRef idx="2">
+            <a:schemeClr val="accent1">
+              <a:shade val="50000"/>
+            </a:schemeClr>
+          </a:lnRef>
+          <a:fillRef idx="1">
+            <a:schemeClr val="accent1"/>
+          </a:fillRef>
+          <a:effectRef idx="0">
+            <a:schemeClr val="accent1"/>
+          </a:effectRef>
+          <a:fontRef idx="minor">
+            <a:schemeClr val="lt1"/>
+          </a:fontRef>
+        </p:style>
+        <p:txBody>
+          <a:bodyPr rtlCol="0" anchor="ctr"/>
+          <a:lstStyle/>
+          <a:p>
+            <a:pPr algn="ctr"/>
+            <a:endParaRPr lang="fr-FR"/>
+          </a:p>
+        </p:txBody>
+      </p:sp>
+      <p:sp>
+        <p:nvSpPr>
           <p:cNvPr id="2" name="Titre 1"/>
           <p:cNvSpPr>
             <a:spLocks noGrp="1"/>
@@ -11638,17 +11847,7 @@
                   </a:schemeClr>
                 </a:solidFill>
               </a:rPr>
-              <a:t> </a:t>
-            </a:r>
-            <a:r>
-              <a:rPr lang="fr-FR" sz="2100" dirty="0" smtClean="0">
-                <a:solidFill>
-                  <a:schemeClr val="bg1">
-                    <a:lumMod val="65000"/>
-                  </a:schemeClr>
-                </a:solidFill>
-              </a:rPr>
-              <a:t>Mining.</a:t>
+              <a:t> Mining.</a:t>
             </a:r>
             <a:endParaRPr lang="fr-FR" sz="2100" dirty="0">
               <a:solidFill>
@@ -11692,24 +11891,25 @@
       </p:cxnSp>
       <p:sp>
         <p:nvSpPr>
-          <p:cNvPr id="5" name="Ellipse 4"/>
+          <p:cNvPr id="7" name="Ellipse 6"/>
           <p:cNvSpPr/>
           <p:nvPr/>
         </p:nvSpPr>
         <p:spPr>
           <a:xfrm>
-            <a:off x="3707904" y="4747456"/>
-            <a:ext cx="3384376" cy="1194927"/>
+            <a:off x="2643521" y="3740914"/>
+            <a:ext cx="3024336" cy="1194927"/>
           </a:xfrm>
           <a:prstGeom prst="ellipse">
             <a:avLst/>
           </a:prstGeom>
           <a:solidFill>
             <a:schemeClr val="accent6">
-              <a:lumMod val="75000"/>
+              <a:lumMod val="60000"/>
+              <a:lumOff val="40000"/>
             </a:schemeClr>
           </a:solidFill>
-          <a:ln>
+          <a:ln w="12700">
             <a:solidFill>
               <a:schemeClr val="accent6">
                 <a:lumMod val="50000"/>
@@ -11833,33 +12033,46 @@
           <a:p>
             <a:pPr algn="ctr"/>
             <a:r>
-              <a:rPr lang="fr-FR" sz="2500" b="1" dirty="0" smtClean="0"/>
-              <a:t>INFORMATIQUE</a:t>
-            </a:r>
-            <a:endParaRPr lang="fr-FR" sz="2500" b="1" dirty="0"/>
+              <a:rPr lang="fr-FR" sz="2500" b="1" dirty="0" smtClean="0">
+                <a:solidFill>
+                  <a:schemeClr val="accent6">
+                    <a:lumMod val="50000"/>
+                  </a:schemeClr>
+                </a:solidFill>
+              </a:rPr>
+              <a:t>Linguistique</a:t>
+            </a:r>
+            <a:endParaRPr lang="fr-FR" sz="2500" b="1" dirty="0">
+              <a:solidFill>
+                <a:schemeClr val="accent6">
+                  <a:lumMod val="50000"/>
+                </a:schemeClr>
+              </a:solidFill>
+            </a:endParaRPr>
           </a:p>
         </p:txBody>
       </p:sp>
       <p:sp>
         <p:nvSpPr>
-          <p:cNvPr id="6" name="Ellipse 5"/>
+          <p:cNvPr id="5" name="Ellipse 4"/>
           <p:cNvSpPr/>
           <p:nvPr/>
         </p:nvSpPr>
         <p:spPr>
           <a:xfrm>
-            <a:off x="5004048" y="3955368"/>
-            <a:ext cx="3024336" cy="1194927"/>
+            <a:off x="3612689" y="4626409"/>
+            <a:ext cx="3384376" cy="1194927"/>
           </a:xfrm>
           <a:prstGeom prst="ellipse">
             <a:avLst/>
           </a:prstGeom>
           <a:solidFill>
             <a:schemeClr val="accent6">
-              <a:lumMod val="75000"/>
+              <a:lumMod val="60000"/>
+              <a:lumOff val="40000"/>
             </a:schemeClr>
           </a:solidFill>
-          <a:ln>
+          <a:ln w="12700">
             <a:solidFill>
               <a:schemeClr val="accent6">
                 <a:lumMod val="50000"/>
@@ -11983,22 +12196,34 @@
           <a:p>
             <a:pPr algn="ctr"/>
             <a:r>
-              <a:rPr lang="fr-FR" sz="2500" b="1" dirty="0" smtClean="0"/>
-              <a:t>INTELLIGENCE ARTIFICIELLE</a:t>
-            </a:r>
-            <a:endParaRPr lang="fr-FR" sz="2500" b="1" dirty="0"/>
+              <a:rPr lang="fr-FR" sz="2500" b="1" dirty="0" smtClean="0">
+                <a:solidFill>
+                  <a:schemeClr val="accent6">
+                    <a:lumMod val="50000"/>
+                  </a:schemeClr>
+                </a:solidFill>
+              </a:rPr>
+              <a:t>Informatique</a:t>
+            </a:r>
+            <a:endParaRPr lang="fr-FR" sz="2500" b="1" dirty="0">
+              <a:solidFill>
+                <a:schemeClr val="accent6">
+                  <a:lumMod val="50000"/>
+                </a:schemeClr>
+              </a:solidFill>
+            </a:endParaRPr>
           </a:p>
         </p:txBody>
       </p:sp>
       <p:sp>
         <p:nvSpPr>
-          <p:cNvPr id="7" name="Ellipse 6"/>
+          <p:cNvPr id="6" name="Ellipse 5"/>
           <p:cNvSpPr/>
           <p:nvPr/>
         </p:nvSpPr>
         <p:spPr>
           <a:xfrm>
-            <a:off x="2483768" y="3912569"/>
+            <a:off x="5124857" y="3827482"/>
             <a:ext cx="3024336" cy="1194927"/>
           </a:xfrm>
           <a:prstGeom prst="ellipse">
@@ -12006,10 +12231,11 @@
           </a:prstGeom>
           <a:solidFill>
             <a:schemeClr val="accent6">
-              <a:lumMod val="75000"/>
+              <a:lumMod val="60000"/>
+              <a:lumOff val="40000"/>
             </a:schemeClr>
           </a:solidFill>
-          <a:ln>
+          <a:ln w="12700">
             <a:solidFill>
               <a:schemeClr val="accent6">
                 <a:lumMod val="50000"/>
@@ -12133,10 +12359,22 @@
           <a:p>
             <a:pPr algn="ctr"/>
             <a:r>
-              <a:rPr lang="fr-FR" sz="2500" b="1" dirty="0" smtClean="0"/>
-              <a:t>LINGUISTIQUE</a:t>
-            </a:r>
-            <a:endParaRPr lang="fr-FR" sz="2500" b="1" dirty="0"/>
+              <a:rPr lang="fr-FR" sz="2500" b="1" dirty="0" smtClean="0">
+                <a:solidFill>
+                  <a:schemeClr val="accent6">
+                    <a:lumMod val="50000"/>
+                  </a:schemeClr>
+                </a:solidFill>
+              </a:rPr>
+              <a:t>Intelligence Artificielle</a:t>
+            </a:r>
+            <a:endParaRPr lang="fr-FR" sz="2500" b="1" dirty="0">
+              <a:solidFill>
+                <a:schemeClr val="accent6">
+                  <a:lumMod val="50000"/>
+                </a:schemeClr>
+              </a:solidFill>
+            </a:endParaRPr>
           </a:p>
         </p:txBody>
       </p:sp>
@@ -12168,6 +12406,44 @@
               <a:t>Le traitement (automatique) des langues naturelles est l’exploitation du langage humain par les outils informatiques.</a:t>
             </a:r>
             <a:endParaRPr lang="fr-FR" sz="2400" dirty="0"/>
+          </a:p>
+        </p:txBody>
+      </p:sp>
+      <p:sp>
+        <p:nvSpPr>
+          <p:cNvPr id="20" name="ZoneTexte 19"/>
+          <p:cNvSpPr txBox="1"/>
+          <p:nvPr/>
+        </p:nvSpPr>
+        <p:spPr>
+          <a:xfrm>
+            <a:off x="7646802" y="5583147"/>
+            <a:ext cx="860766" cy="477054"/>
+          </a:xfrm>
+          <a:prstGeom prst="rect">
+            <a:avLst/>
+          </a:prstGeom>
+          <a:noFill/>
+        </p:spPr>
+        <p:txBody>
+          <a:bodyPr wrap="square" rtlCol="0">
+            <a:spAutoFit/>
+          </a:bodyPr>
+          <a:lstStyle/>
+          <a:p>
+            <a:r>
+              <a:rPr lang="fr-FR" sz="2500" b="1" dirty="0" smtClean="0">
+                <a:solidFill>
+                  <a:srgbClr val="005293"/>
+                </a:solidFill>
+              </a:rPr>
+              <a:t>NLP</a:t>
+            </a:r>
+            <a:endParaRPr lang="fr-FR" sz="2500" b="1" dirty="0">
+              <a:solidFill>
+                <a:srgbClr val="005293"/>
+              </a:solidFill>
+            </a:endParaRPr>
           </a:p>
         </p:txBody>
       </p:sp>
@@ -12288,15 +12564,7 @@
                   <a:srgbClr val="005293"/>
                 </a:solidFill>
               </a:rPr>
-              <a:t> </a:t>
-            </a:r>
-            <a:r>
-              <a:rPr lang="fr-FR" sz="2100" b="1" dirty="0" smtClean="0">
-                <a:solidFill>
-                  <a:srgbClr val="005293"/>
-                </a:solidFill>
-              </a:rPr>
-              <a:t>Mining.</a:t>
+              <a:t> Mining.</a:t>
             </a:r>
             <a:endParaRPr lang="fr-FR" sz="2100" b="1" dirty="0">
               <a:solidFill>
@@ -12693,7 +12961,7 @@
         </p:nvSpPr>
         <p:spPr>
           <a:xfrm>
-            <a:off x="1537085" y="2492896"/>
+            <a:off x="1619672" y="2420888"/>
             <a:ext cx="7344815" cy="2677656"/>
           </a:xfrm>
           <a:prstGeom prst="rect">
@@ -12739,7 +13007,7 @@
             </a:pPr>
             <a:r>
               <a:rPr lang="fr-FR" sz="2400" dirty="0" smtClean="0"/>
-              <a:t>Constitution d’une base de données adaptée au </a:t>
+              <a:t>Constituer une base de données de volume adapté au </a:t>
             </a:r>
             <a:r>
               <a:rPr lang="fr-FR" sz="2400" dirty="0" err="1" smtClean="0"/>
@@ -12770,7 +13038,23 @@
             </a:pPr>
             <a:r>
               <a:rPr lang="fr-FR" sz="2400" dirty="0" smtClean="0"/>
-              <a:t>Implémentation d’un réseau de neurone à un des cas dégagé par l’état de l’art.</a:t>
+              <a:t>Implémentation d’un réseau de </a:t>
+            </a:r>
+            <a:r>
+              <a:rPr lang="fr-FR" sz="2400" dirty="0" smtClean="0"/>
+              <a:t>neurones </a:t>
+            </a:r>
+            <a:r>
+              <a:rPr lang="fr-FR" sz="2400" dirty="0" smtClean="0"/>
+              <a:t>sur un </a:t>
+            </a:r>
+            <a:r>
+              <a:rPr lang="fr-FR" sz="2400" dirty="0" smtClean="0"/>
+              <a:t>cas dégagé </a:t>
+            </a:r>
+            <a:r>
+              <a:rPr lang="fr-FR" sz="2400" dirty="0" smtClean="0"/>
+              <a:t>par l’état de l’art.</a:t>
             </a:r>
             <a:endParaRPr lang="fr-FR" sz="2400" dirty="0"/>
           </a:p>
@@ -13159,7 +13443,7 @@
             </a:pPr>
             <a:r>
               <a:rPr lang="fr-FR" dirty="0" smtClean="0"/>
-              <a:t>Reconnaître l’auteur d’un texte  ou estimer le style de l’auteur.</a:t>
+              <a:t>Déterminer l’auteur d’un texte.</a:t>
             </a:r>
           </a:p>
           <a:p>
@@ -13172,7 +13456,7 @@
             </a:pPr>
             <a:r>
               <a:rPr lang="fr-FR" dirty="0" smtClean="0"/>
-              <a:t>Application pour l’analyse d’identité ou la détection de plagiat/similarité.</a:t>
+              <a:t>Utilisation pour la détection de plagiat/similarité.</a:t>
             </a:r>
             <a:endParaRPr lang="fr-FR" dirty="0"/>
           </a:p>
@@ -13222,7 +13506,7 @@
             </a:pPr>
             <a:r>
               <a:rPr lang="fr-FR" dirty="0" smtClean="0"/>
-              <a:t>Originalité avec l’utilisation d’un même réseau pour plusieurs langues.</a:t>
+              <a:t>Idée d’essai d’un même réseau pour plusieurs langues.</a:t>
             </a:r>
             <a:endParaRPr lang="fr-FR" dirty="0"/>
           </a:p>
@@ -13259,7 +13543,7 @@
             </a:pPr>
             <a:r>
               <a:rPr lang="fr-FR" dirty="0" smtClean="0"/>
-              <a:t>Extraire ou vérifier des relations logiques entre phrases.</a:t>
+              <a:t>Étude de relations logiques entre les phrases d’un corpus.</a:t>
             </a:r>
           </a:p>
           <a:p>
@@ -13413,7 +13697,7 @@
         </p:nvSpPr>
         <p:spPr>
           <a:xfrm>
-            <a:off x="1547664" y="1340768"/>
+            <a:off x="1556434" y="1282394"/>
             <a:ext cx="7596336" cy="400110"/>
           </a:xfrm>
           <a:prstGeom prst="rect">
@@ -13451,7 +13735,7 @@
         </p:nvCxnSpPr>
         <p:spPr>
           <a:xfrm>
-            <a:off x="1619672" y="1740878"/>
+            <a:off x="1628442" y="1682504"/>
             <a:ext cx="3798168" cy="0"/>
           </a:xfrm>
           <a:prstGeom prst="line">
@@ -13478,47 +13762,6 @@
           </a:fontRef>
         </p:style>
       </p:cxnSp>
-      <p:pic>
-        <p:nvPicPr>
-          <p:cNvPr id="3074" name="Picture 2" descr="C:\Users\Tchoum &amp; Tchoumfette\Desktop\Notes diverses\Projet_option_info\Deuxième reporting\images\presentation\sampletree.PNG"/>
-          <p:cNvPicPr>
-            <a:picLocks noChangeAspect="1" noChangeArrowheads="1"/>
-          </p:cNvPicPr>
-          <p:nvPr/>
-        </p:nvPicPr>
-        <p:blipFill>
-          <a:blip r:embed="rId2">
-            <a:extLst>
-              <a:ext uri="{28A0092B-C50C-407E-A947-70E740481C1C}">
-                <a14:useLocalDpi xmlns:a14="http://schemas.microsoft.com/office/drawing/2010/main" val="0"/>
-              </a:ext>
-            </a:extLst>
-          </a:blip>
-          <a:srcRect/>
-          <a:stretch>
-            <a:fillRect/>
-          </a:stretch>
-        </p:blipFill>
-        <p:spPr bwMode="auto">
-          <a:xfrm>
-            <a:off x="2613834" y="2924944"/>
-            <a:ext cx="5400000" cy="2513425"/>
-          </a:xfrm>
-          <a:prstGeom prst="rect">
-            <a:avLst/>
-          </a:prstGeom>
-          <a:noFill/>
-          <a:extLst>
-            <a:ext uri="{909E8E84-426E-40DD-AFC4-6F175D3DCCD1}">
-              <a14:hiddenFill xmlns:a14="http://schemas.microsoft.com/office/drawing/2010/main">
-                <a:solidFill>
-                  <a:srgbClr val="FFFFFF"/>
-                </a:solidFill>
-              </a14:hiddenFill>
-            </a:ext>
-          </a:extLst>
-        </p:spPr>
-      </p:pic>
       <p:sp>
         <p:nvSpPr>
           <p:cNvPr id="8" name="ZoneTexte 7"/>
@@ -13527,7 +13770,7 @@
         </p:nvSpPr>
         <p:spPr>
           <a:xfrm>
-            <a:off x="1907704" y="1740878"/>
+            <a:off x="1916474" y="1682504"/>
             <a:ext cx="7243192" cy="923330"/>
           </a:xfrm>
           <a:prstGeom prst="rect">
@@ -13563,7 +13806,7 @@
             </a:pPr>
             <a:r>
               <a:rPr lang="fr-FR" dirty="0" smtClean="0"/>
-              <a:t>Différentes structures de données et approches possibles</a:t>
+              <a:t>Différentes structures de données et approches possibles.</a:t>
             </a:r>
           </a:p>
           <a:p>
@@ -13590,7 +13833,7 @@
         </p:nvSpPr>
         <p:spPr>
           <a:xfrm>
-            <a:off x="1547664" y="5805264"/>
+            <a:off x="1547664" y="5934232"/>
             <a:ext cx="7596336" cy="461665"/>
           </a:xfrm>
           <a:prstGeom prst="rect">
@@ -13621,6 +13864,1400 @@
           </a:p>
         </p:txBody>
       </p:sp>
+      <p:grpSp>
+        <p:nvGrpSpPr>
+          <p:cNvPr id="3100" name="Groupe 3099"/>
+          <p:cNvGrpSpPr/>
+          <p:nvPr/>
+        </p:nvGrpSpPr>
+        <p:grpSpPr>
+          <a:xfrm>
+            <a:off x="2088227" y="2658630"/>
+            <a:ext cx="6707337" cy="3360792"/>
+            <a:chOff x="2043546" y="2672916"/>
+            <a:chExt cx="6707337" cy="3360792"/>
+          </a:xfrm>
+        </p:grpSpPr>
+        <p:sp>
+          <p:nvSpPr>
+            <p:cNvPr id="3" name="Ellipse 2"/>
+            <p:cNvSpPr/>
+            <p:nvPr/>
+          </p:nvSpPr>
+          <p:spPr>
+            <a:xfrm>
+              <a:off x="4323166" y="2672916"/>
+              <a:ext cx="216024" cy="216024"/>
+            </a:xfrm>
+            <a:prstGeom prst="ellipse">
+              <a:avLst/>
+            </a:prstGeom>
+            <a:solidFill>
+              <a:schemeClr val="accent6">
+                <a:lumMod val="75000"/>
+              </a:schemeClr>
+            </a:solidFill>
+            <a:ln w="12700">
+              <a:solidFill>
+                <a:schemeClr val="accent6">
+                  <a:lumMod val="50000"/>
+                </a:schemeClr>
+              </a:solidFill>
+            </a:ln>
+          </p:spPr>
+          <p:style>
+            <a:lnRef idx="2">
+              <a:schemeClr val="accent1">
+                <a:shade val="50000"/>
+              </a:schemeClr>
+            </a:lnRef>
+            <a:fillRef idx="1">
+              <a:schemeClr val="accent1"/>
+            </a:fillRef>
+            <a:effectRef idx="0">
+              <a:schemeClr val="accent1"/>
+            </a:effectRef>
+            <a:fontRef idx="minor">
+              <a:schemeClr val="lt1"/>
+            </a:fontRef>
+          </p:style>
+          <p:txBody>
+            <a:bodyPr rtlCol="0" anchor="ctr"/>
+            <a:lstStyle/>
+            <a:p>
+              <a:pPr algn="ctr"/>
+              <a:endParaRPr lang="fr-FR"/>
+            </a:p>
+          </p:txBody>
+        </p:sp>
+        <p:sp>
+          <p:nvSpPr>
+            <p:cNvPr id="9" name="Ellipse 8"/>
+            <p:cNvSpPr/>
+            <p:nvPr/>
+          </p:nvSpPr>
+          <p:spPr>
+            <a:xfrm>
+              <a:off x="2306942" y="3163287"/>
+              <a:ext cx="216024" cy="216024"/>
+            </a:xfrm>
+            <a:prstGeom prst="ellipse">
+              <a:avLst/>
+            </a:prstGeom>
+            <a:noFill/>
+            <a:ln w="12700">
+              <a:solidFill>
+                <a:schemeClr val="bg1">
+                  <a:lumMod val="50000"/>
+                </a:schemeClr>
+              </a:solidFill>
+            </a:ln>
+          </p:spPr>
+          <p:style>
+            <a:lnRef idx="2">
+              <a:schemeClr val="accent1">
+                <a:shade val="50000"/>
+              </a:schemeClr>
+            </a:lnRef>
+            <a:fillRef idx="1">
+              <a:schemeClr val="accent1"/>
+            </a:fillRef>
+            <a:effectRef idx="0">
+              <a:schemeClr val="accent1"/>
+            </a:effectRef>
+            <a:fontRef idx="minor">
+              <a:schemeClr val="lt1"/>
+            </a:fontRef>
+          </p:style>
+          <p:txBody>
+            <a:bodyPr rtlCol="0" anchor="ctr"/>
+            <a:lstStyle/>
+            <a:p>
+              <a:pPr algn="ctr"/>
+              <a:endParaRPr lang="fr-FR"/>
+            </a:p>
+          </p:txBody>
+        </p:sp>
+        <p:sp>
+          <p:nvSpPr>
+            <p:cNvPr id="10" name="Ellipse 9"/>
+            <p:cNvSpPr/>
+            <p:nvPr/>
+          </p:nvSpPr>
+          <p:spPr>
+            <a:xfrm>
+              <a:off x="6452614" y="3163287"/>
+              <a:ext cx="216024" cy="216024"/>
+            </a:xfrm>
+            <a:prstGeom prst="ellipse">
+              <a:avLst/>
+            </a:prstGeom>
+            <a:solidFill>
+              <a:schemeClr val="accent6">
+                <a:lumMod val="60000"/>
+                <a:lumOff val="40000"/>
+              </a:schemeClr>
+            </a:solidFill>
+            <a:ln w="12700">
+              <a:solidFill>
+                <a:schemeClr val="accent6">
+                  <a:lumMod val="50000"/>
+                </a:schemeClr>
+              </a:solidFill>
+            </a:ln>
+          </p:spPr>
+          <p:style>
+            <a:lnRef idx="2">
+              <a:schemeClr val="accent1">
+                <a:shade val="50000"/>
+              </a:schemeClr>
+            </a:lnRef>
+            <a:fillRef idx="1">
+              <a:schemeClr val="accent1"/>
+            </a:fillRef>
+            <a:effectRef idx="0">
+              <a:schemeClr val="accent1"/>
+            </a:effectRef>
+            <a:fontRef idx="minor">
+              <a:schemeClr val="lt1"/>
+            </a:fontRef>
+          </p:style>
+          <p:txBody>
+            <a:bodyPr rtlCol="0" anchor="ctr"/>
+            <a:lstStyle/>
+            <a:p>
+              <a:pPr algn="ctr"/>
+              <a:endParaRPr lang="fr-FR"/>
+            </a:p>
+          </p:txBody>
+        </p:sp>
+        <p:sp>
+          <p:nvSpPr>
+            <p:cNvPr id="11" name="Ellipse 10"/>
+            <p:cNvSpPr/>
+            <p:nvPr/>
+          </p:nvSpPr>
+          <p:spPr>
+            <a:xfrm>
+              <a:off x="5167712" y="3748552"/>
+              <a:ext cx="216024" cy="216024"/>
+            </a:xfrm>
+            <a:prstGeom prst="ellipse">
+              <a:avLst/>
+            </a:prstGeom>
+            <a:solidFill>
+              <a:schemeClr val="accent6">
+                <a:lumMod val="75000"/>
+              </a:schemeClr>
+            </a:solidFill>
+            <a:ln w="12700">
+              <a:solidFill>
+                <a:schemeClr val="accent6">
+                  <a:lumMod val="50000"/>
+                </a:schemeClr>
+              </a:solidFill>
+            </a:ln>
+          </p:spPr>
+          <p:style>
+            <a:lnRef idx="2">
+              <a:schemeClr val="accent1">
+                <a:shade val="50000"/>
+              </a:schemeClr>
+            </a:lnRef>
+            <a:fillRef idx="1">
+              <a:schemeClr val="accent1"/>
+            </a:fillRef>
+            <a:effectRef idx="0">
+              <a:schemeClr val="accent1"/>
+            </a:effectRef>
+            <a:fontRef idx="minor">
+              <a:schemeClr val="lt1"/>
+            </a:fontRef>
+          </p:style>
+          <p:txBody>
+            <a:bodyPr rtlCol="0" anchor="ctr"/>
+            <a:lstStyle/>
+            <a:p>
+              <a:pPr algn="ctr"/>
+              <a:endParaRPr lang="fr-FR"/>
+            </a:p>
+          </p:txBody>
+        </p:sp>
+        <p:sp>
+          <p:nvSpPr>
+            <p:cNvPr id="12" name="Ellipse 11"/>
+            <p:cNvSpPr/>
+            <p:nvPr/>
+          </p:nvSpPr>
+          <p:spPr>
+            <a:xfrm>
+              <a:off x="7752332" y="3856564"/>
+              <a:ext cx="216024" cy="216024"/>
+            </a:xfrm>
+            <a:prstGeom prst="ellipse">
+              <a:avLst/>
+            </a:prstGeom>
+            <a:noFill/>
+            <a:ln w="12700">
+              <a:solidFill>
+                <a:schemeClr val="bg1">
+                  <a:lumMod val="50000"/>
+                </a:schemeClr>
+              </a:solidFill>
+            </a:ln>
+          </p:spPr>
+          <p:style>
+            <a:lnRef idx="2">
+              <a:schemeClr val="accent1">
+                <a:shade val="50000"/>
+              </a:schemeClr>
+            </a:lnRef>
+            <a:fillRef idx="1">
+              <a:schemeClr val="accent1"/>
+            </a:fillRef>
+            <a:effectRef idx="0">
+              <a:schemeClr val="accent1"/>
+            </a:effectRef>
+            <a:fontRef idx="minor">
+              <a:schemeClr val="lt1"/>
+            </a:fontRef>
+          </p:style>
+          <p:txBody>
+            <a:bodyPr rtlCol="0" anchor="ctr"/>
+            <a:lstStyle/>
+            <a:p>
+              <a:pPr algn="ctr"/>
+              <a:endParaRPr lang="fr-FR"/>
+            </a:p>
+          </p:txBody>
+        </p:sp>
+        <p:sp>
+          <p:nvSpPr>
+            <p:cNvPr id="13" name="Ellipse 12"/>
+            <p:cNvSpPr/>
+            <p:nvPr/>
+          </p:nvSpPr>
+          <p:spPr>
+            <a:xfrm>
+              <a:off x="3842129" y="4330490"/>
+              <a:ext cx="216024" cy="216024"/>
+            </a:xfrm>
+            <a:prstGeom prst="ellipse">
+              <a:avLst/>
+            </a:prstGeom>
+            <a:solidFill>
+              <a:schemeClr val="accent6">
+                <a:lumMod val="75000"/>
+              </a:schemeClr>
+            </a:solidFill>
+            <a:ln w="12700">
+              <a:solidFill>
+                <a:schemeClr val="accent6">
+                  <a:lumMod val="50000"/>
+                </a:schemeClr>
+              </a:solidFill>
+            </a:ln>
+          </p:spPr>
+          <p:style>
+            <a:lnRef idx="2">
+              <a:schemeClr val="accent1">
+                <a:shade val="50000"/>
+              </a:schemeClr>
+            </a:lnRef>
+            <a:fillRef idx="1">
+              <a:schemeClr val="accent1"/>
+            </a:fillRef>
+            <a:effectRef idx="0">
+              <a:schemeClr val="accent1"/>
+            </a:effectRef>
+            <a:fontRef idx="minor">
+              <a:schemeClr val="lt1"/>
+            </a:fontRef>
+          </p:style>
+          <p:txBody>
+            <a:bodyPr rtlCol="0" anchor="ctr"/>
+            <a:lstStyle/>
+            <a:p>
+              <a:pPr algn="ctr"/>
+              <a:endParaRPr lang="fr-FR"/>
+            </a:p>
+          </p:txBody>
+        </p:sp>
+        <p:sp>
+          <p:nvSpPr>
+            <p:cNvPr id="14" name="Ellipse 13"/>
+            <p:cNvSpPr/>
+            <p:nvPr/>
+          </p:nvSpPr>
+          <p:spPr>
+            <a:xfrm>
+              <a:off x="6344602" y="4281776"/>
+              <a:ext cx="216024" cy="216024"/>
+            </a:xfrm>
+            <a:prstGeom prst="ellipse">
+              <a:avLst/>
+            </a:prstGeom>
+            <a:solidFill>
+              <a:schemeClr val="tx2">
+                <a:lumMod val="60000"/>
+                <a:lumOff val="40000"/>
+              </a:schemeClr>
+            </a:solidFill>
+            <a:ln w="12700"/>
+          </p:spPr>
+          <p:style>
+            <a:lnRef idx="2">
+              <a:schemeClr val="accent1">
+                <a:shade val="50000"/>
+              </a:schemeClr>
+            </a:lnRef>
+            <a:fillRef idx="1">
+              <a:schemeClr val="accent1"/>
+            </a:fillRef>
+            <a:effectRef idx="0">
+              <a:schemeClr val="accent1"/>
+            </a:effectRef>
+            <a:fontRef idx="minor">
+              <a:schemeClr val="lt1"/>
+            </a:fontRef>
+          </p:style>
+          <p:txBody>
+            <a:bodyPr rtlCol="0" anchor="ctr"/>
+            <a:lstStyle/>
+            <a:p>
+              <a:pPr algn="ctr"/>
+              <a:endParaRPr lang="fr-FR"/>
+            </a:p>
+          </p:txBody>
+        </p:sp>
+        <p:sp>
+          <p:nvSpPr>
+            <p:cNvPr id="15" name="Ellipse 14"/>
+            <p:cNvSpPr/>
+            <p:nvPr/>
+          </p:nvSpPr>
+          <p:spPr>
+            <a:xfrm>
+              <a:off x="3153036" y="4822154"/>
+              <a:ext cx="216024" cy="216024"/>
+            </a:xfrm>
+            <a:prstGeom prst="ellipse">
+              <a:avLst/>
+            </a:prstGeom>
+            <a:noFill/>
+            <a:ln w="12700">
+              <a:solidFill>
+                <a:schemeClr val="bg1">
+                  <a:lumMod val="50000"/>
+                </a:schemeClr>
+              </a:solidFill>
+            </a:ln>
+          </p:spPr>
+          <p:style>
+            <a:lnRef idx="2">
+              <a:schemeClr val="accent1">
+                <a:shade val="50000"/>
+              </a:schemeClr>
+            </a:lnRef>
+            <a:fillRef idx="1">
+              <a:schemeClr val="accent1"/>
+            </a:fillRef>
+            <a:effectRef idx="0">
+              <a:schemeClr val="accent1"/>
+            </a:effectRef>
+            <a:fontRef idx="minor">
+              <a:schemeClr val="lt1"/>
+            </a:fontRef>
+          </p:style>
+          <p:txBody>
+            <a:bodyPr rtlCol="0" anchor="ctr"/>
+            <a:lstStyle/>
+            <a:p>
+              <a:pPr algn="ctr"/>
+              <a:endParaRPr lang="fr-FR"/>
+            </a:p>
+          </p:txBody>
+        </p:sp>
+        <p:sp>
+          <p:nvSpPr>
+            <p:cNvPr id="16" name="Ellipse 15"/>
+            <p:cNvSpPr/>
+            <p:nvPr/>
+          </p:nvSpPr>
+          <p:spPr>
+            <a:xfrm>
+              <a:off x="4539190" y="4822154"/>
+              <a:ext cx="216024" cy="216024"/>
+            </a:xfrm>
+            <a:prstGeom prst="ellipse">
+              <a:avLst/>
+            </a:prstGeom>
+            <a:solidFill>
+              <a:schemeClr val="accent6">
+                <a:lumMod val="60000"/>
+                <a:lumOff val="40000"/>
+              </a:schemeClr>
+            </a:solidFill>
+            <a:ln w="12700">
+              <a:solidFill>
+                <a:schemeClr val="accent6">
+                  <a:lumMod val="50000"/>
+                </a:schemeClr>
+              </a:solidFill>
+            </a:ln>
+          </p:spPr>
+          <p:style>
+            <a:lnRef idx="2">
+              <a:schemeClr val="accent1">
+                <a:shade val="50000"/>
+              </a:schemeClr>
+            </a:lnRef>
+            <a:fillRef idx="1">
+              <a:schemeClr val="accent1"/>
+            </a:fillRef>
+            <a:effectRef idx="0">
+              <a:schemeClr val="accent1"/>
+            </a:effectRef>
+            <a:fontRef idx="minor">
+              <a:schemeClr val="lt1"/>
+            </a:fontRef>
+          </p:style>
+          <p:txBody>
+            <a:bodyPr rtlCol="0" anchor="ctr"/>
+            <a:lstStyle/>
+            <a:p>
+              <a:pPr algn="ctr"/>
+              <a:endParaRPr lang="fr-FR"/>
+            </a:p>
+          </p:txBody>
+        </p:sp>
+        <p:sp>
+          <p:nvSpPr>
+            <p:cNvPr id="17" name="Ellipse 16"/>
+            <p:cNvSpPr/>
+            <p:nvPr/>
+          </p:nvSpPr>
+          <p:spPr>
+            <a:xfrm>
+              <a:off x="5441896" y="4822154"/>
+              <a:ext cx="216024" cy="216024"/>
+            </a:xfrm>
+            <a:prstGeom prst="ellipse">
+              <a:avLst/>
+            </a:prstGeom>
+            <a:noFill/>
+            <a:ln w="12700">
+              <a:solidFill>
+                <a:schemeClr val="bg1">
+                  <a:lumMod val="50000"/>
+                </a:schemeClr>
+              </a:solidFill>
+            </a:ln>
+          </p:spPr>
+          <p:style>
+            <a:lnRef idx="2">
+              <a:schemeClr val="accent1">
+                <a:shade val="50000"/>
+              </a:schemeClr>
+            </a:lnRef>
+            <a:fillRef idx="1">
+              <a:schemeClr val="accent1"/>
+            </a:fillRef>
+            <a:effectRef idx="0">
+              <a:schemeClr val="accent1"/>
+            </a:effectRef>
+            <a:fontRef idx="minor">
+              <a:schemeClr val="lt1"/>
+            </a:fontRef>
+          </p:style>
+          <p:txBody>
+            <a:bodyPr rtlCol="0" anchor="ctr"/>
+            <a:lstStyle/>
+            <a:p>
+              <a:pPr algn="ctr"/>
+              <a:endParaRPr lang="fr-FR"/>
+            </a:p>
+          </p:txBody>
+        </p:sp>
+        <p:sp>
+          <p:nvSpPr>
+            <p:cNvPr id="18" name="Ellipse 17"/>
+            <p:cNvSpPr/>
+            <p:nvPr/>
+          </p:nvSpPr>
+          <p:spPr>
+            <a:xfrm>
+              <a:off x="7400885" y="4865493"/>
+              <a:ext cx="216024" cy="216024"/>
+            </a:xfrm>
+            <a:prstGeom prst="ellipse">
+              <a:avLst/>
+            </a:prstGeom>
+            <a:solidFill>
+              <a:schemeClr val="accent5">
+                <a:lumMod val="40000"/>
+                <a:lumOff val="60000"/>
+              </a:schemeClr>
+            </a:solidFill>
+            <a:ln w="12700"/>
+          </p:spPr>
+          <p:style>
+            <a:lnRef idx="2">
+              <a:schemeClr val="accent1">
+                <a:shade val="50000"/>
+              </a:schemeClr>
+            </a:lnRef>
+            <a:fillRef idx="1">
+              <a:schemeClr val="accent1"/>
+            </a:fillRef>
+            <a:effectRef idx="0">
+              <a:schemeClr val="accent1"/>
+            </a:effectRef>
+            <a:fontRef idx="minor">
+              <a:schemeClr val="lt1"/>
+            </a:fontRef>
+          </p:style>
+          <p:txBody>
+            <a:bodyPr rtlCol="0" anchor="ctr"/>
+            <a:lstStyle/>
+            <a:p>
+              <a:pPr algn="ctr"/>
+              <a:endParaRPr lang="fr-FR"/>
+            </a:p>
+          </p:txBody>
+        </p:sp>
+        <p:sp>
+          <p:nvSpPr>
+            <p:cNvPr id="19" name="Ellipse 18"/>
+            <p:cNvSpPr/>
+            <p:nvPr/>
+          </p:nvSpPr>
+          <p:spPr>
+            <a:xfrm>
+              <a:off x="6542260" y="5448352"/>
+              <a:ext cx="216024" cy="216024"/>
+            </a:xfrm>
+            <a:prstGeom prst="ellipse">
+              <a:avLst/>
+            </a:prstGeom>
+            <a:solidFill>
+              <a:schemeClr val="tx2">
+                <a:lumMod val="60000"/>
+                <a:lumOff val="40000"/>
+              </a:schemeClr>
+            </a:solidFill>
+            <a:ln w="12700"/>
+          </p:spPr>
+          <p:style>
+            <a:lnRef idx="2">
+              <a:schemeClr val="accent1">
+                <a:shade val="50000"/>
+              </a:schemeClr>
+            </a:lnRef>
+            <a:fillRef idx="1">
+              <a:schemeClr val="accent1"/>
+            </a:fillRef>
+            <a:effectRef idx="0">
+              <a:schemeClr val="accent1"/>
+            </a:effectRef>
+            <a:fontRef idx="minor">
+              <a:schemeClr val="lt1"/>
+            </a:fontRef>
+          </p:style>
+          <p:txBody>
+            <a:bodyPr rtlCol="0" anchor="ctr"/>
+            <a:lstStyle/>
+            <a:p>
+              <a:pPr algn="ctr"/>
+              <a:endParaRPr lang="fr-FR"/>
+            </a:p>
+          </p:txBody>
+        </p:sp>
+        <p:sp>
+          <p:nvSpPr>
+            <p:cNvPr id="20" name="Ellipse 19"/>
+            <p:cNvSpPr/>
+            <p:nvPr/>
+          </p:nvSpPr>
+          <p:spPr>
+            <a:xfrm>
+              <a:off x="8350163" y="5482806"/>
+              <a:ext cx="216024" cy="216024"/>
+            </a:xfrm>
+            <a:prstGeom prst="ellipse">
+              <a:avLst/>
+            </a:prstGeom>
+            <a:noFill/>
+            <a:ln w="12700">
+              <a:solidFill>
+                <a:schemeClr val="bg1">
+                  <a:lumMod val="50000"/>
+                </a:schemeClr>
+              </a:solidFill>
+            </a:ln>
+          </p:spPr>
+          <p:style>
+            <a:lnRef idx="2">
+              <a:schemeClr val="accent1">
+                <a:shade val="50000"/>
+              </a:schemeClr>
+            </a:lnRef>
+            <a:fillRef idx="1">
+              <a:schemeClr val="accent1"/>
+            </a:fillRef>
+            <a:effectRef idx="0">
+              <a:schemeClr val="accent1"/>
+            </a:effectRef>
+            <a:fontRef idx="minor">
+              <a:schemeClr val="lt1"/>
+            </a:fontRef>
+          </p:style>
+          <p:txBody>
+            <a:bodyPr rtlCol="0" anchor="ctr"/>
+            <a:lstStyle/>
+            <a:p>
+              <a:pPr algn="ctr"/>
+              <a:endParaRPr lang="fr-FR"/>
+            </a:p>
+          </p:txBody>
+        </p:sp>
+        <p:cxnSp>
+          <p:nvCxnSpPr>
+            <p:cNvPr id="21" name="Connecteur droit 20"/>
+            <p:cNvCxnSpPr>
+              <a:stCxn id="9" idx="0"/>
+              <a:endCxn id="3" idx="2"/>
+            </p:cNvCxnSpPr>
+            <p:nvPr/>
+          </p:nvCxnSpPr>
+          <p:spPr>
+            <a:xfrm flipV="1">
+              <a:off x="2414954" y="2780928"/>
+              <a:ext cx="1908212" cy="382359"/>
+            </a:xfrm>
+            <a:prstGeom prst="line">
+              <a:avLst/>
+            </a:prstGeom>
+            <a:ln w="12700">
+              <a:solidFill>
+                <a:schemeClr val="bg1">
+                  <a:lumMod val="50000"/>
+                </a:schemeClr>
+              </a:solidFill>
+            </a:ln>
+          </p:spPr>
+          <p:style>
+            <a:lnRef idx="1">
+              <a:schemeClr val="accent1"/>
+            </a:lnRef>
+            <a:fillRef idx="0">
+              <a:schemeClr val="accent1"/>
+            </a:fillRef>
+            <a:effectRef idx="0">
+              <a:schemeClr val="accent1"/>
+            </a:effectRef>
+            <a:fontRef idx="minor">
+              <a:schemeClr val="tx1"/>
+            </a:fontRef>
+          </p:style>
+        </p:cxnSp>
+        <p:cxnSp>
+          <p:nvCxnSpPr>
+            <p:cNvPr id="23" name="Connecteur droit 22"/>
+            <p:cNvCxnSpPr>
+              <a:stCxn id="3" idx="6"/>
+              <a:endCxn id="10" idx="0"/>
+            </p:cNvCxnSpPr>
+            <p:nvPr/>
+          </p:nvCxnSpPr>
+          <p:spPr>
+            <a:xfrm>
+              <a:off x="4539190" y="2780928"/>
+              <a:ext cx="2021436" cy="382359"/>
+            </a:xfrm>
+            <a:prstGeom prst="line">
+              <a:avLst/>
+            </a:prstGeom>
+            <a:ln w="12700">
+              <a:solidFill>
+                <a:schemeClr val="bg1">
+                  <a:lumMod val="50000"/>
+                </a:schemeClr>
+              </a:solidFill>
+            </a:ln>
+          </p:spPr>
+          <p:style>
+            <a:lnRef idx="1">
+              <a:schemeClr val="accent1"/>
+            </a:lnRef>
+            <a:fillRef idx="0">
+              <a:schemeClr val="accent1"/>
+            </a:fillRef>
+            <a:effectRef idx="0">
+              <a:schemeClr val="accent1"/>
+            </a:effectRef>
+            <a:fontRef idx="minor">
+              <a:schemeClr val="tx1"/>
+            </a:fontRef>
+          </p:style>
+        </p:cxnSp>
+        <p:cxnSp>
+          <p:nvCxnSpPr>
+            <p:cNvPr id="25" name="Connecteur droit 24"/>
+            <p:cNvCxnSpPr>
+              <a:stCxn id="10" idx="4"/>
+              <a:endCxn id="11" idx="0"/>
+            </p:cNvCxnSpPr>
+            <p:nvPr/>
+          </p:nvCxnSpPr>
+          <p:spPr>
+            <a:xfrm flipH="1">
+              <a:off x="5275724" y="3379311"/>
+              <a:ext cx="1284902" cy="369241"/>
+            </a:xfrm>
+            <a:prstGeom prst="line">
+              <a:avLst/>
+            </a:prstGeom>
+            <a:ln w="12700">
+              <a:solidFill>
+                <a:schemeClr val="bg1">
+                  <a:lumMod val="50000"/>
+                </a:schemeClr>
+              </a:solidFill>
+            </a:ln>
+          </p:spPr>
+          <p:style>
+            <a:lnRef idx="1">
+              <a:schemeClr val="accent1"/>
+            </a:lnRef>
+            <a:fillRef idx="0">
+              <a:schemeClr val="accent1"/>
+            </a:fillRef>
+            <a:effectRef idx="0">
+              <a:schemeClr val="accent1"/>
+            </a:effectRef>
+            <a:fontRef idx="minor">
+              <a:schemeClr val="tx1"/>
+            </a:fontRef>
+          </p:style>
+        </p:cxnSp>
+        <p:cxnSp>
+          <p:nvCxnSpPr>
+            <p:cNvPr id="27" name="Connecteur droit 26"/>
+            <p:cNvCxnSpPr>
+              <a:stCxn id="10" idx="4"/>
+              <a:endCxn id="12" idx="0"/>
+            </p:cNvCxnSpPr>
+            <p:nvPr/>
+          </p:nvCxnSpPr>
+          <p:spPr>
+            <a:xfrm>
+              <a:off x="6560626" y="3379311"/>
+              <a:ext cx="1299718" cy="477253"/>
+            </a:xfrm>
+            <a:prstGeom prst="line">
+              <a:avLst/>
+            </a:prstGeom>
+            <a:ln w="12700">
+              <a:solidFill>
+                <a:schemeClr val="bg1">
+                  <a:lumMod val="50000"/>
+                </a:schemeClr>
+              </a:solidFill>
+            </a:ln>
+          </p:spPr>
+          <p:style>
+            <a:lnRef idx="1">
+              <a:schemeClr val="accent1"/>
+            </a:lnRef>
+            <a:fillRef idx="0">
+              <a:schemeClr val="accent1"/>
+            </a:fillRef>
+            <a:effectRef idx="0">
+              <a:schemeClr val="accent1"/>
+            </a:effectRef>
+            <a:fontRef idx="minor">
+              <a:schemeClr val="tx1"/>
+            </a:fontRef>
+          </p:style>
+        </p:cxnSp>
+        <p:cxnSp>
+          <p:nvCxnSpPr>
+            <p:cNvPr id="29" name="Connecteur droit 28"/>
+            <p:cNvCxnSpPr>
+              <a:stCxn id="11" idx="2"/>
+              <a:endCxn id="13" idx="0"/>
+            </p:cNvCxnSpPr>
+            <p:nvPr/>
+          </p:nvCxnSpPr>
+          <p:spPr>
+            <a:xfrm flipH="1">
+              <a:off x="3950141" y="3856564"/>
+              <a:ext cx="1217571" cy="473926"/>
+            </a:xfrm>
+            <a:prstGeom prst="line">
+              <a:avLst/>
+            </a:prstGeom>
+            <a:ln w="12700">
+              <a:solidFill>
+                <a:schemeClr val="bg1">
+                  <a:lumMod val="50000"/>
+                </a:schemeClr>
+              </a:solidFill>
+            </a:ln>
+          </p:spPr>
+          <p:style>
+            <a:lnRef idx="1">
+              <a:schemeClr val="accent1"/>
+            </a:lnRef>
+            <a:fillRef idx="0">
+              <a:schemeClr val="accent1"/>
+            </a:fillRef>
+            <a:effectRef idx="0">
+              <a:schemeClr val="accent1"/>
+            </a:effectRef>
+            <a:fontRef idx="minor">
+              <a:schemeClr val="tx1"/>
+            </a:fontRef>
+          </p:style>
+        </p:cxnSp>
+        <p:cxnSp>
+          <p:nvCxnSpPr>
+            <p:cNvPr id="31" name="Connecteur droit 30"/>
+            <p:cNvCxnSpPr>
+              <a:stCxn id="11" idx="6"/>
+              <a:endCxn id="14" idx="0"/>
+            </p:cNvCxnSpPr>
+            <p:nvPr/>
+          </p:nvCxnSpPr>
+          <p:spPr>
+            <a:xfrm>
+              <a:off x="5383736" y="3856564"/>
+              <a:ext cx="1068878" cy="425212"/>
+            </a:xfrm>
+            <a:prstGeom prst="line">
+              <a:avLst/>
+            </a:prstGeom>
+            <a:ln w="12700">
+              <a:solidFill>
+                <a:schemeClr val="bg1">
+                  <a:lumMod val="50000"/>
+                </a:schemeClr>
+              </a:solidFill>
+            </a:ln>
+          </p:spPr>
+          <p:style>
+            <a:lnRef idx="1">
+              <a:schemeClr val="accent1"/>
+            </a:lnRef>
+            <a:fillRef idx="0">
+              <a:schemeClr val="accent1"/>
+            </a:fillRef>
+            <a:effectRef idx="0">
+              <a:schemeClr val="accent1"/>
+            </a:effectRef>
+            <a:fontRef idx="minor">
+              <a:schemeClr val="tx1"/>
+            </a:fontRef>
+          </p:style>
+        </p:cxnSp>
+        <p:cxnSp>
+          <p:nvCxnSpPr>
+            <p:cNvPr id="33" name="Connecteur droit 32"/>
+            <p:cNvCxnSpPr>
+              <a:stCxn id="13" idx="2"/>
+              <a:endCxn id="15" idx="0"/>
+            </p:cNvCxnSpPr>
+            <p:nvPr/>
+          </p:nvCxnSpPr>
+          <p:spPr>
+            <a:xfrm flipH="1">
+              <a:off x="3261048" y="4438502"/>
+              <a:ext cx="581081" cy="383652"/>
+            </a:xfrm>
+            <a:prstGeom prst="line">
+              <a:avLst/>
+            </a:prstGeom>
+            <a:ln w="12700">
+              <a:solidFill>
+                <a:schemeClr val="bg1">
+                  <a:lumMod val="50000"/>
+                </a:schemeClr>
+              </a:solidFill>
+            </a:ln>
+          </p:spPr>
+          <p:style>
+            <a:lnRef idx="1">
+              <a:schemeClr val="accent1"/>
+            </a:lnRef>
+            <a:fillRef idx="0">
+              <a:schemeClr val="accent1"/>
+            </a:fillRef>
+            <a:effectRef idx="0">
+              <a:schemeClr val="accent1"/>
+            </a:effectRef>
+            <a:fontRef idx="minor">
+              <a:schemeClr val="tx1"/>
+            </a:fontRef>
+          </p:style>
+        </p:cxnSp>
+        <p:cxnSp>
+          <p:nvCxnSpPr>
+            <p:cNvPr id="35" name="Connecteur droit 34"/>
+            <p:cNvCxnSpPr>
+              <a:stCxn id="13" idx="6"/>
+              <a:endCxn id="16" idx="0"/>
+            </p:cNvCxnSpPr>
+            <p:nvPr/>
+          </p:nvCxnSpPr>
+          <p:spPr>
+            <a:xfrm>
+              <a:off x="4058153" y="4438502"/>
+              <a:ext cx="589049" cy="383652"/>
+            </a:xfrm>
+            <a:prstGeom prst="line">
+              <a:avLst/>
+            </a:prstGeom>
+            <a:ln w="12700">
+              <a:solidFill>
+                <a:schemeClr val="bg1">
+                  <a:lumMod val="50000"/>
+                </a:schemeClr>
+              </a:solidFill>
+            </a:ln>
+          </p:spPr>
+          <p:style>
+            <a:lnRef idx="1">
+              <a:schemeClr val="accent1"/>
+            </a:lnRef>
+            <a:fillRef idx="0">
+              <a:schemeClr val="accent1"/>
+            </a:fillRef>
+            <a:effectRef idx="0">
+              <a:schemeClr val="accent1"/>
+            </a:effectRef>
+            <a:fontRef idx="minor">
+              <a:schemeClr val="tx1"/>
+            </a:fontRef>
+          </p:style>
+        </p:cxnSp>
+        <p:cxnSp>
+          <p:nvCxnSpPr>
+            <p:cNvPr id="38" name="Connecteur droit 37"/>
+            <p:cNvCxnSpPr>
+              <a:stCxn id="14" idx="2"/>
+              <a:endCxn id="17" idx="0"/>
+            </p:cNvCxnSpPr>
+            <p:nvPr/>
+          </p:nvCxnSpPr>
+          <p:spPr>
+            <a:xfrm flipH="1">
+              <a:off x="5549908" y="4389788"/>
+              <a:ext cx="794694" cy="432366"/>
+            </a:xfrm>
+            <a:prstGeom prst="line">
+              <a:avLst/>
+            </a:prstGeom>
+            <a:ln w="12700">
+              <a:solidFill>
+                <a:schemeClr val="bg1">
+                  <a:lumMod val="50000"/>
+                </a:schemeClr>
+              </a:solidFill>
+            </a:ln>
+          </p:spPr>
+          <p:style>
+            <a:lnRef idx="1">
+              <a:schemeClr val="accent1"/>
+            </a:lnRef>
+            <a:fillRef idx="0">
+              <a:schemeClr val="accent1"/>
+            </a:fillRef>
+            <a:effectRef idx="0">
+              <a:schemeClr val="accent1"/>
+            </a:effectRef>
+            <a:fontRef idx="minor">
+              <a:schemeClr val="tx1"/>
+            </a:fontRef>
+          </p:style>
+        </p:cxnSp>
+        <p:cxnSp>
+          <p:nvCxnSpPr>
+            <p:cNvPr id="40" name="Connecteur droit 39"/>
+            <p:cNvCxnSpPr>
+              <a:stCxn id="14" idx="6"/>
+              <a:endCxn id="18" idx="0"/>
+            </p:cNvCxnSpPr>
+            <p:nvPr/>
+          </p:nvCxnSpPr>
+          <p:spPr>
+            <a:xfrm>
+              <a:off x="6560626" y="4389788"/>
+              <a:ext cx="948271" cy="475705"/>
+            </a:xfrm>
+            <a:prstGeom prst="line">
+              <a:avLst/>
+            </a:prstGeom>
+            <a:ln w="12700">
+              <a:solidFill>
+                <a:schemeClr val="bg1">
+                  <a:lumMod val="50000"/>
+                </a:schemeClr>
+              </a:solidFill>
+            </a:ln>
+          </p:spPr>
+          <p:style>
+            <a:lnRef idx="1">
+              <a:schemeClr val="accent1"/>
+            </a:lnRef>
+            <a:fillRef idx="0">
+              <a:schemeClr val="accent1"/>
+            </a:fillRef>
+            <a:effectRef idx="0">
+              <a:schemeClr val="accent1"/>
+            </a:effectRef>
+            <a:fontRef idx="minor">
+              <a:schemeClr val="tx1"/>
+            </a:fontRef>
+          </p:style>
+        </p:cxnSp>
+        <p:cxnSp>
+          <p:nvCxnSpPr>
+            <p:cNvPr id="42" name="Connecteur droit 41"/>
+            <p:cNvCxnSpPr>
+              <a:stCxn id="18" idx="2"/>
+              <a:endCxn id="19" idx="0"/>
+            </p:cNvCxnSpPr>
+            <p:nvPr/>
+          </p:nvCxnSpPr>
+          <p:spPr>
+            <a:xfrm flipH="1">
+              <a:off x="6650272" y="4973505"/>
+              <a:ext cx="750613" cy="474847"/>
+            </a:xfrm>
+            <a:prstGeom prst="line">
+              <a:avLst/>
+            </a:prstGeom>
+            <a:ln w="12700">
+              <a:solidFill>
+                <a:schemeClr val="bg1">
+                  <a:lumMod val="50000"/>
+                </a:schemeClr>
+              </a:solidFill>
+            </a:ln>
+          </p:spPr>
+          <p:style>
+            <a:lnRef idx="1">
+              <a:schemeClr val="accent1"/>
+            </a:lnRef>
+            <a:fillRef idx="0">
+              <a:schemeClr val="accent1"/>
+            </a:fillRef>
+            <a:effectRef idx="0">
+              <a:schemeClr val="accent1"/>
+            </a:effectRef>
+            <a:fontRef idx="minor">
+              <a:schemeClr val="tx1"/>
+            </a:fontRef>
+          </p:style>
+        </p:cxnSp>
+        <p:cxnSp>
+          <p:nvCxnSpPr>
+            <p:cNvPr id="44" name="Connecteur droit 43"/>
+            <p:cNvCxnSpPr>
+              <a:stCxn id="18" idx="6"/>
+              <a:endCxn id="20" idx="0"/>
+            </p:cNvCxnSpPr>
+            <p:nvPr/>
+          </p:nvCxnSpPr>
+          <p:spPr>
+            <a:xfrm>
+              <a:off x="7616909" y="4973505"/>
+              <a:ext cx="841266" cy="509301"/>
+            </a:xfrm>
+            <a:prstGeom prst="line">
+              <a:avLst/>
+            </a:prstGeom>
+            <a:ln w="12700">
+              <a:solidFill>
+                <a:schemeClr val="bg1">
+                  <a:lumMod val="50000"/>
+                </a:schemeClr>
+              </a:solidFill>
+            </a:ln>
+          </p:spPr>
+          <p:style>
+            <a:lnRef idx="1">
+              <a:schemeClr val="accent1"/>
+            </a:lnRef>
+            <a:fillRef idx="0">
+              <a:schemeClr val="accent1"/>
+            </a:fillRef>
+            <a:effectRef idx="0">
+              <a:schemeClr val="accent1"/>
+            </a:effectRef>
+            <a:fontRef idx="minor">
+              <a:schemeClr val="tx1"/>
+            </a:fontRef>
+          </p:style>
+        </p:cxnSp>
+        <p:sp>
+          <p:nvSpPr>
+            <p:cNvPr id="3084" name="ZoneTexte 3083"/>
+            <p:cNvSpPr txBox="1"/>
+            <p:nvPr/>
+          </p:nvSpPr>
+          <p:spPr>
+            <a:xfrm>
+              <a:off x="2043546" y="3379311"/>
+              <a:ext cx="574196" cy="369332"/>
+            </a:xfrm>
+            <a:prstGeom prst="rect">
+              <a:avLst/>
+            </a:prstGeom>
+            <a:noFill/>
+            <a:ln w="12700">
+              <a:noFill/>
+            </a:ln>
+          </p:spPr>
+          <p:txBody>
+            <a:bodyPr wrap="none" rtlCol="0">
+              <a:spAutoFit/>
+            </a:bodyPr>
+            <a:lstStyle/>
+            <a:p>
+              <a:r>
+                <a:rPr lang="fr-FR" i="1" dirty="0" smtClean="0">
+                  <a:latin typeface="Eurostile" panose="020B0504020202050204" pitchFamily="34" charset="0"/>
+                </a:rPr>
+                <a:t>This</a:t>
+              </a:r>
+              <a:endParaRPr lang="fr-FR" i="1" dirty="0">
+                <a:latin typeface="Eurostile" panose="020B0504020202050204" pitchFamily="34" charset="0"/>
+              </a:endParaRPr>
+            </a:p>
+          </p:txBody>
+        </p:sp>
+        <p:sp>
+          <p:nvSpPr>
+            <p:cNvPr id="3085" name="ZoneTexte 3084"/>
+            <p:cNvSpPr txBox="1"/>
+            <p:nvPr/>
+          </p:nvSpPr>
+          <p:spPr>
+            <a:xfrm>
+              <a:off x="3032108" y="5026262"/>
+              <a:ext cx="336952" cy="369332"/>
+            </a:xfrm>
+            <a:prstGeom prst="rect">
+              <a:avLst/>
+            </a:prstGeom>
+            <a:noFill/>
+            <a:ln w="12700">
+              <a:noFill/>
+            </a:ln>
+          </p:spPr>
+          <p:txBody>
+            <a:bodyPr wrap="none" rtlCol="0">
+              <a:spAutoFit/>
+            </a:bodyPr>
+            <a:lstStyle/>
+            <a:p>
+              <a:r>
+                <a:rPr lang="fr-FR" i="1" dirty="0" err="1" smtClean="0">
+                  <a:latin typeface="Eurostile" panose="020B0504020202050204" pitchFamily="34" charset="0"/>
+                </a:rPr>
+                <a:t>is</a:t>
+              </a:r>
+              <a:endParaRPr lang="fr-FR" i="1" dirty="0">
+                <a:latin typeface="Eurostile" panose="020B0504020202050204" pitchFamily="34" charset="0"/>
+              </a:endParaRPr>
+            </a:p>
+          </p:txBody>
+        </p:sp>
+        <p:sp>
+          <p:nvSpPr>
+            <p:cNvPr id="3086" name="ZoneTexte 3085"/>
+            <p:cNvSpPr txBox="1"/>
+            <p:nvPr/>
+          </p:nvSpPr>
+          <p:spPr>
+            <a:xfrm>
+              <a:off x="4431178" y="5021953"/>
+              <a:ext cx="441146" cy="369332"/>
+            </a:xfrm>
+            <a:prstGeom prst="rect">
+              <a:avLst/>
+            </a:prstGeom>
+            <a:noFill/>
+            <a:ln w="12700">
+              <a:noFill/>
+            </a:ln>
+          </p:spPr>
+          <p:txBody>
+            <a:bodyPr wrap="none" rtlCol="0">
+              <a:spAutoFit/>
+            </a:bodyPr>
+            <a:lstStyle/>
+            <a:p>
+              <a:r>
+                <a:rPr lang="fr-FR" i="1" dirty="0" smtClean="0">
+                  <a:latin typeface="Eurostile" panose="020B0504020202050204" pitchFamily="34" charset="0"/>
+                </a:rPr>
+                <a:t>n’t</a:t>
+              </a:r>
+              <a:endParaRPr lang="fr-FR" i="1" dirty="0">
+                <a:latin typeface="Eurostile" panose="020B0504020202050204" pitchFamily="34" charset="0"/>
+              </a:endParaRPr>
+            </a:p>
+          </p:txBody>
+        </p:sp>
+        <p:sp>
+          <p:nvSpPr>
+            <p:cNvPr id="3087" name="ZoneTexte 3086"/>
+            <p:cNvSpPr txBox="1"/>
+            <p:nvPr/>
+          </p:nvSpPr>
+          <p:spPr>
+            <a:xfrm>
+              <a:off x="5378457" y="5021953"/>
+              <a:ext cx="301686" cy="369332"/>
+            </a:xfrm>
+            <a:prstGeom prst="rect">
+              <a:avLst/>
+            </a:prstGeom>
+            <a:noFill/>
+            <a:ln w="12700">
+              <a:noFill/>
+            </a:ln>
+          </p:spPr>
+          <p:txBody>
+            <a:bodyPr wrap="none" rtlCol="0">
+              <a:spAutoFit/>
+            </a:bodyPr>
+            <a:lstStyle/>
+            <a:p>
+              <a:r>
+                <a:rPr lang="fr-FR" i="1" dirty="0" smtClean="0">
+                  <a:latin typeface="Eurostile" panose="020B0504020202050204" pitchFamily="34" charset="0"/>
+                </a:rPr>
+                <a:t>a</a:t>
+              </a:r>
+              <a:endParaRPr lang="fr-FR" i="1" dirty="0">
+                <a:latin typeface="Eurostile" panose="020B0504020202050204" pitchFamily="34" charset="0"/>
+              </a:endParaRPr>
+            </a:p>
+          </p:txBody>
+        </p:sp>
+        <p:sp>
+          <p:nvSpPr>
+            <p:cNvPr id="3088" name="ZoneTexte 3087"/>
+            <p:cNvSpPr txBox="1"/>
+            <p:nvPr/>
+          </p:nvSpPr>
+          <p:spPr>
+            <a:xfrm>
+              <a:off x="6306670" y="5664376"/>
+              <a:ext cx="585866" cy="369332"/>
+            </a:xfrm>
+            <a:prstGeom prst="rect">
+              <a:avLst/>
+            </a:prstGeom>
+            <a:noFill/>
+            <a:ln w="12700">
+              <a:noFill/>
+            </a:ln>
+          </p:spPr>
+          <p:txBody>
+            <a:bodyPr wrap="none" rtlCol="0">
+              <a:spAutoFit/>
+            </a:bodyPr>
+            <a:lstStyle/>
+            <a:p>
+              <a:r>
+                <a:rPr lang="fr-FR" i="1" dirty="0" smtClean="0">
+                  <a:latin typeface="Eurostile" panose="020B0504020202050204" pitchFamily="34" charset="0"/>
+                </a:rPr>
+                <a:t>new</a:t>
+              </a:r>
+              <a:endParaRPr lang="fr-FR" i="1" dirty="0">
+                <a:latin typeface="Eurostile" panose="020B0504020202050204" pitchFamily="34" charset="0"/>
+              </a:endParaRPr>
+            </a:p>
+          </p:txBody>
+        </p:sp>
+        <p:sp>
+          <p:nvSpPr>
+            <p:cNvPr id="3089" name="ZoneTexte 3088"/>
+            <p:cNvSpPr txBox="1"/>
+            <p:nvPr/>
+          </p:nvSpPr>
+          <p:spPr>
+            <a:xfrm>
+              <a:off x="8165466" y="5664376"/>
+              <a:ext cx="585417" cy="369332"/>
+            </a:xfrm>
+            <a:prstGeom prst="rect">
+              <a:avLst/>
+            </a:prstGeom>
+            <a:noFill/>
+            <a:ln w="12700">
+              <a:noFill/>
+            </a:ln>
+          </p:spPr>
+          <p:txBody>
+            <a:bodyPr wrap="none" rtlCol="0">
+              <a:spAutoFit/>
+            </a:bodyPr>
+            <a:lstStyle/>
+            <a:p>
+              <a:r>
+                <a:rPr lang="fr-FR" i="1" dirty="0" err="1" smtClean="0">
+                  <a:latin typeface="Eurostile" panose="020B0504020202050204" pitchFamily="34" charset="0"/>
+                </a:rPr>
+                <a:t>idea</a:t>
+              </a:r>
+              <a:endParaRPr lang="fr-FR" i="1" dirty="0">
+                <a:latin typeface="Eurostile" panose="020B0504020202050204" pitchFamily="34" charset="0"/>
+              </a:endParaRPr>
+            </a:p>
+          </p:txBody>
+        </p:sp>
+        <p:sp>
+          <p:nvSpPr>
+            <p:cNvPr id="3090" name="ZoneTexte 3089"/>
+            <p:cNvSpPr txBox="1"/>
+            <p:nvPr/>
+          </p:nvSpPr>
+          <p:spPr>
+            <a:xfrm>
+              <a:off x="7752332" y="4069170"/>
+              <a:ext cx="229550" cy="369332"/>
+            </a:xfrm>
+            <a:prstGeom prst="rect">
+              <a:avLst/>
+            </a:prstGeom>
+            <a:noFill/>
+            <a:ln w="12700">
+              <a:noFill/>
+            </a:ln>
+          </p:spPr>
+          <p:txBody>
+            <a:bodyPr wrap="none" rtlCol="0">
+              <a:spAutoFit/>
+            </a:bodyPr>
+            <a:lstStyle/>
+            <a:p>
+              <a:r>
+                <a:rPr lang="fr-FR" b="1" i="1" dirty="0">
+                  <a:latin typeface="Eurostile" panose="020B0504020202050204" pitchFamily="34" charset="0"/>
+                </a:rPr>
+                <a:t>.</a:t>
+              </a:r>
+            </a:p>
+          </p:txBody>
+        </p:sp>
+      </p:grpSp>
     </p:spTree>
     <p:extLst>
       <p:ext uri="{BB962C8B-B14F-4D97-AF65-F5344CB8AC3E}">

--- a/Présentation finale/presentation_finale.pptx
+++ b/Présentation finale/presentation_finale.pptx
@@ -6654,7 +6654,7 @@
           <a:lstStyle/>
           <a:p>
             <a:r>
-              <a:rPr lang="fr-FR" b="0" strike="noStrike" spc="-1" dirty="0">
+              <a:rPr lang="fr-FR" b="0" i="1" strike="noStrike" spc="-1" dirty="0">
                 <a:solidFill>
                   <a:srgbClr val="000000"/>
                 </a:solidFill>
@@ -6663,6 +6663,7 @@
                     <a:srgbClr val="FFFFFF"/>
                   </a:solidFill>
                 </a:uFill>
+                <a:latin typeface="Eurostile" panose="020B0504020202050204" pitchFamily="34" charset="0"/>
               </a:rPr>
               <a:t>Le chat est couché</a:t>
             </a:r>
@@ -6727,7 +6728,7 @@
           <a:lstStyle/>
           <a:p>
             <a:r>
-              <a:rPr lang="fr-FR" b="0" strike="noStrike" spc="-1" dirty="0">
+              <a:rPr lang="fr-FR" b="0" i="1" strike="noStrike" spc="-1" dirty="0">
                 <a:solidFill>
                   <a:srgbClr val="000000"/>
                 </a:solidFill>
@@ -6736,13 +6737,14 @@
                     <a:srgbClr val="FFFFFF"/>
                   </a:solidFill>
                 </a:uFill>
+                <a:latin typeface="Eurostile" panose="020B0504020202050204" pitchFamily="34" charset="0"/>
               </a:rPr>
               <a:t>[le]</a:t>
             </a:r>
           </a:p>
           <a:p>
             <a:r>
-              <a:rPr lang="fr-FR" b="0" strike="noStrike" spc="-1" dirty="0">
+              <a:rPr lang="fr-FR" b="0" i="1" strike="noStrike" spc="-1" dirty="0">
                 <a:solidFill>
                   <a:srgbClr val="000000"/>
                 </a:solidFill>
@@ -6751,13 +6753,14 @@
                     <a:srgbClr val="FFFFFF"/>
                   </a:solidFill>
                 </a:uFill>
+                <a:latin typeface="Eurostile" panose="020B0504020202050204" pitchFamily="34" charset="0"/>
               </a:rPr>
               <a:t>[chat]</a:t>
             </a:r>
           </a:p>
           <a:p>
             <a:r>
-              <a:rPr lang="fr-FR" b="0" strike="noStrike" spc="-1" dirty="0">
+              <a:rPr lang="fr-FR" b="0" i="1" strike="noStrike" spc="-1" dirty="0">
                 <a:solidFill>
                   <a:srgbClr val="000000"/>
                 </a:solidFill>
@@ -6766,13 +6769,14 @@
                     <a:srgbClr val="FFFFFF"/>
                   </a:solidFill>
                 </a:uFill>
+                <a:latin typeface="Eurostile" panose="020B0504020202050204" pitchFamily="34" charset="0"/>
               </a:rPr>
               <a:t>[est]</a:t>
             </a:r>
           </a:p>
           <a:p>
             <a:r>
-              <a:rPr lang="fr-FR" b="0" strike="noStrike" spc="-1" dirty="0">
+              <a:rPr lang="fr-FR" b="0" i="1" strike="noStrike" spc="-1" dirty="0">
                 <a:solidFill>
                   <a:srgbClr val="000000"/>
                 </a:solidFill>
@@ -6781,6 +6785,7 @@
                     <a:srgbClr val="FFFFFF"/>
                   </a:solidFill>
                 </a:uFill>
+                <a:latin typeface="Eurostile" panose="020B0504020202050204" pitchFamily="34" charset="0"/>
               </a:rPr>
               <a:t>[couché]</a:t>
             </a:r>
@@ -6845,7 +6850,7 @@
           <a:lstStyle/>
           <a:p>
             <a:r>
-              <a:rPr lang="fr-FR" b="0" strike="noStrike" spc="-1" dirty="0">
+              <a:rPr lang="fr-FR" b="0" i="1" strike="noStrike" spc="-1" dirty="0">
                 <a:solidFill>
                   <a:srgbClr val="000000"/>
                 </a:solidFill>
@@ -6854,13 +6859,14 @@
                     <a:srgbClr val="FFFFFF"/>
                   </a:solidFill>
                 </a:uFill>
+                <a:latin typeface="Eurostile" panose="020B0504020202050204" pitchFamily="34" charset="0"/>
               </a:rPr>
               <a:t>(1, 0, 0, 0)</a:t>
             </a:r>
           </a:p>
           <a:p>
             <a:r>
-              <a:rPr lang="fr-FR" b="0" strike="noStrike" spc="-1" dirty="0">
+              <a:rPr lang="fr-FR" b="0" i="1" strike="noStrike" spc="-1" dirty="0">
                 <a:solidFill>
                   <a:srgbClr val="000000"/>
                 </a:solidFill>
@@ -6869,13 +6875,14 @@
                     <a:srgbClr val="FFFFFF"/>
                   </a:solidFill>
                 </a:uFill>
+                <a:latin typeface="Eurostile" panose="020B0504020202050204" pitchFamily="34" charset="0"/>
               </a:rPr>
               <a:t>(0, 1, 0, 0)</a:t>
             </a:r>
           </a:p>
           <a:p>
             <a:r>
-              <a:rPr lang="fr-FR" b="0" strike="noStrike" spc="-1" dirty="0">
+              <a:rPr lang="fr-FR" b="0" i="1" strike="noStrike" spc="-1" dirty="0">
                 <a:solidFill>
                   <a:srgbClr val="000000"/>
                 </a:solidFill>
@@ -6884,13 +6891,14 @@
                     <a:srgbClr val="FFFFFF"/>
                   </a:solidFill>
                 </a:uFill>
+                <a:latin typeface="Eurostile" panose="020B0504020202050204" pitchFamily="34" charset="0"/>
               </a:rPr>
               <a:t>(0, 0, 1, 0)</a:t>
             </a:r>
           </a:p>
           <a:p>
             <a:r>
-              <a:rPr lang="fr-FR" b="0" strike="noStrike" spc="-1" dirty="0">
+              <a:rPr lang="fr-FR" b="0" i="1" strike="noStrike" spc="-1" dirty="0">
                 <a:solidFill>
                   <a:srgbClr val="000000"/>
                 </a:solidFill>
@@ -6899,6 +6907,7 @@
                     <a:srgbClr val="FFFFFF"/>
                   </a:solidFill>
                 </a:uFill>
+                <a:latin typeface="Eurostile" panose="020B0504020202050204" pitchFamily="34" charset="0"/>
               </a:rPr>
               <a:t>(0, 0, 0, 1)</a:t>
             </a:r>
@@ -6929,7 +6938,7 @@
           <a:lstStyle/>
           <a:p>
             <a:r>
-              <a:rPr lang="fr-FR" b="0" strike="noStrike" spc="-1" dirty="0">
+              <a:rPr lang="fr-FR" b="0" i="1" strike="noStrike" spc="-1" dirty="0">
                 <a:solidFill>
                   <a:srgbClr val="000000"/>
                 </a:solidFill>
@@ -6938,6 +6947,7 @@
                     <a:srgbClr val="FFFFFF"/>
                   </a:solidFill>
                 </a:uFill>
+                <a:latin typeface="Eurostile" panose="020B0504020202050204" pitchFamily="34" charset="0"/>
               </a:rPr>
               <a:t>Le chat est couché</a:t>
             </a:r>
@@ -6987,7 +6997,7 @@
         <p:spPr>
           <a:xfrm>
             <a:off x="4611240" y="4065660"/>
-            <a:ext cx="2251080" cy="937080"/>
+            <a:ext cx="2392364" cy="937080"/>
           </a:xfrm>
           <a:prstGeom prst="rect">
             <a:avLst/>
@@ -7002,7 +7012,7 @@
           <a:lstStyle/>
           <a:p>
             <a:r>
-              <a:rPr lang="fr-FR" b="0" strike="noStrike" spc="-1" dirty="0">
+              <a:rPr lang="fr-FR" b="0" i="1" strike="noStrike" spc="-1" dirty="0">
                 <a:solidFill>
                   <a:srgbClr val="000000"/>
                 </a:solidFill>
@@ -7011,13 +7021,14 @@
                     <a:srgbClr val="FFFFFF"/>
                   </a:solidFill>
                 </a:uFill>
+                <a:latin typeface="Eurostile" panose="020B0504020202050204" pitchFamily="34" charset="0"/>
               </a:rPr>
               <a:t>(0.23, -1.40, ..., 2.98)</a:t>
             </a:r>
           </a:p>
           <a:p>
             <a:r>
-              <a:rPr lang="fr-FR" b="0" strike="noStrike" spc="-1" dirty="0">
+              <a:rPr lang="fr-FR" b="0" i="1" strike="noStrike" spc="-1" dirty="0">
                 <a:solidFill>
                   <a:srgbClr val="000000"/>
                 </a:solidFill>
@@ -7026,13 +7037,14 @@
                     <a:srgbClr val="FFFFFF"/>
                   </a:solidFill>
                 </a:uFill>
+                <a:latin typeface="Eurostile" panose="020B0504020202050204" pitchFamily="34" charset="0"/>
               </a:rPr>
               <a:t>(0.02, 2.03, ..., -0.99)</a:t>
             </a:r>
           </a:p>
           <a:p>
             <a:r>
-              <a:rPr lang="fr-FR" b="0" strike="noStrike" spc="-1" dirty="0">
+              <a:rPr lang="fr-FR" b="0" i="1" strike="noStrike" spc="-1" dirty="0">
                 <a:solidFill>
                   <a:srgbClr val="000000"/>
                 </a:solidFill>
@@ -7041,13 +7053,14 @@
                     <a:srgbClr val="FFFFFF"/>
                   </a:solidFill>
                 </a:uFill>
+                <a:latin typeface="Eurostile" panose="020B0504020202050204" pitchFamily="34" charset="0"/>
               </a:rPr>
               <a:t>(-0.62, 0.56, ..., 0.67)</a:t>
             </a:r>
           </a:p>
           <a:p>
             <a:r>
-              <a:rPr lang="fr-FR" b="0" strike="noStrike" spc="-1" dirty="0">
+              <a:rPr lang="fr-FR" b="0" i="1" strike="noStrike" spc="-1" dirty="0">
                 <a:solidFill>
                   <a:srgbClr val="000000"/>
                 </a:solidFill>
@@ -7056,6 +7069,7 @@
                     <a:srgbClr val="FFFFFF"/>
                   </a:solidFill>
                 </a:uFill>
+                <a:latin typeface="Eurostile" panose="020B0504020202050204" pitchFamily="34" charset="0"/>
               </a:rPr>
               <a:t>(2.10, 0.04, ..., 0.868)</a:t>
             </a:r>
@@ -7071,7 +7085,7 @@
         <p:spPr>
           <a:xfrm>
             <a:off x="4755240" y="3993660"/>
-            <a:ext cx="1656000" cy="0"/>
+            <a:ext cx="1977000" cy="0"/>
           </a:xfrm>
           <a:prstGeom prst="line">
             <a:avLst/>
@@ -7107,7 +7121,7 @@
         </p:nvSpPr>
         <p:spPr>
           <a:xfrm>
-            <a:off x="4858319" y="3638172"/>
+            <a:off x="5002860" y="3638172"/>
             <a:ext cx="1481759" cy="355488"/>
           </a:xfrm>
           <a:prstGeom prst="rect">
@@ -7123,7 +7137,7 @@
           <a:lstStyle/>
           <a:p>
             <a:r>
-              <a:rPr lang="fr-FR" b="0" i="1" strike="noStrike" spc="-1" dirty="0">
+              <a:rPr lang="fr-FR" b="0" strike="noStrike" spc="-1" dirty="0">
                 <a:solidFill>
                   <a:schemeClr val="bg1">
                     <a:lumMod val="50000"/>
@@ -7164,7 +7178,7 @@
           <a:lstStyle/>
           <a:p>
             <a:r>
-              <a:rPr lang="fr-FR" b="0" i="1" strike="noStrike" spc="-1" dirty="0">
+              <a:rPr lang="fr-FR" b="0" strike="noStrike" spc="-1" dirty="0" smtClean="0">
                 <a:solidFill>
                   <a:schemeClr val="bg1">
                     <a:lumMod val="50000"/>
@@ -7176,8 +7190,20 @@
                   </a:solidFill>
                 </a:uFill>
               </a:rPr>
-              <a:t>optimisation</a:t>
-            </a:r>
+              <a:t>Optimisation</a:t>
+            </a:r>
+            <a:endParaRPr lang="fr-FR" b="0" strike="noStrike" spc="-1" dirty="0">
+              <a:solidFill>
+                <a:schemeClr val="bg1">
+                  <a:lumMod val="50000"/>
+                </a:schemeClr>
+              </a:solidFill>
+              <a:uFill>
+                <a:solidFill>
+                  <a:srgbClr val="FFFFFF"/>
+                </a:solidFill>
+              </a:uFill>
+            </a:endParaRPr>
           </a:p>
         </p:txBody>
       </p:sp>
@@ -7189,7 +7215,7 @@
         </p:nvSpPr>
         <p:spPr>
           <a:xfrm>
-            <a:off x="7003604" y="5157192"/>
+            <a:off x="6859099" y="5140805"/>
             <a:ext cx="2231640" cy="937080"/>
           </a:xfrm>
           <a:prstGeom prst="rect">
@@ -7205,7 +7231,7 @@
           <a:lstStyle/>
           <a:p>
             <a:r>
-              <a:rPr lang="fr-FR" b="0" strike="noStrike" spc="-1" dirty="0">
+              <a:rPr lang="fr-FR" b="0" i="1" strike="noStrike" spc="-1" dirty="0">
                 <a:solidFill>
                   <a:srgbClr val="000000"/>
                 </a:solidFill>
@@ -7214,13 +7240,14 @@
                     <a:srgbClr val="FFFFFF"/>
                   </a:solidFill>
                 </a:uFill>
+                <a:latin typeface="Eurostile" panose="020B0504020202050204" pitchFamily="34" charset="0"/>
               </a:rPr>
               <a:t>(2.2, 0.03, ..., 3.02)</a:t>
             </a:r>
           </a:p>
           <a:p>
             <a:r>
-              <a:rPr lang="fr-FR" b="0" strike="noStrike" spc="-1" dirty="0">
+              <a:rPr lang="fr-FR" b="0" i="1" strike="noStrike" spc="-1" dirty="0">
                 <a:solidFill>
                   <a:srgbClr val="000000"/>
                 </a:solidFill>
@@ -7229,13 +7256,14 @@
                     <a:srgbClr val="FFFFFF"/>
                   </a:solidFill>
                 </a:uFill>
+                <a:latin typeface="Eurostile" panose="020B0504020202050204" pitchFamily="34" charset="0"/>
               </a:rPr>
               <a:t>(0.08, 0.63, ..., 0.01)</a:t>
             </a:r>
           </a:p>
           <a:p>
             <a:r>
-              <a:rPr lang="fr-FR" b="0" strike="noStrike" spc="-1" dirty="0">
+              <a:rPr lang="fr-FR" b="0" i="1" strike="noStrike" spc="-1" dirty="0">
                 <a:solidFill>
                   <a:srgbClr val="000000"/>
                 </a:solidFill>
@@ -7244,13 +7272,14 @@
                     <a:srgbClr val="FFFFFF"/>
                   </a:solidFill>
                 </a:uFill>
+                <a:latin typeface="Eurostile" panose="020B0504020202050204" pitchFamily="34" charset="0"/>
               </a:rPr>
               <a:t>(-1.36, 1.22, ..., 0.67)</a:t>
             </a:r>
           </a:p>
           <a:p>
             <a:r>
-              <a:rPr lang="fr-FR" b="0" strike="noStrike" spc="-1" dirty="0">
+              <a:rPr lang="fr-FR" b="0" i="1" strike="noStrike" spc="-1" dirty="0">
                 <a:solidFill>
                   <a:srgbClr val="000000"/>
                 </a:solidFill>
@@ -7259,6 +7288,7 @@
                     <a:srgbClr val="FFFFFF"/>
                   </a:solidFill>
                 </a:uFill>
+                <a:latin typeface="Eurostile" panose="020B0504020202050204" pitchFamily="34" charset="0"/>
               </a:rPr>
               <a:t>(2.78, 0.40, ..., 0.57)</a:t>
             </a:r>
@@ -7268,13 +7298,15 @@
       <p:cxnSp>
         <p:nvCxnSpPr>
           <p:cNvPr id="18" name="Connecteur droit 17"/>
-          <p:cNvCxnSpPr/>
+          <p:cNvCxnSpPr>
+            <a:endCxn id="15" idx="2"/>
+          </p:cNvCxnSpPr>
           <p:nvPr/>
         </p:nvCxnSpPr>
         <p:spPr>
           <a:xfrm>
-            <a:off x="6988078" y="4521060"/>
-            <a:ext cx="1131346" cy="0"/>
+            <a:off x="7092280" y="4536540"/>
+            <a:ext cx="863196" cy="0"/>
           </a:xfrm>
           <a:prstGeom prst="line">
             <a:avLst/>
@@ -7303,14 +7335,12 @@
       <p:cxnSp>
         <p:nvCxnSpPr>
           <p:cNvPr id="17" name="Connecteur droit avec flèche 16"/>
-          <p:cNvCxnSpPr>
-            <a:endCxn id="16" idx="0"/>
-          </p:cNvCxnSpPr>
+          <p:cNvCxnSpPr/>
           <p:nvPr/>
         </p:nvCxnSpPr>
         <p:spPr>
           <a:xfrm>
-            <a:off x="8119424" y="4536540"/>
+            <a:off x="7955476" y="4534200"/>
             <a:ext cx="0" cy="620652"/>
           </a:xfrm>
           <a:prstGeom prst="straightConnector1">
